--- a/Netflix_Comparison.pptx
+++ b/Netflix_Comparison.pptx
@@ -9,7 +9,12 @@
     <p:sldId id="257" r:id="rId3"/>
     <p:sldId id="258" r:id="rId4"/>
     <p:sldId id="259" r:id="rId5"/>
-    <p:sldId id="260" r:id="rId6"/>
+    <p:sldId id="262" r:id="rId6"/>
+    <p:sldId id="265" r:id="rId7"/>
+    <p:sldId id="260" r:id="rId8"/>
+    <p:sldId id="266" r:id="rId9"/>
+    <p:sldId id="263" r:id="rId10"/>
+    <p:sldId id="264" r:id="rId11"/>
   </p:sldIdLst>
   <p:sldSz cx="12192000" cy="6858000"/>
   <p:notesSz cx="6858000" cy="9144000"/>
@@ -108,6 +113,11 @@
       </a:defRPr>
     </a:lvl9pPr>
   </p:defaultTextStyle>
+  <p:extLst>
+    <p:ext uri="{EFAFB233-063F-42B5-8137-9DF3F51BA10A}">
+      <p15:sldGuideLst xmlns:p15="http://schemas.microsoft.com/office/powerpoint/2012/main"/>
+    </p:ext>
+  </p:extLst>
 </p:presentation>
 </file>
 
@@ -564,7 +574,7 @@
           <a:p>
             <a:fld id="{0DAF61AA-5A98-4049-A93E-477E5505141A}" type="datetimeFigureOut">
               <a:rPr lang="en-US" smtClean="0"/>
-              <a:t>11/7/2022</a:t>
+              <a:t>11/13/2022</a:t>
             </a:fld>
             <a:endParaRPr lang="en-US" dirty="0"/>
           </a:p>
@@ -897,7 +907,7 @@
             <a:fld id="{0DAF61AA-5A98-4049-A93E-477E5505141A}" type="datetimeFigureOut">
               <a:rPr lang="en-US" smtClean="0"/>
               <a:pPr/>
-              <a:t>11/7/2022</a:t>
+              <a:t>11/13/2022</a:t>
             </a:fld>
             <a:endParaRPr lang="en-US" dirty="0"/>
           </a:p>
@@ -1095,7 +1105,7 @@
             <a:fld id="{0DAF61AA-5A98-4049-A93E-477E5505141A}" type="datetimeFigureOut">
               <a:rPr lang="en-US" smtClean="0"/>
               <a:pPr/>
-              <a:t>11/7/2022</a:t>
+              <a:t>11/13/2022</a:t>
             </a:fld>
             <a:endParaRPr lang="en-US" dirty="0"/>
           </a:p>
@@ -1367,7 +1377,7 @@
             <a:fld id="{0DAF61AA-5A98-4049-A93E-477E5505141A}" type="datetimeFigureOut">
               <a:rPr lang="en-US" smtClean="0"/>
               <a:pPr/>
-              <a:t>11/7/2022</a:t>
+              <a:t>11/13/2022</a:t>
             </a:fld>
             <a:endParaRPr lang="en-US" dirty="0"/>
           </a:p>
@@ -1797,7 +1807,7 @@
             <a:fld id="{0DAF61AA-5A98-4049-A93E-477E5505141A}" type="datetimeFigureOut">
               <a:rPr lang="en-US" smtClean="0"/>
               <a:pPr/>
-              <a:t>11/7/2022</a:t>
+              <a:t>11/13/2022</a:t>
             </a:fld>
             <a:endParaRPr lang="en-US" dirty="0"/>
           </a:p>
@@ -2349,7 +2359,7 @@
             <a:fld id="{0DAF61AA-5A98-4049-A93E-477E5505141A}" type="datetimeFigureOut">
               <a:rPr lang="en-US" smtClean="0"/>
               <a:pPr/>
-              <a:t>11/7/2022</a:t>
+              <a:t>11/13/2022</a:t>
             </a:fld>
             <a:endParaRPr lang="en-US" dirty="0"/>
           </a:p>
@@ -3141,7 +3151,7 @@
             <a:fld id="{0DAF61AA-5A98-4049-A93E-477E5505141A}" type="datetimeFigureOut">
               <a:rPr lang="en-US" smtClean="0"/>
               <a:pPr/>
-              <a:t>11/7/2022</a:t>
+              <a:t>11/13/2022</a:t>
             </a:fld>
             <a:endParaRPr lang="en-US" dirty="0"/>
           </a:p>
@@ -3322,7 +3332,7 @@
             <a:fld id="{0DAF61AA-5A98-4049-A93E-477E5505141A}" type="datetimeFigureOut">
               <a:rPr lang="en-US" smtClean="0"/>
               <a:pPr/>
-              <a:t>11/7/2022</a:t>
+              <a:t>11/13/2022</a:t>
             </a:fld>
             <a:endParaRPr lang="en-US" dirty="0"/>
           </a:p>
@@ -3508,7 +3518,7 @@
             <a:fld id="{0DAF61AA-5A98-4049-A93E-477E5505141A}" type="datetimeFigureOut">
               <a:rPr lang="en-US" smtClean="0"/>
               <a:pPr/>
-              <a:t>11/7/2022</a:t>
+              <a:t>11/13/2022</a:t>
             </a:fld>
             <a:endParaRPr lang="en-US" dirty="0"/>
           </a:p>
@@ -3561,182 +3571,6 @@
     <p:extLst>
       <p:ext uri="{BB962C8B-B14F-4D97-AF65-F5344CB8AC3E}">
         <p14:creationId xmlns:p14="http://schemas.microsoft.com/office/powerpoint/2010/main" val="93496678"/>
-      </p:ext>
-    </p:extLst>
-  </p:cSld>
-  <p:clrMapOvr>
-    <a:masterClrMapping/>
-  </p:clrMapOvr>
-</p:sldLayout>
-</file>
-
-<file path=ppt/slideLayouts/slideLayout18.xml><?xml version="1.0" encoding="utf-8"?>
-<p:sldLayout xmlns:a="http://schemas.openxmlformats.org/drawingml/2006/main" xmlns:r="http://schemas.openxmlformats.org/officeDocument/2006/relationships" xmlns:p="http://schemas.openxmlformats.org/presentationml/2006/main" type="obj">
-  <p:cSld name="1_Title and Content">
-    <p:spTree>
-      <p:nvGrpSpPr>
-        <p:cNvPr id="1" name=""/>
-        <p:cNvGrpSpPr/>
-        <p:nvPr/>
-      </p:nvGrpSpPr>
-      <p:grpSpPr>
-        <a:xfrm>
-          <a:off x="0" y="0"/>
-          <a:ext cx="0" cy="0"/>
-          <a:chOff x="0" y="0"/>
-          <a:chExt cx="0" cy="0"/>
-        </a:xfrm>
-      </p:grpSpPr>
-      <p:sp>
-        <p:nvSpPr>
-          <p:cNvPr id="2" name="Title 1"/>
-          <p:cNvSpPr>
-            <a:spLocks noGrp="1"/>
-          </p:cNvSpPr>
-          <p:nvPr>
-            <p:ph type="title"/>
-          </p:nvPr>
-        </p:nvSpPr>
-        <p:spPr/>
-        <p:txBody>
-          <a:bodyPr>
-            <a:normAutofit/>
-          </a:bodyPr>
-          <a:lstStyle>
-            <a:lvl1pPr>
-              <a:defRPr sz="3600"/>
-            </a:lvl1pPr>
-          </a:lstStyle>
-          <a:p>
-            <a:r>
-              <a:rPr lang="en-US"/>
-              <a:t>Click to edit Master title style</a:t>
-            </a:r>
-            <a:endParaRPr lang="en-US" dirty="0"/>
-          </a:p>
-        </p:txBody>
-      </p:sp>
-      <p:sp>
-        <p:nvSpPr>
-          <p:cNvPr id="3" name="Content Placeholder 2"/>
-          <p:cNvSpPr>
-            <a:spLocks noGrp="1"/>
-          </p:cNvSpPr>
-          <p:nvPr>
-            <p:ph idx="1"/>
-          </p:nvPr>
-        </p:nvSpPr>
-        <p:spPr/>
-        <p:txBody>
-          <a:bodyPr/>
-          <a:lstStyle/>
-          <a:p>
-            <a:pPr lvl="0"/>
-            <a:r>
-              <a:rPr lang="en-US"/>
-              <a:t>Click to edit Master text styles</a:t>
-            </a:r>
-          </a:p>
-          <a:p>
-            <a:pPr lvl="1"/>
-            <a:r>
-              <a:rPr lang="en-US"/>
-              <a:t>Second level</a:t>
-            </a:r>
-          </a:p>
-          <a:p>
-            <a:pPr lvl="2"/>
-            <a:r>
-              <a:rPr lang="en-US"/>
-              <a:t>Third level</a:t>
-            </a:r>
-          </a:p>
-          <a:p>
-            <a:pPr lvl="3"/>
-            <a:r>
-              <a:rPr lang="en-US"/>
-              <a:t>Fourth level</a:t>
-            </a:r>
-          </a:p>
-          <a:p>
-            <a:pPr lvl="4"/>
-            <a:r>
-              <a:rPr lang="en-US"/>
-              <a:t>Fifth level</a:t>
-            </a:r>
-            <a:endParaRPr lang="en-US" dirty="0"/>
-          </a:p>
-        </p:txBody>
-      </p:sp>
-      <p:sp>
-        <p:nvSpPr>
-          <p:cNvPr id="4" name="Date Placeholder 3"/>
-          <p:cNvSpPr>
-            <a:spLocks noGrp="1"/>
-          </p:cNvSpPr>
-          <p:nvPr>
-            <p:ph type="dt" sz="half" idx="10"/>
-          </p:nvPr>
-        </p:nvSpPr>
-        <p:spPr/>
-        <p:txBody>
-          <a:bodyPr/>
-          <a:lstStyle/>
-          <a:p>
-            <a:fld id="{0DAF61AA-5A98-4049-A93E-477E5505141A}" type="datetimeFigureOut">
-              <a:rPr lang="en-US" smtClean="0"/>
-              <a:t>11/7/2022</a:t>
-            </a:fld>
-            <a:endParaRPr lang="en-US"/>
-          </a:p>
-        </p:txBody>
-      </p:sp>
-      <p:sp>
-        <p:nvSpPr>
-          <p:cNvPr id="5" name="Footer Placeholder 4"/>
-          <p:cNvSpPr>
-            <a:spLocks noGrp="1"/>
-          </p:cNvSpPr>
-          <p:nvPr>
-            <p:ph type="ftr" sz="quarter" idx="11"/>
-          </p:nvPr>
-        </p:nvSpPr>
-        <p:spPr/>
-        <p:txBody>
-          <a:bodyPr/>
-          <a:lstStyle/>
-          <a:p>
-            <a:endParaRPr lang="en-US"/>
-          </a:p>
-        </p:txBody>
-      </p:sp>
-      <p:sp>
-        <p:nvSpPr>
-          <p:cNvPr id="6" name="Slide Number Placeholder 5"/>
-          <p:cNvSpPr>
-            <a:spLocks noGrp="1"/>
-          </p:cNvSpPr>
-          <p:nvPr>
-            <p:ph type="sldNum" sz="quarter" idx="12"/>
-          </p:nvPr>
-        </p:nvSpPr>
-        <p:spPr/>
-        <p:txBody>
-          <a:bodyPr/>
-          <a:lstStyle/>
-          <a:p>
-            <a:fld id="{73B850FF-6169-4056-8077-06FFA93A5366}" type="slidenum">
-              <a:rPr lang="en-US" smtClean="0"/>
-              <a:t>‹#›</a:t>
-            </a:fld>
-            <a:endParaRPr lang="en-US"/>
-          </a:p>
-        </p:txBody>
-      </p:sp>
-    </p:spTree>
-    <p:extLst>
-      <p:ext uri="{BB962C8B-B14F-4D97-AF65-F5344CB8AC3E}">
-        <p14:creationId xmlns:p14="http://schemas.microsoft.com/office/powerpoint/2010/main" val="1549912340"/>
       </p:ext>
     </p:extLst>
   </p:cSld>
@@ -3861,7 +3695,7 @@
             <a:fld id="{0DAF61AA-5A98-4049-A93E-477E5505141A}" type="datetimeFigureOut">
               <a:rPr lang="en-US" smtClean="0"/>
               <a:pPr/>
-              <a:t>11/7/2022</a:t>
+              <a:t>11/13/2022</a:t>
             </a:fld>
             <a:endParaRPr lang="en-US" dirty="0"/>
           </a:p>
@@ -4112,7 +3946,7 @@
           <a:p>
             <a:fld id="{0DAF61AA-5A98-4049-A93E-477E5505141A}" type="datetimeFigureOut">
               <a:rPr lang="en-US" smtClean="0"/>
-              <a:t>11/7/2022</a:t>
+              <a:t>11/13/2022</a:t>
             </a:fld>
             <a:endParaRPr lang="en-US"/>
           </a:p>
@@ -4350,7 +4184,7 @@
             <a:fld id="{0DAF61AA-5A98-4049-A93E-477E5505141A}" type="datetimeFigureOut">
               <a:rPr lang="en-US" smtClean="0"/>
               <a:pPr/>
-              <a:t>11/7/2022</a:t>
+              <a:t>11/13/2022</a:t>
             </a:fld>
             <a:endParaRPr lang="en-US" dirty="0"/>
           </a:p>
@@ -4737,7 +4571,7 @@
             <a:fld id="{0DAF61AA-5A98-4049-A93E-477E5505141A}" type="datetimeFigureOut">
               <a:rPr lang="en-US" smtClean="0"/>
               <a:pPr/>
-              <a:t>11/7/2022</a:t>
+              <a:t>11/13/2022</a:t>
             </a:fld>
             <a:endParaRPr lang="en-US" dirty="0"/>
           </a:p>
@@ -4856,7 +4690,7 @@
           <a:p>
             <a:fld id="{0DAF61AA-5A98-4049-A93E-477E5505141A}" type="datetimeFigureOut">
               <a:rPr lang="en-US" smtClean="0"/>
-              <a:t>11/7/2022</a:t>
+              <a:t>11/13/2022</a:t>
             </a:fld>
             <a:endParaRPr lang="en-US"/>
           </a:p>
@@ -4951,7 +4785,7 @@
           <a:p>
             <a:fld id="{0DAF61AA-5A98-4049-A93E-477E5505141A}" type="datetimeFigureOut">
               <a:rPr lang="en-US" smtClean="0"/>
-              <a:t>11/7/2022</a:t>
+              <a:t>11/13/2022</a:t>
             </a:fld>
             <a:endParaRPr lang="en-US"/>
           </a:p>
@@ -5205,7 +5039,7 @@
             <a:fld id="{0DAF61AA-5A98-4049-A93E-477E5505141A}" type="datetimeFigureOut">
               <a:rPr lang="en-US" smtClean="0"/>
               <a:pPr/>
-              <a:t>11/7/2022</a:t>
+              <a:t>11/13/2022</a:t>
             </a:fld>
             <a:endParaRPr lang="en-US" dirty="0"/>
           </a:p>
@@ -5475,7 +5309,7 @@
           <a:p>
             <a:fld id="{0DAF61AA-5A98-4049-A93E-477E5505141A}" type="datetimeFigureOut">
               <a:rPr lang="en-US" smtClean="0"/>
-              <a:t>11/7/2022</a:t>
+              <a:t>11/13/2022</a:t>
             </a:fld>
             <a:endParaRPr lang="en-US"/>
           </a:p>
@@ -5567,7 +5401,7 @@
           <p:nvPr/>
         </p:nvPicPr>
         <p:blipFill>
-          <a:blip r:embed="rId20">
+          <a:blip r:embed="rId19">
             <a:extLst>
               <a:ext uri="{28A0092B-C50C-407E-A947-70E740481C1C}">
                 <a14:useLocalDpi xmlns:a14="http://schemas.microsoft.com/office/drawing/2010/main" val="0"/>
@@ -5879,7 +5713,7 @@
             <a:fld id="{0DAF61AA-5A98-4049-A93E-477E5505141A}" type="datetimeFigureOut">
               <a:rPr lang="en-US" smtClean="0"/>
               <a:pPr/>
-              <a:t>11/7/2022</a:t>
+              <a:t>11/13/2022</a:t>
             </a:fld>
             <a:endParaRPr lang="en-US" dirty="0"/>
           </a:p>
@@ -5990,7 +5824,6 @@
     <p:sldLayoutId id="2147483731" r:id="rId15"/>
     <p:sldLayoutId id="2147483732" r:id="rId16"/>
     <p:sldLayoutId id="2147483733" r:id="rId17"/>
-    <p:sldLayoutId id="2147483734" r:id="rId18"/>
   </p:sldLayoutIdLst>
   <p:txStyles>
     <p:titleStyle>
@@ -6772,7 +6605,7 @@
 </p:sld>
 </file>
 
-<file path=ppt/slides/slide2.xml><?xml version="1.0" encoding="utf-8"?>
+<file path=ppt/slides/slide10.xml><?xml version="1.0" encoding="utf-8"?>
 <p:sld xmlns:a="http://schemas.openxmlformats.org/drawingml/2006/main" xmlns:r="http://schemas.openxmlformats.org/officeDocument/2006/relationships" xmlns:p="http://schemas.openxmlformats.org/presentationml/2006/main">
   <p:cSld>
     <p:spTree>
@@ -6794,7 +6627,7 @@
           <p:cNvPr id="2" name="Title 1">
             <a:extLst>
               <a:ext uri="{FF2B5EF4-FFF2-40B4-BE49-F238E27FC236}">
-                <a16:creationId xmlns:a16="http://schemas.microsoft.com/office/drawing/2014/main" id="{17E2D690-1A8C-6176-1CD5-6886558BC596}"/>
+                <a16:creationId xmlns:a16="http://schemas.microsoft.com/office/drawing/2014/main" id="{DBC921C5-5531-A9B1-78FA-437151214A0C}"/>
               </a:ext>
             </a:extLst>
           </p:cNvPr>
@@ -6810,10 +6643,415 @@
           <a:bodyPr/>
           <a:lstStyle/>
           <a:p>
+            <a:r>
+              <a:rPr lang="en-US" cap="none" dirty="0">
+                <a:latin typeface="Arial" panose="020B0604020202020204" pitchFamily="34" charset="0"/>
+                <a:cs typeface="Arial" panose="020B0604020202020204" pitchFamily="34" charset="0"/>
+              </a:rPr>
+              <a:t>Next Steps</a:t>
+            </a:r>
+          </a:p>
+        </p:txBody>
+      </p:sp>
+      <p:sp>
+        <p:nvSpPr>
+          <p:cNvPr id="4" name="Content Placeholder 3">
+            <a:extLst>
+              <a:ext uri="{FF2B5EF4-FFF2-40B4-BE49-F238E27FC236}">
+                <a16:creationId xmlns:a16="http://schemas.microsoft.com/office/drawing/2014/main" id="{56CBBD9E-23DC-B411-E9FF-78564DFA42F9}"/>
+              </a:ext>
+            </a:extLst>
+          </p:cNvPr>
+          <p:cNvSpPr>
+            <a:spLocks noGrp="1"/>
+          </p:cNvSpPr>
+          <p:nvPr>
+            <p:ph sz="quarter" idx="13"/>
+          </p:nvPr>
+        </p:nvSpPr>
+        <p:spPr/>
+        <p:txBody>
+          <a:bodyPr/>
+          <a:lstStyle/>
+          <a:p>
+            <a:endParaRPr lang="en-US" cap="none" dirty="0">
+              <a:latin typeface="Arial" panose="020B0604020202020204" pitchFamily="34" charset="0"/>
+              <a:cs typeface="Arial" panose="020B0604020202020204" pitchFamily="34" charset="0"/>
+            </a:endParaRPr>
+          </a:p>
+        </p:txBody>
+      </p:sp>
+      <p:sp>
+        <p:nvSpPr>
+          <p:cNvPr id="8" name="Content Placeholder 7">
+            <a:extLst>
+              <a:ext uri="{FF2B5EF4-FFF2-40B4-BE49-F238E27FC236}">
+                <a16:creationId xmlns:a16="http://schemas.microsoft.com/office/drawing/2014/main" id="{B5BA0ED6-958E-7D4C-4C90-A73D89354476}"/>
+              </a:ext>
+            </a:extLst>
+          </p:cNvPr>
+          <p:cNvSpPr>
+            <a:spLocks noGrp="1"/>
+          </p:cNvSpPr>
+          <p:nvPr>
+            <p:ph sz="quarter" idx="14"/>
+          </p:nvPr>
+        </p:nvSpPr>
+        <p:spPr/>
+        <p:txBody>
+          <a:bodyPr/>
+          <a:lstStyle/>
+          <a:p>
+            <a:endParaRPr lang="en-US"/>
+          </a:p>
+        </p:txBody>
+      </p:sp>
+    </p:spTree>
+    <p:extLst>
+      <p:ext uri="{BB962C8B-B14F-4D97-AF65-F5344CB8AC3E}">
+        <p14:creationId xmlns:p14="http://schemas.microsoft.com/office/powerpoint/2010/main" val="2526537026"/>
+      </p:ext>
+    </p:extLst>
+  </p:cSld>
+  <p:clrMapOvr>
+    <a:masterClrMapping/>
+  </p:clrMapOvr>
+</p:sld>
+</file>
+
+<file path=ppt/slides/slide2.xml><?xml version="1.0" encoding="utf-8"?>
+<p:sld xmlns:a="http://schemas.openxmlformats.org/drawingml/2006/main" xmlns:r="http://schemas.openxmlformats.org/officeDocument/2006/relationships" xmlns:p="http://schemas.openxmlformats.org/presentationml/2006/main">
+  <p:cSld>
+    <p:bg>
+      <p:bgPr>
+        <a:blipFill>
+          <a:blip r:embed="rId2">
+            <a:duotone>
+              <a:schemeClr val="bg1">
+                <a:shade val="48000"/>
+                <a:satMod val="110000"/>
+                <a:lumMod val="40000"/>
+              </a:schemeClr>
+              <a:schemeClr val="bg1">
+                <a:tint val="90000"/>
+                <a:lumMod val="106000"/>
+              </a:schemeClr>
+            </a:duotone>
+          </a:blip>
+          <a:stretch/>
+        </a:blipFill>
+        <a:effectLst/>
+      </p:bgPr>
+    </p:bg>
+    <p:spTree>
+      <p:nvGrpSpPr>
+        <p:cNvPr id="1" name=""/>
+        <p:cNvGrpSpPr/>
+        <p:nvPr/>
+      </p:nvGrpSpPr>
+      <p:grpSpPr>
+        <a:xfrm>
+          <a:off x="0" y="0"/>
+          <a:ext cx="0" cy="0"/>
+          <a:chOff x="0" y="0"/>
+          <a:chExt cx="0" cy="0"/>
+        </a:xfrm>
+      </p:grpSpPr>
+      <p:sp>
+        <p:nvSpPr>
+          <p:cNvPr id="8" name="Freeform: Shape 7">
+            <a:extLst>
+              <a:ext uri="{FF2B5EF4-FFF2-40B4-BE49-F238E27FC236}">
+                <a16:creationId xmlns:a16="http://schemas.microsoft.com/office/drawing/2014/main" id="{66809B23-EC40-425A-B89A-F9CE4F06316B}"/>
+              </a:ext>
+              <a:ext uri="{C183D7F6-B498-43B3-948B-1728B52AA6E4}">
+                <adec:decorative xmlns:adec="http://schemas.microsoft.com/office/drawing/2017/decorative" val="1"/>
+              </a:ext>
+            </a:extLst>
+          </p:cNvPr>
+          <p:cNvSpPr>
+            <a:spLocks noGrp="1" noRot="1" noChangeAspect="1" noMove="1" noResize="1" noEditPoints="1" noAdjustHandles="1" noChangeArrowheads="1" noChangeShapeType="1" noTextEdit="1"/>
+          </p:cNvSpPr>
+          <p:nvPr>
+            <p:extLst>
+              <p:ext uri="{386F3935-93C4-4BCD-93E2-E3B085C9AB24}">
+                <p16:designElem xmlns:p16="http://schemas.microsoft.com/office/powerpoint/2015/main" val="1"/>
+              </p:ext>
+            </p:extLst>
+          </p:nvPr>
+        </p:nvSpPr>
+        <p:spPr>
+          <a:xfrm>
+            <a:off x="0" y="1"/>
+            <a:ext cx="12192001" cy="6857999"/>
+          </a:xfrm>
+          <a:custGeom>
+            <a:avLst/>
+            <a:gdLst>
+              <a:gd name="connsiteX0" fmla="*/ 3 w 11647715"/>
+              <a:gd name="connsiteY0" fmla="*/ 0 h 2634343"/>
+              <a:gd name="connsiteX1" fmla="*/ 11647715 w 11647715"/>
+              <a:gd name="connsiteY1" fmla="*/ 0 h 2634343"/>
+              <a:gd name="connsiteX2" fmla="*/ 11647715 w 11647715"/>
+              <a:gd name="connsiteY2" fmla="*/ 2634343 h 2634343"/>
+              <a:gd name="connsiteX3" fmla="*/ 3 w 11647715"/>
+              <a:gd name="connsiteY3" fmla="*/ 2634343 h 2634343"/>
+              <a:gd name="connsiteX4" fmla="*/ 3 w 11647715"/>
+              <a:gd name="connsiteY4" fmla="*/ 1533667 h 2634343"/>
+              <a:gd name="connsiteX5" fmla="*/ 0 w 11647715"/>
+              <a:gd name="connsiteY5" fmla="*/ 1533667 h 2634343"/>
+              <a:gd name="connsiteX6" fmla="*/ 0 w 11647715"/>
+              <a:gd name="connsiteY6" fmla="*/ 980400 h 2634343"/>
+              <a:gd name="connsiteX7" fmla="*/ 3 w 11647715"/>
+              <a:gd name="connsiteY7" fmla="*/ 980400 h 2634343"/>
+            </a:gdLst>
+            <a:ahLst/>
+            <a:cxnLst>
+              <a:cxn ang="0">
+                <a:pos x="connsiteX0" y="connsiteY0"/>
+              </a:cxn>
+              <a:cxn ang="0">
+                <a:pos x="connsiteX1" y="connsiteY1"/>
+              </a:cxn>
+              <a:cxn ang="0">
+                <a:pos x="connsiteX2" y="connsiteY2"/>
+              </a:cxn>
+              <a:cxn ang="0">
+                <a:pos x="connsiteX3" y="connsiteY3"/>
+              </a:cxn>
+              <a:cxn ang="0">
+                <a:pos x="connsiteX4" y="connsiteY4"/>
+              </a:cxn>
+              <a:cxn ang="0">
+                <a:pos x="connsiteX5" y="connsiteY5"/>
+              </a:cxn>
+              <a:cxn ang="0">
+                <a:pos x="connsiteX6" y="connsiteY6"/>
+              </a:cxn>
+              <a:cxn ang="0">
+                <a:pos x="connsiteX7" y="connsiteY7"/>
+              </a:cxn>
+            </a:cxnLst>
+            <a:rect l="l" t="t" r="r" b="b"/>
+            <a:pathLst>
+              <a:path w="11647715" h="2634343">
+                <a:moveTo>
+                  <a:pt x="3" y="0"/>
+                </a:moveTo>
+                <a:lnTo>
+                  <a:pt x="11647715" y="0"/>
+                </a:lnTo>
+                <a:lnTo>
+                  <a:pt x="11647715" y="2634343"/>
+                </a:lnTo>
+                <a:lnTo>
+                  <a:pt x="3" y="2634343"/>
+                </a:lnTo>
+                <a:lnTo>
+                  <a:pt x="3" y="1533667"/>
+                </a:lnTo>
+                <a:lnTo>
+                  <a:pt x="0" y="1533667"/>
+                </a:lnTo>
+                <a:lnTo>
+                  <a:pt x="0" y="980400"/>
+                </a:lnTo>
+                <a:lnTo>
+                  <a:pt x="3" y="980400"/>
+                </a:lnTo>
+                <a:close/>
+              </a:path>
+            </a:pathLst>
+          </a:custGeom>
+          <a:gradFill flip="none" rotWithShape="1">
+            <a:gsLst>
+              <a:gs pos="34000">
+                <a:schemeClr val="accent1"/>
+              </a:gs>
+              <a:gs pos="100000">
+                <a:schemeClr val="accent1">
+                  <a:lumMod val="50000"/>
+                </a:schemeClr>
+              </a:gs>
+            </a:gsLst>
+            <a:path path="circle">
+              <a:fillToRect l="50000" t="50000" r="50000" b="50000"/>
+            </a:path>
+            <a:tileRect/>
+          </a:gradFill>
+          <a:ln>
+            <a:noFill/>
+          </a:ln>
+        </p:spPr>
+        <p:style>
+          <a:lnRef idx="1">
+            <a:schemeClr val="accent1"/>
+          </a:lnRef>
+          <a:fillRef idx="3">
+            <a:schemeClr val="accent1"/>
+          </a:fillRef>
+          <a:effectRef idx="2">
+            <a:schemeClr val="accent1"/>
+          </a:effectRef>
+          <a:fontRef idx="minor">
+            <a:schemeClr val="lt1"/>
+          </a:fontRef>
+        </p:style>
+      </p:sp>
+      <p:sp useBgFill="1">
+        <p:nvSpPr>
+          <p:cNvPr id="10" name="Freeform: Shape 9">
+            <a:extLst>
+              <a:ext uri="{FF2B5EF4-FFF2-40B4-BE49-F238E27FC236}">
+                <a16:creationId xmlns:a16="http://schemas.microsoft.com/office/drawing/2014/main" id="{A601F395-3079-4179-84BA-6654D9F8258F}"/>
+              </a:ext>
+              <a:ext uri="{C183D7F6-B498-43B3-948B-1728B52AA6E4}">
+                <adec:decorative xmlns:adec="http://schemas.microsoft.com/office/drawing/2017/decorative" val="1"/>
+              </a:ext>
+            </a:extLst>
+          </p:cNvPr>
+          <p:cNvSpPr>
+            <a:spLocks noGrp="1" noRot="1" noChangeAspect="1" noMove="1" noResize="1" noEditPoints="1" noAdjustHandles="1" noChangeArrowheads="1" noChangeShapeType="1" noTextEdit="1"/>
+          </p:cNvSpPr>
+          <p:nvPr>
+            <p:extLst>
+              <p:ext uri="{386F3935-93C4-4BCD-93E2-E3B085C9AB24}">
+                <p16:designElem xmlns:p16="http://schemas.microsoft.com/office/powerpoint/2015/main" val="1"/>
+              </p:ext>
+            </p:extLst>
+          </p:nvPr>
+        </p:nvSpPr>
+        <p:spPr>
+          <a:xfrm>
+            <a:off x="643466" y="643467"/>
+            <a:ext cx="10905067" cy="5571066"/>
+          </a:xfrm>
+          <a:custGeom>
+            <a:avLst/>
+            <a:gdLst>
+              <a:gd name="connsiteX0" fmla="*/ 0 w 8130198"/>
+              <a:gd name="connsiteY0" fmla="*/ 0 h 6857999"/>
+              <a:gd name="connsiteX1" fmla="*/ 7241014 w 8130198"/>
+              <a:gd name="connsiteY1" fmla="*/ 0 h 6857999"/>
+              <a:gd name="connsiteX2" fmla="*/ 8130198 w 8130198"/>
+              <a:gd name="connsiteY2" fmla="*/ 0 h 6857999"/>
+              <a:gd name="connsiteX3" fmla="*/ 8130198 w 8130198"/>
+              <a:gd name="connsiteY3" fmla="*/ 6857999 h 6857999"/>
+              <a:gd name="connsiteX4" fmla="*/ 0 w 8130198"/>
+              <a:gd name="connsiteY4" fmla="*/ 6857999 h 6857999"/>
+              <a:gd name="connsiteX5" fmla="*/ 0 w 8130198"/>
+              <a:gd name="connsiteY5" fmla="*/ 6375361 h 6857999"/>
+            </a:gdLst>
+            <a:ahLst/>
+            <a:cxnLst>
+              <a:cxn ang="0">
+                <a:pos x="connsiteX0" y="connsiteY0"/>
+              </a:cxn>
+              <a:cxn ang="0">
+                <a:pos x="connsiteX1" y="connsiteY1"/>
+              </a:cxn>
+              <a:cxn ang="0">
+                <a:pos x="connsiteX2" y="connsiteY2"/>
+              </a:cxn>
+              <a:cxn ang="0">
+                <a:pos x="connsiteX3" y="connsiteY3"/>
+              </a:cxn>
+              <a:cxn ang="0">
+                <a:pos x="connsiteX4" y="connsiteY4"/>
+              </a:cxn>
+              <a:cxn ang="0">
+                <a:pos x="connsiteX5" y="connsiteY5"/>
+              </a:cxn>
+            </a:cxnLst>
+            <a:rect l="l" t="t" r="r" b="b"/>
+            <a:pathLst>
+              <a:path w="8130198" h="6857999">
+                <a:moveTo>
+                  <a:pt x="0" y="0"/>
+                </a:moveTo>
+                <a:lnTo>
+                  <a:pt x="7241014" y="0"/>
+                </a:lnTo>
+                <a:lnTo>
+                  <a:pt x="8130198" y="0"/>
+                </a:lnTo>
+                <a:lnTo>
+                  <a:pt x="8130198" y="6857999"/>
+                </a:lnTo>
+                <a:lnTo>
+                  <a:pt x="0" y="6857999"/>
+                </a:lnTo>
+                <a:lnTo>
+                  <a:pt x="0" y="6375361"/>
+                </a:lnTo>
+                <a:close/>
+              </a:path>
+            </a:pathLst>
+          </a:custGeom>
+          <a:ln w="50800" cap="sq">
+            <a:solidFill>
+              <a:srgbClr val="7F7F7F"/>
+            </a:solidFill>
+            <a:miter lim="800000"/>
+          </a:ln>
+          <a:effectLst>
+            <a:outerShdw blurRad="101600" dist="152400" dir="4380000" algn="t" rotWithShape="0">
+              <a:prstClr val="black">
+                <a:alpha val="43000"/>
+              </a:prstClr>
+            </a:outerShdw>
+          </a:effectLst>
+        </p:spPr>
+        <p:style>
+          <a:lnRef idx="1">
+            <a:schemeClr val="accent1"/>
+          </a:lnRef>
+          <a:fillRef idx="3">
+            <a:schemeClr val="accent1"/>
+          </a:fillRef>
+          <a:effectRef idx="2">
+            <a:schemeClr val="accent1"/>
+          </a:effectRef>
+          <a:fontRef idx="minor">
+            <a:schemeClr val="lt1"/>
+          </a:fontRef>
+        </p:style>
+      </p:sp>
+      <p:sp>
+        <p:nvSpPr>
+          <p:cNvPr id="2" name="Title 1">
+            <a:extLst>
+              <a:ext uri="{FF2B5EF4-FFF2-40B4-BE49-F238E27FC236}">
+                <a16:creationId xmlns:a16="http://schemas.microsoft.com/office/drawing/2014/main" id="{4D6E9A5F-E211-7FDF-30E1-17638CAAF7E0}"/>
+              </a:ext>
+            </a:extLst>
+          </p:cNvPr>
+          <p:cNvSpPr>
+            <a:spLocks noGrp="1"/>
+          </p:cNvSpPr>
+          <p:nvPr>
+            <p:ph type="title"/>
+          </p:nvPr>
+        </p:nvSpPr>
+        <p:spPr>
+          <a:xfrm>
+            <a:off x="1286933" y="1061660"/>
+            <a:ext cx="9618133" cy="1043108"/>
+          </a:xfrm>
+        </p:spPr>
+        <p:txBody>
+          <a:bodyPr>
+            <a:normAutofit/>
+          </a:bodyPr>
+          <a:lstStyle/>
+          <a:p>
             <a:pPr algn="ctr"/>
             <a:r>
-              <a:rPr lang="en-US" dirty="0"/>
-              <a:t>Proposal</a:t>
+              <a:rPr lang="en-US" sz="4800" cap="none">
+                <a:latin typeface="Arial" panose="020B0604020202020204" pitchFamily="34" charset="0"/>
+                <a:cs typeface="Arial" panose="020B0604020202020204" pitchFamily="34" charset="0"/>
+              </a:rPr>
+              <a:t>What data did we use?</a:t>
             </a:r>
           </a:p>
         </p:txBody>
@@ -6823,7 +7061,7 @@
           <p:cNvPr id="3" name="Content Placeholder 2">
             <a:extLst>
               <a:ext uri="{FF2B5EF4-FFF2-40B4-BE49-F238E27FC236}">
-                <a16:creationId xmlns:a16="http://schemas.microsoft.com/office/drawing/2014/main" id="{740B328E-33FF-3E8F-F1B6-597068E57B82}"/>
+                <a16:creationId xmlns:a16="http://schemas.microsoft.com/office/drawing/2014/main" id="{65FD461D-4A36-1FD0-A891-89BA7D1B1A1B}"/>
               </a:ext>
             </a:extLst>
           </p:cNvPr>
@@ -6831,22 +7069,84 @@
             <a:spLocks noGrp="1"/>
           </p:cNvSpPr>
           <p:nvPr>
-            <p:ph idx="1"/>
-          </p:nvPr>
-        </p:nvSpPr>
-        <p:spPr/>
-        <p:txBody>
-          <a:bodyPr/>
-          <a:lstStyle/>
-          <a:p>
-            <a:endParaRPr lang="en-US" dirty="0"/>
+            <p:ph sz="quarter" idx="13"/>
+          </p:nvPr>
+        </p:nvSpPr>
+        <p:spPr>
+          <a:xfrm>
+            <a:off x="1286933" y="2226681"/>
+            <a:ext cx="9618133" cy="3586290"/>
+          </a:xfrm>
+        </p:spPr>
+        <p:txBody>
+          <a:bodyPr>
+            <a:normAutofit/>
+          </a:bodyPr>
+          <a:lstStyle/>
+          <a:p>
+            <a:r>
+              <a:rPr lang="en-US" sz="1800">
+                <a:solidFill>
+                  <a:schemeClr val="tx1">
+                    <a:lumMod val="85000"/>
+                    <a:lumOff val="15000"/>
+                  </a:schemeClr>
+                </a:solidFill>
+                <a:latin typeface="Arial" panose="020B0604020202020204" pitchFamily="34" charset="0"/>
+                <a:cs typeface="Arial" panose="020B0604020202020204" pitchFamily="34" charset="0"/>
+              </a:rPr>
+              <a:t>“</a:t>
+            </a:r>
+            <a:r>
+              <a:rPr lang="en-US" sz="1800" cap="none">
+                <a:solidFill>
+                  <a:schemeClr val="tx1">
+                    <a:lumMod val="85000"/>
+                    <a:lumOff val="15000"/>
+                  </a:schemeClr>
+                </a:solidFill>
+                <a:latin typeface="Arial" panose="020B0604020202020204" pitchFamily="34" charset="0"/>
+                <a:cs typeface="Arial" panose="020B0604020202020204" pitchFamily="34" charset="0"/>
+              </a:rPr>
+              <a:t>Netflix Movies and TV Shows” dataset from Kaggle</a:t>
+            </a:r>
+          </a:p>
+          <a:p>
+            <a:r>
+              <a:rPr lang="en-US" sz="1800" cap="none">
+                <a:solidFill>
+                  <a:schemeClr val="tx1">
+                    <a:lumMod val="85000"/>
+                    <a:lumOff val="15000"/>
+                  </a:schemeClr>
+                </a:solidFill>
+                <a:latin typeface="Arial" panose="020B0604020202020204" pitchFamily="34" charset="0"/>
+                <a:cs typeface="Arial" panose="020B0604020202020204" pitchFamily="34" charset="0"/>
+              </a:rPr>
+              <a:t>Merged with “Netflix Titles” dataset from Kaggle to populate specific information for each movie and TV show</a:t>
+            </a:r>
+          </a:p>
+          <a:p>
+            <a:r>
+              <a:rPr lang="en-US" sz="1800" cap="none">
+                <a:solidFill>
+                  <a:schemeClr val="tx1">
+                    <a:lumMod val="85000"/>
+                    <a:lumOff val="15000"/>
+                  </a:schemeClr>
+                </a:solidFill>
+                <a:latin typeface="Arial" panose="020B0604020202020204" pitchFamily="34" charset="0"/>
+                <a:cs typeface="Arial" panose="020B0604020202020204" pitchFamily="34" charset="0"/>
+              </a:rPr>
+              <a:t>API call from OMDB to fill in all “NAN” values that were not in the “Netflix Titles” merge</a:t>
+            </a:r>
           </a:p>
         </p:txBody>
       </p:sp>
     </p:spTree>
     <p:extLst>
       <p:ext uri="{BB962C8B-B14F-4D97-AF65-F5344CB8AC3E}">
-        <p14:creationId xmlns:p14="http://schemas.microsoft.com/office/powerpoint/2010/main" val="4147719353"/>
+        <p14:creationId xmlns:p14="http://schemas.microsoft.com/office/powerpoint/2010/main" val="1003908615"/>
       </p:ext>
     </p:extLst>
   </p:cSld>
@@ -6878,7 +7178,7 @@
           <p:cNvPr id="2" name="Title 1">
             <a:extLst>
               <a:ext uri="{FF2B5EF4-FFF2-40B4-BE49-F238E27FC236}">
-                <a16:creationId xmlns:a16="http://schemas.microsoft.com/office/drawing/2014/main" id="{1C094009-A659-BDF1-A82B-220CB09D8B1C}"/>
+                <a16:creationId xmlns:a16="http://schemas.microsoft.com/office/drawing/2014/main" id="{DBC921C5-5531-A9B1-78FA-437151214A0C}"/>
               </a:ext>
             </a:extLst>
           </p:cNvPr>
@@ -6894,10 +7194,12 @@
           <a:bodyPr/>
           <a:lstStyle/>
           <a:p>
-            <a:pPr algn="ctr"/>
-            <a:r>
-              <a:rPr lang="en-US" dirty="0"/>
-              <a:t>Our Questions???</a:t>
+            <a:r>
+              <a:rPr lang="en-US" cap="none" dirty="0">
+                <a:latin typeface="Arial" panose="020B0604020202020204" pitchFamily="34" charset="0"/>
+                <a:cs typeface="Arial" panose="020B0604020202020204" pitchFamily="34" charset="0"/>
+              </a:rPr>
+              <a:t>What questions did we ask?</a:t>
             </a:r>
           </a:p>
         </p:txBody>
@@ -6907,7 +7209,7 @@
           <p:cNvPr id="3" name="Content Placeholder 2">
             <a:extLst>
               <a:ext uri="{FF2B5EF4-FFF2-40B4-BE49-F238E27FC236}">
-                <a16:creationId xmlns:a16="http://schemas.microsoft.com/office/drawing/2014/main" id="{44CA26C1-C069-D8EF-0535-BD686E2376FB}"/>
+                <a16:creationId xmlns:a16="http://schemas.microsoft.com/office/drawing/2014/main" id="{CB7D2898-DE68-2AB9-862A-31CC499799AE}"/>
               </a:ext>
             </a:extLst>
           </p:cNvPr>
@@ -6915,7 +7217,7 @@
             <a:spLocks noGrp="1"/>
           </p:cNvSpPr>
           <p:nvPr>
-            <p:ph idx="1"/>
+            <p:ph sz="quarter" idx="13"/>
           </p:nvPr>
         </p:nvSpPr>
         <p:spPr/>
@@ -6923,18 +7225,17 @@
           <a:bodyPr/>
           <a:lstStyle/>
           <a:p>
-            <a:r>
-              <a:rPr lang="en-US"/>
-              <a:t>Which </a:t>
-            </a:r>
-            <a:endParaRPr lang="en-US" dirty="0"/>
+            <a:endParaRPr lang="en-US" cap="none" dirty="0">
+              <a:latin typeface="Arial" panose="020B0604020202020204" pitchFamily="34" charset="0"/>
+              <a:cs typeface="Arial" panose="020B0604020202020204" pitchFamily="34" charset="0"/>
+            </a:endParaRPr>
           </a:p>
         </p:txBody>
       </p:sp>
     </p:spTree>
     <p:extLst>
       <p:ext uri="{BB962C8B-B14F-4D97-AF65-F5344CB8AC3E}">
-        <p14:creationId xmlns:p14="http://schemas.microsoft.com/office/powerpoint/2010/main" val="2672561043"/>
+        <p14:creationId xmlns:p14="http://schemas.microsoft.com/office/powerpoint/2010/main" val="943959107"/>
       </p:ext>
     </p:extLst>
   </p:cSld>
@@ -6966,7 +7267,7 @@
           <p:cNvPr id="2" name="Title 1">
             <a:extLst>
               <a:ext uri="{FF2B5EF4-FFF2-40B4-BE49-F238E27FC236}">
-                <a16:creationId xmlns:a16="http://schemas.microsoft.com/office/drawing/2014/main" id="{515AD4FB-AEC6-73F6-38E2-6D49245EBBA3}"/>
+                <a16:creationId xmlns:a16="http://schemas.microsoft.com/office/drawing/2014/main" id="{DBC921C5-5531-A9B1-78FA-437151214A0C}"/>
               </a:ext>
             </a:extLst>
           </p:cNvPr>
@@ -6982,17 +7283,22 @@
           <a:bodyPr/>
           <a:lstStyle/>
           <a:p>
-            <a:pPr algn="ctr"/>
-            <a:endParaRPr lang="en-US" dirty="0"/>
-          </a:p>
-        </p:txBody>
-      </p:sp>
-      <p:sp>
-        <p:nvSpPr>
-          <p:cNvPr id="3" name="Content Placeholder 2">
+            <a:r>
+              <a:rPr lang="en-US" cap="none" dirty="0">
+                <a:latin typeface="Arial" panose="020B0604020202020204" pitchFamily="34" charset="0"/>
+                <a:cs typeface="Arial" panose="020B0604020202020204" pitchFamily="34" charset="0"/>
+              </a:rPr>
+              <a:t>Final Dataset</a:t>
+            </a:r>
+          </a:p>
+        </p:txBody>
+      </p:sp>
+      <p:sp>
+        <p:nvSpPr>
+          <p:cNvPr id="5" name="Content Placeholder 4">
             <a:extLst>
               <a:ext uri="{FF2B5EF4-FFF2-40B4-BE49-F238E27FC236}">
-                <a16:creationId xmlns:a16="http://schemas.microsoft.com/office/drawing/2014/main" id="{4A3AD909-99C3-7D57-EA4D-9FC7505F3664}"/>
+                <a16:creationId xmlns:a16="http://schemas.microsoft.com/office/drawing/2014/main" id="{706D1C85-7378-CC37-0591-94A523378B08}"/>
               </a:ext>
             </a:extLst>
           </p:cNvPr>
@@ -7000,7 +7306,7 @@
             <a:spLocks noGrp="1"/>
           </p:cNvSpPr>
           <p:nvPr>
-            <p:ph idx="1"/>
+            <p:ph sz="quarter" idx="14"/>
           </p:nvPr>
         </p:nvSpPr>
         <p:spPr/>
@@ -7008,14 +7314,166 @@
           <a:bodyPr/>
           <a:lstStyle/>
           <a:p>
-            <a:endParaRPr lang="en-US"/>
+            <a:r>
+              <a:rPr lang="en-US" cap="none" dirty="0">
+                <a:latin typeface="Arial" panose="020B0604020202020204" pitchFamily="34" charset="0"/>
+                <a:cs typeface="Arial" panose="020B0604020202020204" pitchFamily="34" charset="0"/>
+              </a:rPr>
+              <a:t>Final Dataset</a:t>
+            </a:r>
+          </a:p>
+          <a:p>
+            <a:pPr lvl="1"/>
+            <a:r>
+              <a:rPr lang="en-US" cap="none" dirty="0">
+                <a:latin typeface="Arial" panose="020B0604020202020204" pitchFamily="34" charset="0"/>
+                <a:cs typeface="Arial" panose="020B0604020202020204" pitchFamily="34" charset="0"/>
+              </a:rPr>
+              <a:t>Full Country Name</a:t>
+            </a:r>
+          </a:p>
+          <a:p>
+            <a:pPr lvl="1"/>
+            <a:r>
+              <a:rPr lang="en-US" cap="none" dirty="0">
+                <a:latin typeface="Arial" panose="020B0604020202020204" pitchFamily="34" charset="0"/>
+                <a:cs typeface="Arial" panose="020B0604020202020204" pitchFamily="34" charset="0"/>
+              </a:rPr>
+              <a:t>Columns for drama, comedy, action, family, crime, and romance added</a:t>
+            </a:r>
+          </a:p>
+          <a:p>
+            <a:pPr lvl="1"/>
+            <a:r>
+              <a:rPr lang="en-US" cap="none" dirty="0">
+                <a:latin typeface="Arial" panose="020B0604020202020204" pitchFamily="34" charset="0"/>
+                <a:cs typeface="Arial" panose="020B0604020202020204" pitchFamily="34" charset="0"/>
+              </a:rPr>
+              <a:t>Ratings from PG to Not-Rated</a:t>
+            </a:r>
+          </a:p>
+          <a:p>
+            <a:pPr lvl="1"/>
+            <a:r>
+              <a:rPr lang="en-US" cap="none" dirty="0">
+                <a:latin typeface="Arial" panose="020B0604020202020204" pitchFamily="34" charset="0"/>
+                <a:cs typeface="Arial" panose="020B0604020202020204" pitchFamily="34" charset="0"/>
+              </a:rPr>
+              <a:t>2069 total rows</a:t>
+            </a:r>
+          </a:p>
+          <a:p>
+            <a:pPr lvl="2"/>
+            <a:r>
+              <a:rPr lang="en-US" cap="none" dirty="0">
+                <a:latin typeface="Arial" panose="020B0604020202020204" pitchFamily="34" charset="0"/>
+                <a:cs typeface="Arial" panose="020B0604020202020204" pitchFamily="34" charset="0"/>
+              </a:rPr>
+              <a:t>Shows that had multiple seasons in top 10 were grouped for some analysis</a:t>
+            </a:r>
+          </a:p>
+          <a:p>
+            <a:pPr lvl="1"/>
+            <a:endParaRPr lang="en-US" cap="none" dirty="0">
+              <a:latin typeface="Arial" panose="020B0604020202020204" pitchFamily="34" charset="0"/>
+              <a:cs typeface="Arial" panose="020B0604020202020204" pitchFamily="34" charset="0"/>
+            </a:endParaRPr>
+          </a:p>
+          <a:p>
+            <a:pPr lvl="1"/>
+            <a:endParaRPr lang="en-US" cap="none" dirty="0">
+              <a:latin typeface="Arial" panose="020B0604020202020204" pitchFamily="34" charset="0"/>
+              <a:cs typeface="Arial" panose="020B0604020202020204" pitchFamily="34" charset="0"/>
+            </a:endParaRPr>
+          </a:p>
+          <a:p>
+            <a:pPr lvl="1"/>
+            <a:endParaRPr lang="en-US" cap="none" dirty="0">
+              <a:latin typeface="Arial" panose="020B0604020202020204" pitchFamily="34" charset="0"/>
+              <a:cs typeface="Arial" panose="020B0604020202020204" pitchFamily="34" charset="0"/>
+            </a:endParaRPr>
+          </a:p>
+        </p:txBody>
+      </p:sp>
+      <p:sp>
+        <p:nvSpPr>
+          <p:cNvPr id="11" name="Content Placeholder 10">
+            <a:extLst>
+              <a:ext uri="{FF2B5EF4-FFF2-40B4-BE49-F238E27FC236}">
+                <a16:creationId xmlns:a16="http://schemas.microsoft.com/office/drawing/2014/main" id="{6FD2F2C2-E873-92EE-3867-C6B360A09B54}"/>
+              </a:ext>
+            </a:extLst>
+          </p:cNvPr>
+          <p:cNvSpPr>
+            <a:spLocks noGrp="1"/>
+          </p:cNvSpPr>
+          <p:nvPr>
+            <p:ph sz="quarter" idx="13"/>
+          </p:nvPr>
+        </p:nvSpPr>
+        <p:spPr/>
+        <p:txBody>
+          <a:bodyPr>
+            <a:normAutofit/>
+          </a:bodyPr>
+          <a:lstStyle/>
+          <a:p>
+            <a:pPr lvl="0"/>
+            <a:r>
+              <a:rPr lang="en-US" cap="none" dirty="0">
+                <a:latin typeface="Arial" panose="020B0604020202020204" pitchFamily="34" charset="0"/>
+                <a:cs typeface="Arial" panose="020B0604020202020204" pitchFamily="34" charset="0"/>
+              </a:rPr>
+              <a:t>Merged the two datasets and performed an API call on OMDB</a:t>
+            </a:r>
+          </a:p>
+          <a:p>
+            <a:pPr lvl="0"/>
+            <a:r>
+              <a:rPr lang="en-US" cap="none" dirty="0">
+                <a:latin typeface="Arial" panose="020B0604020202020204" pitchFamily="34" charset="0"/>
+                <a:cs typeface="Arial" panose="020B0604020202020204" pitchFamily="34" charset="0"/>
+              </a:rPr>
+              <a:t>Deleted rows with null values</a:t>
+            </a:r>
+          </a:p>
+          <a:p>
+            <a:pPr lvl="1"/>
+            <a:r>
+              <a:rPr lang="en-US" cap="none" dirty="0">
+                <a:latin typeface="Arial" panose="020B0604020202020204" pitchFamily="34" charset="0"/>
+                <a:cs typeface="Arial" panose="020B0604020202020204" pitchFamily="34" charset="0"/>
+              </a:rPr>
+              <a:t>Mostly Non-English</a:t>
+            </a:r>
+          </a:p>
+          <a:p>
+            <a:pPr lvl="0"/>
+            <a:r>
+              <a:rPr lang="en-US" cap="none" dirty="0">
+                <a:latin typeface="Arial" panose="020B0604020202020204" pitchFamily="34" charset="0"/>
+                <a:cs typeface="Arial" panose="020B0604020202020204" pitchFamily="34" charset="0"/>
+              </a:rPr>
+              <a:t>Cleaned up countries, runtime, and genre categories </a:t>
+            </a:r>
+          </a:p>
+          <a:p>
+            <a:pPr lvl="1"/>
+            <a:r>
+              <a:rPr lang="en-US" cap="none" dirty="0">
+                <a:latin typeface="Arial" panose="020B0604020202020204" pitchFamily="34" charset="0"/>
+                <a:cs typeface="Arial" panose="020B0604020202020204" pitchFamily="34" charset="0"/>
+              </a:rPr>
+              <a:t>Broke genre down by type and searched for top 6 genre types</a:t>
+            </a:r>
+            <a:endParaRPr lang="en-US" dirty="0"/>
           </a:p>
         </p:txBody>
       </p:sp>
     </p:spTree>
     <p:extLst>
       <p:ext uri="{BB962C8B-B14F-4D97-AF65-F5344CB8AC3E}">
-        <p14:creationId xmlns:p14="http://schemas.microsoft.com/office/powerpoint/2010/main" val="3303896040"/>
+        <p14:creationId xmlns:p14="http://schemas.microsoft.com/office/powerpoint/2010/main" val="3588462716"/>
       </p:ext>
     </p:extLst>
   </p:cSld>
@@ -7026,6 +7484,369 @@
 </file>
 
 <file path=ppt/slides/slide5.xml><?xml version="1.0" encoding="utf-8"?>
+<p:sld xmlns:a="http://schemas.openxmlformats.org/drawingml/2006/main" xmlns:r="http://schemas.openxmlformats.org/officeDocument/2006/relationships" xmlns:p="http://schemas.openxmlformats.org/presentationml/2006/main">
+  <p:cSld>
+    <p:bg>
+      <p:bgPr>
+        <a:blipFill>
+          <a:blip r:embed="rId2">
+            <a:duotone>
+              <a:schemeClr val="bg1">
+                <a:shade val="48000"/>
+                <a:satMod val="110000"/>
+                <a:lumMod val="40000"/>
+              </a:schemeClr>
+              <a:schemeClr val="bg1">
+                <a:tint val="90000"/>
+                <a:lumMod val="106000"/>
+              </a:schemeClr>
+            </a:duotone>
+          </a:blip>
+          <a:stretch/>
+        </a:blipFill>
+        <a:effectLst/>
+      </p:bgPr>
+    </p:bg>
+    <p:spTree>
+      <p:nvGrpSpPr>
+        <p:cNvPr id="1" name=""/>
+        <p:cNvGrpSpPr/>
+        <p:nvPr/>
+      </p:nvGrpSpPr>
+      <p:grpSpPr>
+        <a:xfrm>
+          <a:off x="0" y="0"/>
+          <a:ext cx="0" cy="0"/>
+          <a:chOff x="0" y="0"/>
+          <a:chExt cx="0" cy="0"/>
+        </a:xfrm>
+      </p:grpSpPr>
+      <p:pic>
+        <p:nvPicPr>
+          <p:cNvPr id="8" name="Picture 7">
+            <a:extLst>
+              <a:ext uri="{FF2B5EF4-FFF2-40B4-BE49-F238E27FC236}">
+                <a16:creationId xmlns:a16="http://schemas.microsoft.com/office/drawing/2014/main" id="{90A9C49B-76D8-4E9B-B430-D1ADF40F1CF8}"/>
+              </a:ext>
+              <a:ext uri="{C183D7F6-B498-43B3-948B-1728B52AA6E4}">
+                <adec:decorative xmlns:adec="http://schemas.microsoft.com/office/drawing/2017/decorative" val="1"/>
+              </a:ext>
+            </a:extLst>
+          </p:cNvPr>
+          <p:cNvPicPr>
+            <a:picLocks noGrp="1" noRot="1" noChangeAspect="1" noMove="1" noResize="1" noEditPoints="1" noAdjustHandles="1" noChangeArrowheads="1" noChangeShapeType="1" noCrop="1"/>
+          </p:cNvPicPr>
+          <p:nvPr>
+            <p:extLst>
+              <p:ext uri="{386F3935-93C4-4BCD-93E2-E3B085C9AB24}">
+                <p16:designElem xmlns:p16="http://schemas.microsoft.com/office/powerpoint/2015/main" val="1"/>
+              </p:ext>
+            </p:extLst>
+          </p:nvPr>
+        </p:nvPicPr>
+        <p:blipFill>
+          <a:blip r:embed="rId3">
+            <a:extLst>
+              <a:ext uri="{28A0092B-C50C-407E-A947-70E740481C1C}">
+                <a14:useLocalDpi xmlns:a14="http://schemas.microsoft.com/office/drawing/2010/main" val="0"/>
+              </a:ext>
+            </a:extLst>
+          </a:blip>
+          <a:stretch>
+            <a:fillRect/>
+          </a:stretch>
+        </p:blipFill>
+        <p:spPr>
+          <a:xfrm>
+            <a:off x="0" y="0"/>
+            <a:ext cx="12192000" cy="6858000"/>
+          </a:xfrm>
+          <a:prstGeom prst="rect">
+            <a:avLst/>
+          </a:prstGeom>
+        </p:spPr>
+      </p:pic>
+      <p:sp useBgFill="1">
+        <p:nvSpPr>
+          <p:cNvPr id="10" name="Rectangle 9">
+            <a:extLst>
+              <a:ext uri="{FF2B5EF4-FFF2-40B4-BE49-F238E27FC236}">
+                <a16:creationId xmlns:a16="http://schemas.microsoft.com/office/drawing/2014/main" id="{F88A5712-2FE0-4DD4-BDC6-099EA378A050}"/>
+              </a:ext>
+              <a:ext uri="{C183D7F6-B498-43B3-948B-1728B52AA6E4}">
+                <adec:decorative xmlns:adec="http://schemas.microsoft.com/office/drawing/2017/decorative" val="1"/>
+              </a:ext>
+            </a:extLst>
+          </p:cNvPr>
+          <p:cNvSpPr>
+            <a:spLocks noGrp="1" noRot="1" noChangeAspect="1" noMove="1" noResize="1" noEditPoints="1" noAdjustHandles="1" noChangeArrowheads="1" noChangeShapeType="1" noTextEdit="1"/>
+          </p:cNvSpPr>
+          <p:nvPr>
+            <p:extLst>
+              <p:ext uri="{386F3935-93C4-4BCD-93E2-E3B085C9AB24}">
+                <p16:designElem xmlns:p16="http://schemas.microsoft.com/office/powerpoint/2015/main" val="1"/>
+              </p:ext>
+            </p:extLst>
+          </p:nvPr>
+        </p:nvSpPr>
+        <p:spPr>
+          <a:xfrm>
+            <a:off x="1" y="0"/>
+            <a:ext cx="11979952" cy="6644081"/>
+          </a:xfrm>
+          <a:prstGeom prst="rect">
+            <a:avLst/>
+          </a:prstGeom>
+          <a:ln>
+            <a:noFill/>
+          </a:ln>
+          <a:effectLst>
+            <a:outerShdw blurRad="98425" dist="76200" dir="4380000" algn="tl" rotWithShape="0">
+              <a:srgbClr val="000000">
+                <a:alpha val="68000"/>
+              </a:srgbClr>
+            </a:outerShdw>
+          </a:effectLst>
+        </p:spPr>
+        <p:style>
+          <a:lnRef idx="1">
+            <a:schemeClr val="accent1"/>
+          </a:lnRef>
+          <a:fillRef idx="3">
+            <a:schemeClr val="accent1"/>
+          </a:fillRef>
+          <a:effectRef idx="2">
+            <a:schemeClr val="accent1"/>
+          </a:effectRef>
+          <a:fontRef idx="minor">
+            <a:schemeClr val="lt1"/>
+          </a:fontRef>
+        </p:style>
+      </p:sp>
+      <p:sp>
+        <p:nvSpPr>
+          <p:cNvPr id="12" name="Freeform 9">
+            <a:extLst>
+              <a:ext uri="{FF2B5EF4-FFF2-40B4-BE49-F238E27FC236}">
+                <a16:creationId xmlns:a16="http://schemas.microsoft.com/office/drawing/2014/main" id="{448E5503-E0F8-4B94-81A3-B1FA57623E0F}"/>
+              </a:ext>
+              <a:ext uri="{C183D7F6-B498-43B3-948B-1728B52AA6E4}">
+                <adec:decorative xmlns:adec="http://schemas.microsoft.com/office/drawing/2017/decorative" val="1"/>
+              </a:ext>
+            </a:extLst>
+          </p:cNvPr>
+          <p:cNvSpPr>
+            <a:spLocks noGrp="1" noRot="1" noChangeAspect="1" noMove="1" noResize="1" noEditPoints="1" noAdjustHandles="1" noChangeArrowheads="1" noChangeShapeType="1" noTextEdit="1"/>
+          </p:cNvSpPr>
+          <p:nvPr>
+            <p:extLst>
+              <p:ext uri="{386F3935-93C4-4BCD-93E2-E3B085C9AB24}">
+                <p16:designElem xmlns:p16="http://schemas.microsoft.com/office/powerpoint/2015/main" val="1"/>
+              </p:ext>
+            </p:extLst>
+          </p:nvPr>
+        </p:nvSpPr>
+        <p:spPr>
+          <a:xfrm>
+            <a:off x="-25397" y="0"/>
+            <a:ext cx="11773291" cy="6419514"/>
+          </a:xfrm>
+          <a:custGeom>
+            <a:avLst/>
+            <a:gdLst/>
+            <a:ahLst/>
+            <a:cxnLst/>
+            <a:rect l="l" t="t" r="r" b="b"/>
+            <a:pathLst>
+              <a:path w="11773291" h="6419514">
+                <a:moveTo>
+                  <a:pt x="11750059" y="0"/>
+                </a:moveTo>
+                <a:lnTo>
+                  <a:pt x="11773291" y="6419514"/>
+                </a:lnTo>
+                <a:lnTo>
+                  <a:pt x="0" y="6411047"/>
+                </a:lnTo>
+              </a:path>
+            </a:pathLst>
+          </a:custGeom>
+          <a:ln w="82550">
+            <a:solidFill>
+              <a:schemeClr val="tx1">
+                <a:lumMod val="50000"/>
+                <a:lumOff val="50000"/>
+              </a:schemeClr>
+            </a:solidFill>
+            <a:miter lim="800000"/>
+          </a:ln>
+        </p:spPr>
+        <p:style>
+          <a:lnRef idx="2">
+            <a:schemeClr val="accent1"/>
+          </a:lnRef>
+          <a:fillRef idx="0">
+            <a:schemeClr val="accent1"/>
+          </a:fillRef>
+          <a:effectRef idx="1">
+            <a:schemeClr val="accent1"/>
+          </a:effectRef>
+          <a:fontRef idx="minor">
+            <a:schemeClr val="tx1"/>
+          </a:fontRef>
+        </p:style>
+      </p:sp>
+      <p:sp>
+        <p:nvSpPr>
+          <p:cNvPr id="14" name="Rectangle 13">
+            <a:extLst>
+              <a:ext uri="{FF2B5EF4-FFF2-40B4-BE49-F238E27FC236}">
+                <a16:creationId xmlns:a16="http://schemas.microsoft.com/office/drawing/2014/main" id="{CE54F896-85E7-4403-9E37-1B004731F8C9}"/>
+              </a:ext>
+              <a:ext uri="{C183D7F6-B498-43B3-948B-1728B52AA6E4}">
+                <adec:decorative xmlns:adec="http://schemas.microsoft.com/office/drawing/2017/decorative" val="1"/>
+              </a:ext>
+            </a:extLst>
+          </p:cNvPr>
+          <p:cNvSpPr>
+            <a:spLocks noGrp="1" noRot="1" noChangeAspect="1" noMove="1" noResize="1" noEditPoints="1" noAdjustHandles="1" noChangeArrowheads="1" noChangeShapeType="1" noTextEdit="1"/>
+          </p:cNvSpPr>
+          <p:nvPr>
+            <p:extLst>
+              <p:ext uri="{386F3935-93C4-4BCD-93E2-E3B085C9AB24}">
+                <p16:designElem xmlns:p16="http://schemas.microsoft.com/office/powerpoint/2015/main" val="1"/>
+              </p:ext>
+            </p:extLst>
+          </p:nvPr>
+        </p:nvSpPr>
+        <p:spPr bwMode="white">
+          <a:xfrm>
+            <a:off x="0" y="0"/>
+            <a:ext cx="4654296" cy="6380796"/>
+          </a:xfrm>
+          <a:prstGeom prst="rect">
+            <a:avLst/>
+          </a:prstGeom>
+          <a:gradFill flip="none" rotWithShape="1">
+            <a:gsLst>
+              <a:gs pos="34000">
+                <a:schemeClr val="accent1"/>
+              </a:gs>
+              <a:gs pos="100000">
+                <a:schemeClr val="accent1">
+                  <a:lumMod val="60000"/>
+                </a:schemeClr>
+              </a:gs>
+            </a:gsLst>
+            <a:lin ang="8100000" scaled="1"/>
+            <a:tileRect/>
+          </a:gradFill>
+          <a:ln>
+            <a:noFill/>
+          </a:ln>
+        </p:spPr>
+        <p:style>
+          <a:lnRef idx="1">
+            <a:schemeClr val="accent1"/>
+          </a:lnRef>
+          <a:fillRef idx="3">
+            <a:schemeClr val="accent1"/>
+          </a:fillRef>
+          <a:effectRef idx="2">
+            <a:schemeClr val="accent1"/>
+          </a:effectRef>
+          <a:fontRef idx="minor">
+            <a:schemeClr val="lt1"/>
+          </a:fontRef>
+        </p:style>
+      </p:sp>
+      <p:sp>
+        <p:nvSpPr>
+          <p:cNvPr id="2" name="Title 1">
+            <a:extLst>
+              <a:ext uri="{FF2B5EF4-FFF2-40B4-BE49-F238E27FC236}">
+                <a16:creationId xmlns:a16="http://schemas.microsoft.com/office/drawing/2014/main" id="{DBC921C5-5531-A9B1-78FA-437151214A0C}"/>
+              </a:ext>
+            </a:extLst>
+          </p:cNvPr>
+          <p:cNvSpPr>
+            <a:spLocks noGrp="1"/>
+          </p:cNvSpPr>
+          <p:nvPr>
+            <p:ph type="title"/>
+          </p:nvPr>
+        </p:nvSpPr>
+        <p:spPr>
+          <a:xfrm>
+            <a:off x="685802" y="685800"/>
+            <a:ext cx="3381946" cy="4846967"/>
+          </a:xfrm>
+        </p:spPr>
+        <p:txBody>
+          <a:bodyPr>
+            <a:normAutofit/>
+          </a:bodyPr>
+          <a:lstStyle/>
+          <a:p>
+            <a:r>
+              <a:rPr lang="en-US" sz="4800" cap="none">
+                <a:solidFill>
+                  <a:srgbClr val="FFFFFF"/>
+                </a:solidFill>
+                <a:latin typeface="Arial" panose="020B0604020202020204" pitchFamily="34" charset="0"/>
+                <a:cs typeface="Arial" panose="020B0604020202020204" pitchFamily="34" charset="0"/>
+              </a:rPr>
+              <a:t>Research Approach</a:t>
+            </a:r>
+          </a:p>
+        </p:txBody>
+      </p:sp>
+      <p:sp>
+        <p:nvSpPr>
+          <p:cNvPr id="3" name="Content Placeholder 2">
+            <a:extLst>
+              <a:ext uri="{FF2B5EF4-FFF2-40B4-BE49-F238E27FC236}">
+                <a16:creationId xmlns:a16="http://schemas.microsoft.com/office/drawing/2014/main" id="{DF9F1016-C11D-260F-4732-35277A2CA158}"/>
+              </a:ext>
+            </a:extLst>
+          </p:cNvPr>
+          <p:cNvSpPr>
+            <a:spLocks noGrp="1"/>
+          </p:cNvSpPr>
+          <p:nvPr>
+            <p:ph sz="quarter" idx="13"/>
+          </p:nvPr>
+        </p:nvSpPr>
+        <p:spPr>
+          <a:xfrm>
+            <a:off x="5111886" y="685800"/>
+            <a:ext cx="5968621" cy="4688785"/>
+          </a:xfrm>
+        </p:spPr>
+        <p:txBody>
+          <a:bodyPr>
+            <a:normAutofit/>
+          </a:bodyPr>
+          <a:lstStyle/>
+          <a:p>
+            <a:endParaRPr lang="en-US" dirty="0"/>
+          </a:p>
+        </p:txBody>
+      </p:sp>
+    </p:spTree>
+    <p:extLst>
+      <p:ext uri="{BB962C8B-B14F-4D97-AF65-F5344CB8AC3E}">
+        <p14:creationId xmlns:p14="http://schemas.microsoft.com/office/powerpoint/2010/main" val="2115835396"/>
+      </p:ext>
+    </p:extLst>
+  </p:cSld>
+  <p:clrMapOvr>
+    <a:masterClrMapping/>
+  </p:clrMapOvr>
+</p:sld>
+</file>
+
+<file path=ppt/slides/slide6.xml><?xml version="1.0" encoding="utf-8"?>
 <p:sld xmlns:a="http://schemas.openxmlformats.org/drawingml/2006/main" xmlns:r="http://schemas.openxmlformats.org/officeDocument/2006/relationships" xmlns:p="http://schemas.openxmlformats.org/presentationml/2006/main">
   <p:cSld>
     <p:spTree>
@@ -7047,7 +7868,7 @@
           <p:cNvPr id="2" name="Title 1">
             <a:extLst>
               <a:ext uri="{FF2B5EF4-FFF2-40B4-BE49-F238E27FC236}">
-                <a16:creationId xmlns:a16="http://schemas.microsoft.com/office/drawing/2014/main" id="{B4A59EB7-6AE8-6523-D038-620698DBC592}"/>
+                <a16:creationId xmlns:a16="http://schemas.microsoft.com/office/drawing/2014/main" id="{DBC921C5-5531-A9B1-78FA-437151214A0C}"/>
               </a:ext>
             </a:extLst>
           </p:cNvPr>
@@ -7063,17 +7884,22 @@
           <a:bodyPr/>
           <a:lstStyle/>
           <a:p>
-            <a:pPr algn="ctr"/>
-            <a:endParaRPr lang="en-US" dirty="0"/>
-          </a:p>
-        </p:txBody>
-      </p:sp>
-      <p:sp>
-        <p:nvSpPr>
-          <p:cNvPr id="3" name="Content Placeholder 2">
+            <a:r>
+              <a:rPr lang="en-US" cap="none" dirty="0">
+                <a:latin typeface="Arial" panose="020B0604020202020204" pitchFamily="34" charset="0"/>
+                <a:cs typeface="Arial" panose="020B0604020202020204" pitchFamily="34" charset="0"/>
+              </a:rPr>
+              <a:t>Exploratory Analysis</a:t>
+            </a:r>
+          </a:p>
+        </p:txBody>
+      </p:sp>
+      <p:sp>
+        <p:nvSpPr>
+          <p:cNvPr id="4" name="Content Placeholder 3">
             <a:extLst>
               <a:ext uri="{FF2B5EF4-FFF2-40B4-BE49-F238E27FC236}">
-                <a16:creationId xmlns:a16="http://schemas.microsoft.com/office/drawing/2014/main" id="{22A07956-D71B-4B1E-DE50-13F2448A83C1}"/>
+                <a16:creationId xmlns:a16="http://schemas.microsoft.com/office/drawing/2014/main" id="{56CBBD9E-23DC-B411-E9FF-78564DFA42F9}"/>
               </a:ext>
             </a:extLst>
           </p:cNvPr>
@@ -7081,7 +7907,35 @@
             <a:spLocks noGrp="1"/>
           </p:cNvSpPr>
           <p:nvPr>
-            <p:ph idx="1"/>
+            <p:ph sz="quarter" idx="13"/>
+          </p:nvPr>
+        </p:nvSpPr>
+        <p:spPr/>
+        <p:txBody>
+          <a:bodyPr/>
+          <a:lstStyle/>
+          <a:p>
+            <a:endParaRPr lang="en-US" cap="none" dirty="0">
+              <a:latin typeface="Arial" panose="020B0604020202020204" pitchFamily="34" charset="0"/>
+              <a:cs typeface="Arial" panose="020B0604020202020204" pitchFamily="34" charset="0"/>
+            </a:endParaRPr>
+          </a:p>
+        </p:txBody>
+      </p:sp>
+      <p:sp>
+        <p:nvSpPr>
+          <p:cNvPr id="8" name="Content Placeholder 7">
+            <a:extLst>
+              <a:ext uri="{FF2B5EF4-FFF2-40B4-BE49-F238E27FC236}">
+                <a16:creationId xmlns:a16="http://schemas.microsoft.com/office/drawing/2014/main" id="{B5BA0ED6-958E-7D4C-4C90-A73D89354476}"/>
+              </a:ext>
+            </a:extLst>
+          </p:cNvPr>
+          <p:cNvSpPr>
+            <a:spLocks noGrp="1"/>
+          </p:cNvSpPr>
+          <p:nvPr>
+            <p:ph sz="quarter" idx="14"/>
           </p:nvPr>
         </p:nvSpPr>
         <p:spPr/>
@@ -7096,7 +7950,357 @@
     </p:spTree>
     <p:extLst>
       <p:ext uri="{BB962C8B-B14F-4D97-AF65-F5344CB8AC3E}">
-        <p14:creationId xmlns:p14="http://schemas.microsoft.com/office/powerpoint/2010/main" val="678988322"/>
+        <p14:creationId xmlns:p14="http://schemas.microsoft.com/office/powerpoint/2010/main" val="3016910178"/>
+      </p:ext>
+    </p:extLst>
+  </p:cSld>
+  <p:clrMapOvr>
+    <a:masterClrMapping/>
+  </p:clrMapOvr>
+</p:sld>
+</file>
+
+<file path=ppt/slides/slide7.xml><?xml version="1.0" encoding="utf-8"?>
+<p:sld xmlns:a="http://schemas.openxmlformats.org/drawingml/2006/main" xmlns:r="http://schemas.openxmlformats.org/officeDocument/2006/relationships" xmlns:p="http://schemas.openxmlformats.org/presentationml/2006/main">
+  <p:cSld>
+    <p:spTree>
+      <p:nvGrpSpPr>
+        <p:cNvPr id="1" name=""/>
+        <p:cNvGrpSpPr/>
+        <p:nvPr/>
+      </p:nvGrpSpPr>
+      <p:grpSpPr>
+        <a:xfrm>
+          <a:off x="0" y="0"/>
+          <a:ext cx="0" cy="0"/>
+          <a:chOff x="0" y="0"/>
+          <a:chExt cx="0" cy="0"/>
+        </a:xfrm>
+      </p:grpSpPr>
+      <p:sp>
+        <p:nvSpPr>
+          <p:cNvPr id="2" name="Title 1">
+            <a:extLst>
+              <a:ext uri="{FF2B5EF4-FFF2-40B4-BE49-F238E27FC236}">
+                <a16:creationId xmlns:a16="http://schemas.microsoft.com/office/drawing/2014/main" id="{DBC921C5-5531-A9B1-78FA-437151214A0C}"/>
+              </a:ext>
+            </a:extLst>
+          </p:cNvPr>
+          <p:cNvSpPr>
+            <a:spLocks noGrp="1"/>
+          </p:cNvSpPr>
+          <p:nvPr>
+            <p:ph type="title"/>
+          </p:nvPr>
+        </p:nvSpPr>
+        <p:spPr/>
+        <p:txBody>
+          <a:bodyPr/>
+          <a:lstStyle/>
+          <a:p>
+            <a:r>
+              <a:rPr lang="en-US" cap="none" dirty="0">
+                <a:latin typeface="Arial" panose="020B0604020202020204" pitchFamily="34" charset="0"/>
+                <a:cs typeface="Arial" panose="020B0604020202020204" pitchFamily="34" charset="0"/>
+              </a:rPr>
+              <a:t>Dataset Overview</a:t>
+            </a:r>
+          </a:p>
+        </p:txBody>
+      </p:sp>
+      <p:sp>
+        <p:nvSpPr>
+          <p:cNvPr id="4" name="Content Placeholder 3">
+            <a:extLst>
+              <a:ext uri="{FF2B5EF4-FFF2-40B4-BE49-F238E27FC236}">
+                <a16:creationId xmlns:a16="http://schemas.microsoft.com/office/drawing/2014/main" id="{56CBBD9E-23DC-B411-E9FF-78564DFA42F9}"/>
+              </a:ext>
+            </a:extLst>
+          </p:cNvPr>
+          <p:cNvSpPr>
+            <a:spLocks noGrp="1"/>
+          </p:cNvSpPr>
+          <p:nvPr>
+            <p:ph sz="quarter" idx="13"/>
+          </p:nvPr>
+        </p:nvSpPr>
+        <p:spPr/>
+        <p:txBody>
+          <a:bodyPr/>
+          <a:lstStyle/>
+          <a:p>
+            <a:endParaRPr lang="en-US" cap="none" dirty="0">
+              <a:latin typeface="Arial" panose="020B0604020202020204" pitchFamily="34" charset="0"/>
+              <a:cs typeface="Arial" panose="020B0604020202020204" pitchFamily="34" charset="0"/>
+            </a:endParaRPr>
+          </a:p>
+        </p:txBody>
+      </p:sp>
+      <p:pic>
+        <p:nvPicPr>
+          <p:cNvPr id="23" name="Content Placeholder 22">
+            <a:extLst>
+              <a:ext uri="{FF2B5EF4-FFF2-40B4-BE49-F238E27FC236}">
+                <a16:creationId xmlns:a16="http://schemas.microsoft.com/office/drawing/2014/main" id="{5E5C513A-57A9-F3DE-C321-6AF3F22A7FDF}"/>
+              </a:ext>
+            </a:extLst>
+          </p:cNvPr>
+          <p:cNvPicPr>
+            <a:picLocks noGrp="1" noChangeAspect="1"/>
+          </p:cNvPicPr>
+          <p:nvPr>
+            <p:ph sz="quarter" idx="14"/>
+          </p:nvPr>
+        </p:nvPicPr>
+        <p:blipFill>
+          <a:blip r:embed="rId2"/>
+          <a:stretch>
+            <a:fillRect/>
+          </a:stretch>
+        </p:blipFill>
+        <p:spPr>
+          <a:xfrm>
+            <a:off x="6738436" y="2063750"/>
+            <a:ext cx="3598277" cy="3311525"/>
+          </a:xfrm>
+        </p:spPr>
+      </p:pic>
+    </p:spTree>
+    <p:extLst>
+      <p:ext uri="{BB962C8B-B14F-4D97-AF65-F5344CB8AC3E}">
+        <p14:creationId xmlns:p14="http://schemas.microsoft.com/office/powerpoint/2010/main" val="2287859863"/>
+      </p:ext>
+    </p:extLst>
+  </p:cSld>
+  <p:clrMapOvr>
+    <a:masterClrMapping/>
+  </p:clrMapOvr>
+</p:sld>
+</file>
+
+<file path=ppt/slides/slide8.xml><?xml version="1.0" encoding="utf-8"?>
+<p:sld xmlns:a="http://schemas.openxmlformats.org/drawingml/2006/main" xmlns:r="http://schemas.openxmlformats.org/officeDocument/2006/relationships" xmlns:p="http://schemas.openxmlformats.org/presentationml/2006/main">
+  <p:cSld>
+    <p:spTree>
+      <p:nvGrpSpPr>
+        <p:cNvPr id="1" name=""/>
+        <p:cNvGrpSpPr/>
+        <p:nvPr/>
+      </p:nvGrpSpPr>
+      <p:grpSpPr>
+        <a:xfrm>
+          <a:off x="0" y="0"/>
+          <a:ext cx="0" cy="0"/>
+          <a:chOff x="0" y="0"/>
+          <a:chExt cx="0" cy="0"/>
+        </a:xfrm>
+      </p:grpSpPr>
+      <p:sp>
+        <p:nvSpPr>
+          <p:cNvPr id="2" name="Title 1">
+            <a:extLst>
+              <a:ext uri="{FF2B5EF4-FFF2-40B4-BE49-F238E27FC236}">
+                <a16:creationId xmlns:a16="http://schemas.microsoft.com/office/drawing/2014/main" id="{DBC921C5-5531-A9B1-78FA-437151214A0C}"/>
+              </a:ext>
+            </a:extLst>
+          </p:cNvPr>
+          <p:cNvSpPr>
+            <a:spLocks noGrp="1"/>
+          </p:cNvSpPr>
+          <p:nvPr>
+            <p:ph type="title"/>
+          </p:nvPr>
+        </p:nvSpPr>
+        <p:spPr/>
+        <p:txBody>
+          <a:bodyPr/>
+          <a:lstStyle/>
+          <a:p>
+            <a:r>
+              <a:rPr lang="en-US" cap="none" dirty="0">
+                <a:latin typeface="Arial" panose="020B0604020202020204" pitchFamily="34" charset="0"/>
+                <a:cs typeface="Arial" panose="020B0604020202020204" pitchFamily="34" charset="0"/>
+              </a:rPr>
+              <a:t>Genre Breakdown</a:t>
+            </a:r>
+          </a:p>
+        </p:txBody>
+      </p:sp>
+      <p:sp>
+        <p:nvSpPr>
+          <p:cNvPr id="4" name="Content Placeholder 3">
+            <a:extLst>
+              <a:ext uri="{FF2B5EF4-FFF2-40B4-BE49-F238E27FC236}">
+                <a16:creationId xmlns:a16="http://schemas.microsoft.com/office/drawing/2014/main" id="{56CBBD9E-23DC-B411-E9FF-78564DFA42F9}"/>
+              </a:ext>
+            </a:extLst>
+          </p:cNvPr>
+          <p:cNvSpPr>
+            <a:spLocks noGrp="1"/>
+          </p:cNvSpPr>
+          <p:nvPr>
+            <p:ph sz="quarter" idx="13"/>
+          </p:nvPr>
+        </p:nvSpPr>
+        <p:spPr/>
+        <p:txBody>
+          <a:bodyPr/>
+          <a:lstStyle/>
+          <a:p>
+            <a:endParaRPr lang="en-US" cap="none" dirty="0">
+              <a:latin typeface="Arial" panose="020B0604020202020204" pitchFamily="34" charset="0"/>
+              <a:cs typeface="Arial" panose="020B0604020202020204" pitchFamily="34" charset="0"/>
+            </a:endParaRPr>
+          </a:p>
+        </p:txBody>
+      </p:sp>
+      <p:pic>
+        <p:nvPicPr>
+          <p:cNvPr id="7" name="Content Placeholder 6">
+            <a:extLst>
+              <a:ext uri="{FF2B5EF4-FFF2-40B4-BE49-F238E27FC236}">
+                <a16:creationId xmlns:a16="http://schemas.microsoft.com/office/drawing/2014/main" id="{45FFFFB1-B4C4-2493-9FD0-7FC85AFC1967}"/>
+              </a:ext>
+            </a:extLst>
+          </p:cNvPr>
+          <p:cNvPicPr>
+            <a:picLocks noGrp="1" noChangeAspect="1"/>
+          </p:cNvPicPr>
+          <p:nvPr>
+            <p:ph sz="quarter" idx="14"/>
+          </p:nvPr>
+        </p:nvPicPr>
+        <p:blipFill>
+          <a:blip r:embed="rId2"/>
+          <a:stretch>
+            <a:fillRect/>
+          </a:stretch>
+        </p:blipFill>
+        <p:spPr>
+          <a:xfrm>
+            <a:off x="6417488" y="2063396"/>
+            <a:ext cx="4102030" cy="2931528"/>
+          </a:xfrm>
+        </p:spPr>
+      </p:pic>
+    </p:spTree>
+    <p:extLst>
+      <p:ext uri="{BB962C8B-B14F-4D97-AF65-F5344CB8AC3E}">
+        <p14:creationId xmlns:p14="http://schemas.microsoft.com/office/powerpoint/2010/main" val="3803350541"/>
+      </p:ext>
+    </p:extLst>
+  </p:cSld>
+  <p:clrMapOvr>
+    <a:masterClrMapping/>
+  </p:clrMapOvr>
+</p:sld>
+</file>
+
+<file path=ppt/slides/slide9.xml><?xml version="1.0" encoding="utf-8"?>
+<p:sld xmlns:a="http://schemas.openxmlformats.org/drawingml/2006/main" xmlns:r="http://schemas.openxmlformats.org/officeDocument/2006/relationships" xmlns:p="http://schemas.openxmlformats.org/presentationml/2006/main">
+  <p:cSld>
+    <p:spTree>
+      <p:nvGrpSpPr>
+        <p:cNvPr id="1" name=""/>
+        <p:cNvGrpSpPr/>
+        <p:nvPr/>
+      </p:nvGrpSpPr>
+      <p:grpSpPr>
+        <a:xfrm>
+          <a:off x="0" y="0"/>
+          <a:ext cx="0" cy="0"/>
+          <a:chOff x="0" y="0"/>
+          <a:chExt cx="0" cy="0"/>
+        </a:xfrm>
+      </p:grpSpPr>
+      <p:sp>
+        <p:nvSpPr>
+          <p:cNvPr id="2" name="Title 1">
+            <a:extLst>
+              <a:ext uri="{FF2B5EF4-FFF2-40B4-BE49-F238E27FC236}">
+                <a16:creationId xmlns:a16="http://schemas.microsoft.com/office/drawing/2014/main" id="{DBC921C5-5531-A9B1-78FA-437151214A0C}"/>
+              </a:ext>
+            </a:extLst>
+          </p:cNvPr>
+          <p:cNvSpPr>
+            <a:spLocks noGrp="1"/>
+          </p:cNvSpPr>
+          <p:nvPr>
+            <p:ph type="title"/>
+          </p:nvPr>
+        </p:nvSpPr>
+        <p:spPr/>
+        <p:txBody>
+          <a:bodyPr/>
+          <a:lstStyle/>
+          <a:p>
+            <a:r>
+              <a:rPr lang="en-US" cap="none" dirty="0">
+                <a:latin typeface="Arial" panose="020B0604020202020204" pitchFamily="34" charset="0"/>
+                <a:cs typeface="Arial" panose="020B0604020202020204" pitchFamily="34" charset="0"/>
+              </a:rPr>
+              <a:t>Conclusions</a:t>
+            </a:r>
+          </a:p>
+        </p:txBody>
+      </p:sp>
+      <p:sp>
+        <p:nvSpPr>
+          <p:cNvPr id="4" name="Content Placeholder 3">
+            <a:extLst>
+              <a:ext uri="{FF2B5EF4-FFF2-40B4-BE49-F238E27FC236}">
+                <a16:creationId xmlns:a16="http://schemas.microsoft.com/office/drawing/2014/main" id="{56CBBD9E-23DC-B411-E9FF-78564DFA42F9}"/>
+              </a:ext>
+            </a:extLst>
+          </p:cNvPr>
+          <p:cNvSpPr>
+            <a:spLocks noGrp="1"/>
+          </p:cNvSpPr>
+          <p:nvPr>
+            <p:ph sz="quarter" idx="13"/>
+          </p:nvPr>
+        </p:nvSpPr>
+        <p:spPr/>
+        <p:txBody>
+          <a:bodyPr/>
+          <a:lstStyle/>
+          <a:p>
+            <a:endParaRPr lang="en-US" cap="none" dirty="0">
+              <a:latin typeface="Arial" panose="020B0604020202020204" pitchFamily="34" charset="0"/>
+              <a:cs typeface="Arial" panose="020B0604020202020204" pitchFamily="34" charset="0"/>
+            </a:endParaRPr>
+          </a:p>
+        </p:txBody>
+      </p:sp>
+      <p:sp>
+        <p:nvSpPr>
+          <p:cNvPr id="8" name="Content Placeholder 7">
+            <a:extLst>
+              <a:ext uri="{FF2B5EF4-FFF2-40B4-BE49-F238E27FC236}">
+                <a16:creationId xmlns:a16="http://schemas.microsoft.com/office/drawing/2014/main" id="{B5BA0ED6-958E-7D4C-4C90-A73D89354476}"/>
+              </a:ext>
+            </a:extLst>
+          </p:cNvPr>
+          <p:cNvSpPr>
+            <a:spLocks noGrp="1"/>
+          </p:cNvSpPr>
+          <p:nvPr>
+            <p:ph sz="quarter" idx="14"/>
+          </p:nvPr>
+        </p:nvSpPr>
+        <p:spPr/>
+        <p:txBody>
+          <a:bodyPr/>
+          <a:lstStyle/>
+          <a:p>
+            <a:endParaRPr lang="en-US"/>
+          </a:p>
+        </p:txBody>
+      </p:sp>
+    </p:spTree>
+    <p:extLst>
+      <p:ext uri="{BB962C8B-B14F-4D97-AF65-F5344CB8AC3E}">
+        <p14:creationId xmlns:p14="http://schemas.microsoft.com/office/powerpoint/2010/main" val="3098139007"/>
       </p:ext>
     </p:extLst>
   </p:cSld>

--- a/Netflix_Comparison.pptx
+++ b/Netflix_Comparison.pptx
@@ -7225,6 +7225,82 @@
           <a:bodyPr/>
           <a:lstStyle/>
           <a:p>
+            <a:pPr marL="457200" indent="-457200">
+              <a:buFont typeface="+mj-lt"/>
+              <a:buAutoNum type="arabicParenR"/>
+            </a:pPr>
+            <a:r>
+              <a:rPr lang="en-US" cap="none" dirty="0">
+                <a:latin typeface="Arial" panose="020B0604020202020204" pitchFamily="34" charset="0"/>
+                <a:cs typeface="Arial" panose="020B0604020202020204" pitchFamily="34" charset="0"/>
+              </a:rPr>
+              <a:t>Edith line graph</a:t>
+            </a:r>
+          </a:p>
+          <a:p>
+            <a:pPr marL="457200" indent="-457200">
+              <a:buFont typeface="+mj-lt"/>
+              <a:buAutoNum type="arabicParenR"/>
+            </a:pPr>
+            <a:r>
+              <a:rPr lang="en-US" cap="none" dirty="0">
+                <a:latin typeface="Arial" panose="020B0604020202020204" pitchFamily="34" charset="0"/>
+                <a:cs typeface="Arial" panose="020B0604020202020204" pitchFamily="34" charset="0"/>
+              </a:rPr>
+              <a:t>Kevin category breakdown</a:t>
+            </a:r>
+          </a:p>
+          <a:p>
+            <a:pPr marL="457200" indent="-457200">
+              <a:buFont typeface="+mj-lt"/>
+              <a:buAutoNum type="arabicParenR"/>
+            </a:pPr>
+            <a:r>
+              <a:rPr lang="en-US" cap="none" dirty="0">
+                <a:latin typeface="Arial" panose="020B0604020202020204" pitchFamily="34" charset="0"/>
+                <a:cs typeface="Arial" panose="020B0604020202020204" pitchFamily="34" charset="0"/>
+              </a:rPr>
+              <a:t>Kevin chi squared</a:t>
+            </a:r>
+          </a:p>
+          <a:p>
+            <a:pPr marL="457200" indent="-457200">
+              <a:buFont typeface="+mj-lt"/>
+              <a:buAutoNum type="arabicParenR"/>
+            </a:pPr>
+            <a:r>
+              <a:rPr lang="en-US" cap="none" dirty="0">
+                <a:latin typeface="Arial" panose="020B0604020202020204" pitchFamily="34" charset="0"/>
+                <a:cs typeface="Arial" panose="020B0604020202020204" pitchFamily="34" charset="0"/>
+              </a:rPr>
+              <a:t>Zack top 10 most watched shows</a:t>
+            </a:r>
+          </a:p>
+          <a:p>
+            <a:pPr marL="457200" indent="-457200">
+              <a:buFont typeface="+mj-lt"/>
+              <a:buAutoNum type="arabicParenR"/>
+            </a:pPr>
+            <a:r>
+              <a:rPr lang="en-US" cap="none" dirty="0">
+                <a:latin typeface="Arial" panose="020B0604020202020204" pitchFamily="34" charset="0"/>
+                <a:cs typeface="Arial" panose="020B0604020202020204" pitchFamily="34" charset="0"/>
+              </a:rPr>
+              <a:t>Satya popularity </a:t>
+            </a:r>
+            <a:r>
+              <a:rPr lang="en-US" cap="none">
+                <a:latin typeface="Arial" panose="020B0604020202020204" pitchFamily="34" charset="0"/>
+                <a:cs typeface="Arial" panose="020B0604020202020204" pitchFamily="34" charset="0"/>
+              </a:rPr>
+              <a:t>by weeks</a:t>
+            </a:r>
+          </a:p>
+          <a:p>
+            <a:pPr marL="457200" indent="-457200">
+              <a:buFont typeface="+mj-lt"/>
+              <a:buAutoNum type="arabicParenR"/>
+            </a:pPr>
             <a:endParaRPr lang="en-US" cap="none" dirty="0">
               <a:latin typeface="Arial" panose="020B0604020202020204" pitchFamily="34" charset="0"/>
               <a:cs typeface="Arial" panose="020B0604020202020204" pitchFamily="34" charset="0"/>
@@ -8156,10 +8232,10 @@
       </p:sp>
       <p:pic>
         <p:nvPicPr>
-          <p:cNvPr id="7" name="Content Placeholder 6">
+          <p:cNvPr id="8" name="Content Placeholder 7">
             <a:extLst>
               <a:ext uri="{FF2B5EF4-FFF2-40B4-BE49-F238E27FC236}">
-                <a16:creationId xmlns:a16="http://schemas.microsoft.com/office/drawing/2014/main" id="{45FFFFB1-B4C4-2493-9FD0-7FC85AFC1967}"/>
+                <a16:creationId xmlns:a16="http://schemas.microsoft.com/office/drawing/2014/main" id="{F5BF99C0-07D4-3376-C063-964763C526BB}"/>
               </a:ext>
             </a:extLst>
           </p:cNvPr>
@@ -8178,8 +8254,8 @@
         </p:blipFill>
         <p:spPr>
           <a:xfrm>
-            <a:off x="6417488" y="2063396"/>
-            <a:ext cx="4102030" cy="2931528"/>
+            <a:off x="6684962" y="2395537"/>
+            <a:ext cx="3705225" cy="2647950"/>
           </a:xfrm>
         </p:spPr>
       </p:pic>

--- a/Netflix_Comparison.pptx
+++ b/Netflix_Comparison.pptx
@@ -8,13 +8,15 @@
     <p:sldId id="256" r:id="rId2"/>
     <p:sldId id="257" r:id="rId3"/>
     <p:sldId id="258" r:id="rId4"/>
-    <p:sldId id="259" r:id="rId5"/>
-    <p:sldId id="262" r:id="rId6"/>
-    <p:sldId id="265" r:id="rId7"/>
-    <p:sldId id="260" r:id="rId8"/>
-    <p:sldId id="266" r:id="rId9"/>
-    <p:sldId id="263" r:id="rId10"/>
-    <p:sldId id="264" r:id="rId11"/>
+    <p:sldId id="267" r:id="rId5"/>
+    <p:sldId id="259" r:id="rId6"/>
+    <p:sldId id="262" r:id="rId7"/>
+    <p:sldId id="265" r:id="rId8"/>
+    <p:sldId id="260" r:id="rId9"/>
+    <p:sldId id="266" r:id="rId10"/>
+    <p:sldId id="268" r:id="rId11"/>
+    <p:sldId id="263" r:id="rId12"/>
+    <p:sldId id="264" r:id="rId13"/>
   </p:sldIdLst>
   <p:sldSz cx="12192000" cy="6858000"/>
   <p:notesSz cx="6858000" cy="9144000"/>
@@ -6648,6 +6650,1316 @@
                 <a:latin typeface="Arial" panose="020B0604020202020204" pitchFamily="34" charset="0"/>
                 <a:cs typeface="Arial" panose="020B0604020202020204" pitchFamily="34" charset="0"/>
               </a:rPr>
+              <a:t>Genre Breakdown</a:t>
+            </a:r>
+          </a:p>
+        </p:txBody>
+      </p:sp>
+      <p:sp>
+        <p:nvSpPr>
+          <p:cNvPr id="4" name="Content Placeholder 3">
+            <a:extLst>
+              <a:ext uri="{FF2B5EF4-FFF2-40B4-BE49-F238E27FC236}">
+                <a16:creationId xmlns:a16="http://schemas.microsoft.com/office/drawing/2014/main" id="{56CBBD9E-23DC-B411-E9FF-78564DFA42F9}"/>
+              </a:ext>
+            </a:extLst>
+          </p:cNvPr>
+          <p:cNvSpPr>
+            <a:spLocks noGrp="1"/>
+          </p:cNvSpPr>
+          <p:nvPr>
+            <p:ph sz="quarter" idx="13"/>
+          </p:nvPr>
+        </p:nvSpPr>
+        <p:spPr/>
+        <p:txBody>
+          <a:bodyPr/>
+          <a:lstStyle/>
+          <a:p>
+            <a:endParaRPr lang="en-US" cap="none" dirty="0">
+              <a:latin typeface="Arial" panose="020B0604020202020204" pitchFamily="34" charset="0"/>
+              <a:cs typeface="Arial" panose="020B0604020202020204" pitchFamily="34" charset="0"/>
+            </a:endParaRPr>
+          </a:p>
+        </p:txBody>
+      </p:sp>
+      <p:graphicFrame>
+        <p:nvGraphicFramePr>
+          <p:cNvPr id="6" name="Content Placeholder 5">
+            <a:extLst>
+              <a:ext uri="{FF2B5EF4-FFF2-40B4-BE49-F238E27FC236}">
+                <a16:creationId xmlns:a16="http://schemas.microsoft.com/office/drawing/2014/main" id="{6C3F4CD6-A6B3-CC8A-7979-C4C59B4DAE1C}"/>
+              </a:ext>
+            </a:extLst>
+          </p:cNvPr>
+          <p:cNvGraphicFramePr>
+            <a:graphicFrameLocks noGrp="1"/>
+          </p:cNvGraphicFramePr>
+          <p:nvPr>
+            <p:ph sz="quarter" idx="14"/>
+            <p:extLst>
+              <p:ext uri="{D42A27DB-BD31-4B8C-83A1-F6EECF244321}">
+                <p14:modId xmlns:p14="http://schemas.microsoft.com/office/powerpoint/2010/main" val="738395202"/>
+              </p:ext>
+            </p:extLst>
+          </p:nvPr>
+        </p:nvGraphicFramePr>
+        <p:xfrm>
+          <a:off x="5994400" y="2259496"/>
+          <a:ext cx="5614505" cy="2478154"/>
+        </p:xfrm>
+        <a:graphic>
+          <a:graphicData uri="http://schemas.openxmlformats.org/drawingml/2006/table">
+            <a:tbl>
+              <a:tblPr/>
+              <a:tblGrid>
+                <a:gridCol w="1122901">
+                  <a:extLst>
+                    <a:ext uri="{9D8B030D-6E8A-4147-A177-3AD203B41FA5}">
+                      <a16:colId xmlns:a16="http://schemas.microsoft.com/office/drawing/2014/main" val="4260033288"/>
+                    </a:ext>
+                  </a:extLst>
+                </a:gridCol>
+                <a:gridCol w="1122901">
+                  <a:extLst>
+                    <a:ext uri="{9D8B030D-6E8A-4147-A177-3AD203B41FA5}">
+                      <a16:colId xmlns:a16="http://schemas.microsoft.com/office/drawing/2014/main" val="2292285775"/>
+                    </a:ext>
+                  </a:extLst>
+                </a:gridCol>
+                <a:gridCol w="1122901">
+                  <a:extLst>
+                    <a:ext uri="{9D8B030D-6E8A-4147-A177-3AD203B41FA5}">
+                      <a16:colId xmlns:a16="http://schemas.microsoft.com/office/drawing/2014/main" val="3815548750"/>
+                    </a:ext>
+                  </a:extLst>
+                </a:gridCol>
+                <a:gridCol w="1122901">
+                  <a:extLst>
+                    <a:ext uri="{9D8B030D-6E8A-4147-A177-3AD203B41FA5}">
+                      <a16:colId xmlns:a16="http://schemas.microsoft.com/office/drawing/2014/main" val="4133864089"/>
+                    </a:ext>
+                  </a:extLst>
+                </a:gridCol>
+                <a:gridCol w="1122901">
+                  <a:extLst>
+                    <a:ext uri="{9D8B030D-6E8A-4147-A177-3AD203B41FA5}">
+                      <a16:colId xmlns:a16="http://schemas.microsoft.com/office/drawing/2014/main" val="2619674873"/>
+                    </a:ext>
+                  </a:extLst>
+                </a:gridCol>
+              </a:tblGrid>
+              <a:tr h="354022">
+                <a:tc>
+                  <a:txBody>
+                    <a:bodyPr/>
+                    <a:lstStyle/>
+                    <a:p>
+                      <a:pPr algn="r" fontAlgn="ctr"/>
+                      <a:endParaRPr lang="en-US" sz="900">
+                        <a:effectLst/>
+                      </a:endParaRPr>
+                    </a:p>
+                  </a:txBody>
+                  <a:tcPr marL="37280" marR="37280" marT="18640" marB="18640" anchor="ctr">
+                    <a:lnL>
+                      <a:noFill/>
+                    </a:lnL>
+                    <a:lnR>
+                      <a:noFill/>
+                    </a:lnR>
+                    <a:lnT>
+                      <a:noFill/>
+                    </a:lnT>
+                    <a:lnB>
+                      <a:noFill/>
+                    </a:lnB>
+                  </a:tcPr>
+                </a:tc>
+                <a:tc>
+                  <a:txBody>
+                    <a:bodyPr/>
+                    <a:lstStyle/>
+                    <a:p>
+                      <a:pPr algn="r" fontAlgn="ctr"/>
+                      <a:r>
+                        <a:rPr lang="en-US" sz="900">
+                          <a:effectLst/>
+                        </a:rPr>
+                        <a:t>Non-English Films</a:t>
+                      </a:r>
+                    </a:p>
+                  </a:txBody>
+                  <a:tcPr marL="37280" marR="37280" marT="18640" marB="18640" anchor="ctr">
+                    <a:lnL>
+                      <a:noFill/>
+                    </a:lnL>
+                    <a:lnR>
+                      <a:noFill/>
+                    </a:lnR>
+                    <a:lnT>
+                      <a:noFill/>
+                    </a:lnT>
+                    <a:lnB>
+                      <a:noFill/>
+                    </a:lnB>
+                  </a:tcPr>
+                </a:tc>
+                <a:tc>
+                  <a:txBody>
+                    <a:bodyPr/>
+                    <a:lstStyle/>
+                    <a:p>
+                      <a:pPr algn="r" fontAlgn="ctr"/>
+                      <a:r>
+                        <a:rPr lang="en-US" sz="900">
+                          <a:effectLst/>
+                        </a:rPr>
+                        <a:t>English Films</a:t>
+                      </a:r>
+                    </a:p>
+                  </a:txBody>
+                  <a:tcPr marL="37280" marR="37280" marT="18640" marB="18640" anchor="ctr">
+                    <a:lnL>
+                      <a:noFill/>
+                    </a:lnL>
+                    <a:lnR>
+                      <a:noFill/>
+                    </a:lnR>
+                    <a:lnT>
+                      <a:noFill/>
+                    </a:lnT>
+                    <a:lnB>
+                      <a:noFill/>
+                    </a:lnB>
+                  </a:tcPr>
+                </a:tc>
+                <a:tc>
+                  <a:txBody>
+                    <a:bodyPr/>
+                    <a:lstStyle/>
+                    <a:p>
+                      <a:pPr algn="r" fontAlgn="ctr"/>
+                      <a:r>
+                        <a:rPr lang="en-US" sz="900">
+                          <a:effectLst/>
+                        </a:rPr>
+                        <a:t>Non-English Shows</a:t>
+                      </a:r>
+                    </a:p>
+                  </a:txBody>
+                  <a:tcPr marL="37280" marR="37280" marT="18640" marB="18640" anchor="ctr">
+                    <a:lnL>
+                      <a:noFill/>
+                    </a:lnL>
+                    <a:lnR>
+                      <a:noFill/>
+                    </a:lnR>
+                    <a:lnT>
+                      <a:noFill/>
+                    </a:lnT>
+                    <a:lnB>
+                      <a:noFill/>
+                    </a:lnB>
+                  </a:tcPr>
+                </a:tc>
+                <a:tc>
+                  <a:txBody>
+                    <a:bodyPr/>
+                    <a:lstStyle/>
+                    <a:p>
+                      <a:pPr algn="r" fontAlgn="ctr"/>
+                      <a:r>
+                        <a:rPr lang="en-US" sz="900">
+                          <a:effectLst/>
+                        </a:rPr>
+                        <a:t>English Shows</a:t>
+                      </a:r>
+                    </a:p>
+                  </a:txBody>
+                  <a:tcPr marL="37280" marR="37280" marT="18640" marB="18640" anchor="ctr">
+                    <a:lnL>
+                      <a:noFill/>
+                    </a:lnL>
+                    <a:lnR>
+                      <a:noFill/>
+                    </a:lnR>
+                    <a:lnT>
+                      <a:noFill/>
+                    </a:lnT>
+                    <a:lnB>
+                      <a:noFill/>
+                    </a:lnB>
+                  </a:tcPr>
+                </a:tc>
+                <a:extLst>
+                  <a:ext uri="{0D108BD9-81ED-4DB2-BD59-A6C34878D82A}">
+                    <a16:rowId xmlns:a16="http://schemas.microsoft.com/office/drawing/2014/main" val="3498790450"/>
+                  </a:ext>
+                </a:extLst>
+              </a:tr>
+              <a:tr h="354022">
+                <a:tc>
+                  <a:txBody>
+                    <a:bodyPr/>
+                    <a:lstStyle/>
+                    <a:p>
+                      <a:pPr algn="r" fontAlgn="ctr"/>
+                      <a:r>
+                        <a:rPr lang="en-US" sz="900" b="0">
+                          <a:effectLst/>
+                        </a:rPr>
+                        <a:t>drama</a:t>
+                      </a:r>
+                    </a:p>
+                  </a:txBody>
+                  <a:tcPr marL="37280" marR="37280" marT="18640" marB="18640" anchor="ctr">
+                    <a:lnL>
+                      <a:noFill/>
+                    </a:lnL>
+                    <a:lnR>
+                      <a:noFill/>
+                    </a:lnR>
+                    <a:lnT>
+                      <a:noFill/>
+                    </a:lnT>
+                    <a:lnB>
+                      <a:noFill/>
+                    </a:lnB>
+                  </a:tcPr>
+                </a:tc>
+                <a:tc>
+                  <a:txBody>
+                    <a:bodyPr/>
+                    <a:lstStyle/>
+                    <a:p>
+                      <a:r>
+                        <a:rPr lang="en-US" sz="900">
+                          <a:effectLst/>
+                        </a:rPr>
+                        <a:t>147</a:t>
+                      </a:r>
+                    </a:p>
+                  </a:txBody>
+                  <a:tcPr marL="37280" marR="37280" marT="18640" marB="18640" anchor="ctr">
+                    <a:lnL>
+                      <a:noFill/>
+                    </a:lnL>
+                    <a:lnR>
+                      <a:noFill/>
+                    </a:lnR>
+                    <a:lnT>
+                      <a:noFill/>
+                    </a:lnT>
+                    <a:lnB>
+                      <a:noFill/>
+                    </a:lnB>
+                  </a:tcPr>
+                </a:tc>
+                <a:tc>
+                  <a:txBody>
+                    <a:bodyPr/>
+                    <a:lstStyle/>
+                    <a:p>
+                      <a:r>
+                        <a:rPr lang="en-US" sz="900">
+                          <a:effectLst/>
+                        </a:rPr>
+                        <a:t>275</a:t>
+                      </a:r>
+                    </a:p>
+                  </a:txBody>
+                  <a:tcPr marL="37280" marR="37280" marT="18640" marB="18640" anchor="ctr">
+                    <a:lnL>
+                      <a:noFill/>
+                    </a:lnL>
+                    <a:lnR>
+                      <a:noFill/>
+                    </a:lnR>
+                    <a:lnT>
+                      <a:noFill/>
+                    </a:lnT>
+                    <a:lnB>
+                      <a:noFill/>
+                    </a:lnB>
+                  </a:tcPr>
+                </a:tc>
+                <a:tc>
+                  <a:txBody>
+                    <a:bodyPr/>
+                    <a:lstStyle/>
+                    <a:p>
+                      <a:r>
+                        <a:rPr lang="en-US" sz="900">
+                          <a:effectLst/>
+                        </a:rPr>
+                        <a:t>556</a:t>
+                      </a:r>
+                    </a:p>
+                  </a:txBody>
+                  <a:tcPr marL="37280" marR="37280" marT="18640" marB="18640" anchor="ctr">
+                    <a:lnL>
+                      <a:noFill/>
+                    </a:lnL>
+                    <a:lnR>
+                      <a:noFill/>
+                    </a:lnR>
+                    <a:lnT>
+                      <a:noFill/>
+                    </a:lnT>
+                    <a:lnB>
+                      <a:noFill/>
+                    </a:lnB>
+                  </a:tcPr>
+                </a:tc>
+                <a:tc>
+                  <a:txBody>
+                    <a:bodyPr/>
+                    <a:lstStyle/>
+                    <a:p>
+                      <a:r>
+                        <a:rPr lang="en-US" sz="900">
+                          <a:effectLst/>
+                        </a:rPr>
+                        <a:t>543</a:t>
+                      </a:r>
+                    </a:p>
+                  </a:txBody>
+                  <a:tcPr marL="37280" marR="37280" marT="18640" marB="18640" anchor="ctr">
+                    <a:lnL>
+                      <a:noFill/>
+                    </a:lnL>
+                    <a:lnR>
+                      <a:noFill/>
+                    </a:lnR>
+                    <a:lnT>
+                      <a:noFill/>
+                    </a:lnT>
+                    <a:lnB>
+                      <a:noFill/>
+                    </a:lnB>
+                  </a:tcPr>
+                </a:tc>
+                <a:extLst>
+                  <a:ext uri="{0D108BD9-81ED-4DB2-BD59-A6C34878D82A}">
+                    <a16:rowId xmlns:a16="http://schemas.microsoft.com/office/drawing/2014/main" val="3084201037"/>
+                  </a:ext>
+                </a:extLst>
+              </a:tr>
+              <a:tr h="354022">
+                <a:tc>
+                  <a:txBody>
+                    <a:bodyPr/>
+                    <a:lstStyle/>
+                    <a:p>
+                      <a:pPr algn="r" fontAlgn="ctr"/>
+                      <a:r>
+                        <a:rPr lang="en-US" sz="900" b="0">
+                          <a:effectLst/>
+                        </a:rPr>
+                        <a:t>comedy</a:t>
+                      </a:r>
+                    </a:p>
+                  </a:txBody>
+                  <a:tcPr marL="37280" marR="37280" marT="18640" marB="18640" anchor="ctr">
+                    <a:lnL>
+                      <a:noFill/>
+                    </a:lnL>
+                    <a:lnR>
+                      <a:noFill/>
+                    </a:lnR>
+                    <a:lnT>
+                      <a:noFill/>
+                    </a:lnT>
+                    <a:lnB>
+                      <a:noFill/>
+                    </a:lnB>
+                  </a:tcPr>
+                </a:tc>
+                <a:tc>
+                  <a:txBody>
+                    <a:bodyPr/>
+                    <a:lstStyle/>
+                    <a:p>
+                      <a:r>
+                        <a:rPr lang="en-US" sz="900">
+                          <a:effectLst/>
+                        </a:rPr>
+                        <a:t>76</a:t>
+                      </a:r>
+                    </a:p>
+                  </a:txBody>
+                  <a:tcPr marL="37280" marR="37280" marT="18640" marB="18640" anchor="ctr">
+                    <a:lnL>
+                      <a:noFill/>
+                    </a:lnL>
+                    <a:lnR>
+                      <a:noFill/>
+                    </a:lnR>
+                    <a:lnT>
+                      <a:noFill/>
+                    </a:lnT>
+                    <a:lnB>
+                      <a:noFill/>
+                    </a:lnB>
+                  </a:tcPr>
+                </a:tc>
+                <a:tc>
+                  <a:txBody>
+                    <a:bodyPr/>
+                    <a:lstStyle/>
+                    <a:p>
+                      <a:r>
+                        <a:rPr lang="en-US" sz="900">
+                          <a:effectLst/>
+                        </a:rPr>
+                        <a:t>276</a:t>
+                      </a:r>
+                    </a:p>
+                  </a:txBody>
+                  <a:tcPr marL="37280" marR="37280" marT="18640" marB="18640" anchor="ctr">
+                    <a:lnL>
+                      <a:noFill/>
+                    </a:lnL>
+                    <a:lnR>
+                      <a:noFill/>
+                    </a:lnR>
+                    <a:lnT>
+                      <a:noFill/>
+                    </a:lnT>
+                    <a:lnB>
+                      <a:noFill/>
+                    </a:lnB>
+                  </a:tcPr>
+                </a:tc>
+                <a:tc>
+                  <a:txBody>
+                    <a:bodyPr/>
+                    <a:lstStyle/>
+                    <a:p>
+                      <a:r>
+                        <a:rPr lang="en-US" sz="900">
+                          <a:effectLst/>
+                        </a:rPr>
+                        <a:t>154</a:t>
+                      </a:r>
+                    </a:p>
+                  </a:txBody>
+                  <a:tcPr marL="37280" marR="37280" marT="18640" marB="18640" anchor="ctr">
+                    <a:lnL>
+                      <a:noFill/>
+                    </a:lnL>
+                    <a:lnR>
+                      <a:noFill/>
+                    </a:lnR>
+                    <a:lnT>
+                      <a:noFill/>
+                    </a:lnT>
+                    <a:lnB>
+                      <a:noFill/>
+                    </a:lnB>
+                  </a:tcPr>
+                </a:tc>
+                <a:tc>
+                  <a:txBody>
+                    <a:bodyPr/>
+                    <a:lstStyle/>
+                    <a:p>
+                      <a:r>
+                        <a:rPr lang="en-US" sz="900">
+                          <a:effectLst/>
+                        </a:rPr>
+                        <a:t>146</a:t>
+                      </a:r>
+                    </a:p>
+                  </a:txBody>
+                  <a:tcPr marL="37280" marR="37280" marT="18640" marB="18640" anchor="ctr">
+                    <a:lnL>
+                      <a:noFill/>
+                    </a:lnL>
+                    <a:lnR>
+                      <a:noFill/>
+                    </a:lnR>
+                    <a:lnT>
+                      <a:noFill/>
+                    </a:lnT>
+                    <a:lnB>
+                      <a:noFill/>
+                    </a:lnB>
+                  </a:tcPr>
+                </a:tc>
+                <a:extLst>
+                  <a:ext uri="{0D108BD9-81ED-4DB2-BD59-A6C34878D82A}">
+                    <a16:rowId xmlns:a16="http://schemas.microsoft.com/office/drawing/2014/main" val="3883328"/>
+                  </a:ext>
+                </a:extLst>
+              </a:tr>
+              <a:tr h="354022">
+                <a:tc>
+                  <a:txBody>
+                    <a:bodyPr/>
+                    <a:lstStyle/>
+                    <a:p>
+                      <a:pPr algn="r" fontAlgn="ctr"/>
+                      <a:r>
+                        <a:rPr lang="en-US" sz="900" b="0">
+                          <a:effectLst/>
+                        </a:rPr>
+                        <a:t>action</a:t>
+                      </a:r>
+                    </a:p>
+                  </a:txBody>
+                  <a:tcPr marL="37280" marR="37280" marT="18640" marB="18640" anchor="ctr">
+                    <a:lnL>
+                      <a:noFill/>
+                    </a:lnL>
+                    <a:lnR>
+                      <a:noFill/>
+                    </a:lnR>
+                    <a:lnT>
+                      <a:noFill/>
+                    </a:lnT>
+                    <a:lnB>
+                      <a:noFill/>
+                    </a:lnB>
+                  </a:tcPr>
+                </a:tc>
+                <a:tc>
+                  <a:txBody>
+                    <a:bodyPr/>
+                    <a:lstStyle/>
+                    <a:p>
+                      <a:r>
+                        <a:rPr lang="en-US" sz="900">
+                          <a:effectLst/>
+                        </a:rPr>
+                        <a:t>55</a:t>
+                      </a:r>
+                    </a:p>
+                  </a:txBody>
+                  <a:tcPr marL="37280" marR="37280" marT="18640" marB="18640" anchor="ctr">
+                    <a:lnL>
+                      <a:noFill/>
+                    </a:lnL>
+                    <a:lnR>
+                      <a:noFill/>
+                    </a:lnR>
+                    <a:lnT>
+                      <a:noFill/>
+                    </a:lnT>
+                    <a:lnB>
+                      <a:noFill/>
+                    </a:lnB>
+                  </a:tcPr>
+                </a:tc>
+                <a:tc>
+                  <a:txBody>
+                    <a:bodyPr/>
+                    <a:lstStyle/>
+                    <a:p>
+                      <a:r>
+                        <a:rPr lang="en-US" sz="900">
+                          <a:effectLst/>
+                        </a:rPr>
+                        <a:t>238</a:t>
+                      </a:r>
+                    </a:p>
+                  </a:txBody>
+                  <a:tcPr marL="37280" marR="37280" marT="18640" marB="18640" anchor="ctr">
+                    <a:lnL>
+                      <a:noFill/>
+                    </a:lnL>
+                    <a:lnR>
+                      <a:noFill/>
+                    </a:lnR>
+                    <a:lnT>
+                      <a:noFill/>
+                    </a:lnT>
+                    <a:lnB>
+                      <a:noFill/>
+                    </a:lnB>
+                  </a:tcPr>
+                </a:tc>
+                <a:tc>
+                  <a:txBody>
+                    <a:bodyPr/>
+                    <a:lstStyle/>
+                    <a:p>
+                      <a:r>
+                        <a:rPr lang="en-US" sz="900">
+                          <a:effectLst/>
+                        </a:rPr>
+                        <a:t>163</a:t>
+                      </a:r>
+                    </a:p>
+                  </a:txBody>
+                  <a:tcPr marL="37280" marR="37280" marT="18640" marB="18640" anchor="ctr">
+                    <a:lnL>
+                      <a:noFill/>
+                    </a:lnL>
+                    <a:lnR>
+                      <a:noFill/>
+                    </a:lnR>
+                    <a:lnT>
+                      <a:noFill/>
+                    </a:lnT>
+                    <a:lnB>
+                      <a:noFill/>
+                    </a:lnB>
+                  </a:tcPr>
+                </a:tc>
+                <a:tc>
+                  <a:txBody>
+                    <a:bodyPr/>
+                    <a:lstStyle/>
+                    <a:p>
+                      <a:r>
+                        <a:rPr lang="en-US" sz="900">
+                          <a:effectLst/>
+                        </a:rPr>
+                        <a:t>129</a:t>
+                      </a:r>
+                    </a:p>
+                  </a:txBody>
+                  <a:tcPr marL="37280" marR="37280" marT="18640" marB="18640" anchor="ctr">
+                    <a:lnL>
+                      <a:noFill/>
+                    </a:lnL>
+                    <a:lnR>
+                      <a:noFill/>
+                    </a:lnR>
+                    <a:lnT>
+                      <a:noFill/>
+                    </a:lnT>
+                    <a:lnB>
+                      <a:noFill/>
+                    </a:lnB>
+                  </a:tcPr>
+                </a:tc>
+                <a:extLst>
+                  <a:ext uri="{0D108BD9-81ED-4DB2-BD59-A6C34878D82A}">
+                    <a16:rowId xmlns:a16="http://schemas.microsoft.com/office/drawing/2014/main" val="294298669"/>
+                  </a:ext>
+                </a:extLst>
+              </a:tr>
+              <a:tr h="354022">
+                <a:tc>
+                  <a:txBody>
+                    <a:bodyPr/>
+                    <a:lstStyle/>
+                    <a:p>
+                      <a:pPr algn="r" fontAlgn="ctr"/>
+                      <a:r>
+                        <a:rPr lang="en-US" sz="900" b="0">
+                          <a:effectLst/>
+                        </a:rPr>
+                        <a:t>family</a:t>
+                      </a:r>
+                    </a:p>
+                  </a:txBody>
+                  <a:tcPr marL="37280" marR="37280" marT="18640" marB="18640" anchor="ctr">
+                    <a:lnL>
+                      <a:noFill/>
+                    </a:lnL>
+                    <a:lnR>
+                      <a:noFill/>
+                    </a:lnR>
+                    <a:lnT>
+                      <a:noFill/>
+                    </a:lnT>
+                    <a:lnB>
+                      <a:noFill/>
+                    </a:lnB>
+                  </a:tcPr>
+                </a:tc>
+                <a:tc>
+                  <a:txBody>
+                    <a:bodyPr/>
+                    <a:lstStyle/>
+                    <a:p>
+                      <a:r>
+                        <a:rPr lang="en-US" sz="900">
+                          <a:effectLst/>
+                        </a:rPr>
+                        <a:t>11</a:t>
+                      </a:r>
+                    </a:p>
+                  </a:txBody>
+                  <a:tcPr marL="37280" marR="37280" marT="18640" marB="18640" anchor="ctr">
+                    <a:lnL>
+                      <a:noFill/>
+                    </a:lnL>
+                    <a:lnR>
+                      <a:noFill/>
+                    </a:lnR>
+                    <a:lnT>
+                      <a:noFill/>
+                    </a:lnT>
+                    <a:lnB>
+                      <a:noFill/>
+                    </a:lnB>
+                  </a:tcPr>
+                </a:tc>
+                <a:tc>
+                  <a:txBody>
+                    <a:bodyPr/>
+                    <a:lstStyle/>
+                    <a:p>
+                      <a:r>
+                        <a:rPr lang="en-US" sz="900">
+                          <a:effectLst/>
+                        </a:rPr>
+                        <a:t>73</a:t>
+                      </a:r>
+                    </a:p>
+                  </a:txBody>
+                  <a:tcPr marL="37280" marR="37280" marT="18640" marB="18640" anchor="ctr">
+                    <a:lnL>
+                      <a:noFill/>
+                    </a:lnL>
+                    <a:lnR>
+                      <a:noFill/>
+                    </a:lnR>
+                    <a:lnT>
+                      <a:noFill/>
+                    </a:lnT>
+                    <a:lnB>
+                      <a:noFill/>
+                    </a:lnB>
+                  </a:tcPr>
+                </a:tc>
+                <a:tc>
+                  <a:txBody>
+                    <a:bodyPr/>
+                    <a:lstStyle/>
+                    <a:p>
+                      <a:r>
+                        <a:rPr lang="en-US" sz="900">
+                          <a:effectLst/>
+                        </a:rPr>
+                        <a:t>42</a:t>
+                      </a:r>
+                    </a:p>
+                  </a:txBody>
+                  <a:tcPr marL="37280" marR="37280" marT="18640" marB="18640" anchor="ctr">
+                    <a:lnL>
+                      <a:noFill/>
+                    </a:lnL>
+                    <a:lnR>
+                      <a:noFill/>
+                    </a:lnR>
+                    <a:lnT>
+                      <a:noFill/>
+                    </a:lnT>
+                    <a:lnB>
+                      <a:noFill/>
+                    </a:lnB>
+                  </a:tcPr>
+                </a:tc>
+                <a:tc>
+                  <a:txBody>
+                    <a:bodyPr/>
+                    <a:lstStyle/>
+                    <a:p>
+                      <a:r>
+                        <a:rPr lang="en-US" sz="900">
+                          <a:effectLst/>
+                        </a:rPr>
+                        <a:t>46</a:t>
+                      </a:r>
+                    </a:p>
+                  </a:txBody>
+                  <a:tcPr marL="37280" marR="37280" marT="18640" marB="18640" anchor="ctr">
+                    <a:lnL>
+                      <a:noFill/>
+                    </a:lnL>
+                    <a:lnR>
+                      <a:noFill/>
+                    </a:lnR>
+                    <a:lnT>
+                      <a:noFill/>
+                    </a:lnT>
+                    <a:lnB>
+                      <a:noFill/>
+                    </a:lnB>
+                  </a:tcPr>
+                </a:tc>
+                <a:extLst>
+                  <a:ext uri="{0D108BD9-81ED-4DB2-BD59-A6C34878D82A}">
+                    <a16:rowId xmlns:a16="http://schemas.microsoft.com/office/drawing/2014/main" val="740165841"/>
+                  </a:ext>
+                </a:extLst>
+              </a:tr>
+              <a:tr h="354022">
+                <a:tc>
+                  <a:txBody>
+                    <a:bodyPr/>
+                    <a:lstStyle/>
+                    <a:p>
+                      <a:pPr algn="r" fontAlgn="ctr"/>
+                      <a:r>
+                        <a:rPr lang="en-US" sz="900" b="0">
+                          <a:effectLst/>
+                        </a:rPr>
+                        <a:t>crime</a:t>
+                      </a:r>
+                    </a:p>
+                  </a:txBody>
+                  <a:tcPr marL="37280" marR="37280" marT="18640" marB="18640" anchor="ctr">
+                    <a:lnL>
+                      <a:noFill/>
+                    </a:lnL>
+                    <a:lnR>
+                      <a:noFill/>
+                    </a:lnR>
+                    <a:lnT>
+                      <a:noFill/>
+                    </a:lnT>
+                    <a:lnB>
+                      <a:noFill/>
+                    </a:lnB>
+                  </a:tcPr>
+                </a:tc>
+                <a:tc>
+                  <a:txBody>
+                    <a:bodyPr/>
+                    <a:lstStyle/>
+                    <a:p>
+                      <a:r>
+                        <a:rPr lang="en-US" sz="900">
+                          <a:effectLst/>
+                        </a:rPr>
+                        <a:t>41</a:t>
+                      </a:r>
+                    </a:p>
+                  </a:txBody>
+                  <a:tcPr marL="37280" marR="37280" marT="18640" marB="18640" anchor="ctr">
+                    <a:lnL>
+                      <a:noFill/>
+                    </a:lnL>
+                    <a:lnR>
+                      <a:noFill/>
+                    </a:lnR>
+                    <a:lnT>
+                      <a:noFill/>
+                    </a:lnT>
+                    <a:lnB>
+                      <a:noFill/>
+                    </a:lnB>
+                  </a:tcPr>
+                </a:tc>
+                <a:tc>
+                  <a:txBody>
+                    <a:bodyPr/>
+                    <a:lstStyle/>
+                    <a:p>
+                      <a:r>
+                        <a:rPr lang="en-US" sz="900">
+                          <a:effectLst/>
+                        </a:rPr>
+                        <a:t>126</a:t>
+                      </a:r>
+                    </a:p>
+                  </a:txBody>
+                  <a:tcPr marL="37280" marR="37280" marT="18640" marB="18640" anchor="ctr">
+                    <a:lnL>
+                      <a:noFill/>
+                    </a:lnL>
+                    <a:lnR>
+                      <a:noFill/>
+                    </a:lnR>
+                    <a:lnT>
+                      <a:noFill/>
+                    </a:lnT>
+                    <a:lnB>
+                      <a:noFill/>
+                    </a:lnB>
+                  </a:tcPr>
+                </a:tc>
+                <a:tc>
+                  <a:txBody>
+                    <a:bodyPr/>
+                    <a:lstStyle/>
+                    <a:p>
+                      <a:r>
+                        <a:rPr lang="en-US" sz="900">
+                          <a:effectLst/>
+                        </a:rPr>
+                        <a:t>160</a:t>
+                      </a:r>
+                    </a:p>
+                  </a:txBody>
+                  <a:tcPr marL="37280" marR="37280" marT="18640" marB="18640" anchor="ctr">
+                    <a:lnL>
+                      <a:noFill/>
+                    </a:lnL>
+                    <a:lnR>
+                      <a:noFill/>
+                    </a:lnR>
+                    <a:lnT>
+                      <a:noFill/>
+                    </a:lnT>
+                    <a:lnB>
+                      <a:noFill/>
+                    </a:lnB>
+                  </a:tcPr>
+                </a:tc>
+                <a:tc>
+                  <a:txBody>
+                    <a:bodyPr/>
+                    <a:lstStyle/>
+                    <a:p>
+                      <a:r>
+                        <a:rPr lang="en-US" sz="900">
+                          <a:effectLst/>
+                        </a:rPr>
+                        <a:t>187</a:t>
+                      </a:r>
+                    </a:p>
+                  </a:txBody>
+                  <a:tcPr marL="37280" marR="37280" marT="18640" marB="18640" anchor="ctr">
+                    <a:lnL>
+                      <a:noFill/>
+                    </a:lnL>
+                    <a:lnR>
+                      <a:noFill/>
+                    </a:lnR>
+                    <a:lnT>
+                      <a:noFill/>
+                    </a:lnT>
+                    <a:lnB>
+                      <a:noFill/>
+                    </a:lnB>
+                  </a:tcPr>
+                </a:tc>
+                <a:extLst>
+                  <a:ext uri="{0D108BD9-81ED-4DB2-BD59-A6C34878D82A}">
+                    <a16:rowId xmlns:a16="http://schemas.microsoft.com/office/drawing/2014/main" val="1267063407"/>
+                  </a:ext>
+                </a:extLst>
+              </a:tr>
+              <a:tr h="354022">
+                <a:tc>
+                  <a:txBody>
+                    <a:bodyPr/>
+                    <a:lstStyle/>
+                    <a:p>
+                      <a:pPr algn="r" fontAlgn="ctr"/>
+                      <a:r>
+                        <a:rPr lang="en-US" sz="900" b="0">
+                          <a:effectLst/>
+                        </a:rPr>
+                        <a:t>romance</a:t>
+                      </a:r>
+                    </a:p>
+                  </a:txBody>
+                  <a:tcPr marL="37280" marR="37280" marT="18640" marB="18640" anchor="ctr">
+                    <a:lnL>
+                      <a:noFill/>
+                    </a:lnL>
+                    <a:lnR>
+                      <a:noFill/>
+                    </a:lnR>
+                    <a:lnT>
+                      <a:noFill/>
+                    </a:lnT>
+                    <a:lnB>
+                      <a:noFill/>
+                    </a:lnB>
+                  </a:tcPr>
+                </a:tc>
+                <a:tc>
+                  <a:txBody>
+                    <a:bodyPr/>
+                    <a:lstStyle/>
+                    <a:p>
+                      <a:r>
+                        <a:rPr lang="en-US" sz="900">
+                          <a:effectLst/>
+                        </a:rPr>
+                        <a:t>51</a:t>
+                      </a:r>
+                    </a:p>
+                  </a:txBody>
+                  <a:tcPr marL="37280" marR="37280" marT="18640" marB="18640" anchor="ctr">
+                    <a:lnL>
+                      <a:noFill/>
+                    </a:lnL>
+                    <a:lnR>
+                      <a:noFill/>
+                    </a:lnR>
+                    <a:lnT>
+                      <a:noFill/>
+                    </a:lnT>
+                    <a:lnB>
+                      <a:noFill/>
+                    </a:lnB>
+                  </a:tcPr>
+                </a:tc>
+                <a:tc>
+                  <a:txBody>
+                    <a:bodyPr/>
+                    <a:lstStyle/>
+                    <a:p>
+                      <a:r>
+                        <a:rPr lang="en-US" sz="900">
+                          <a:effectLst/>
+                        </a:rPr>
+                        <a:t>90</a:t>
+                      </a:r>
+                    </a:p>
+                  </a:txBody>
+                  <a:tcPr marL="37280" marR="37280" marT="18640" marB="18640" anchor="ctr">
+                    <a:lnL>
+                      <a:noFill/>
+                    </a:lnL>
+                    <a:lnR>
+                      <a:noFill/>
+                    </a:lnR>
+                    <a:lnT>
+                      <a:noFill/>
+                    </a:lnT>
+                    <a:lnB>
+                      <a:noFill/>
+                    </a:lnB>
+                  </a:tcPr>
+                </a:tc>
+                <a:tc>
+                  <a:txBody>
+                    <a:bodyPr/>
+                    <a:lstStyle/>
+                    <a:p>
+                      <a:r>
+                        <a:rPr lang="en-US" sz="900">
+                          <a:effectLst/>
+                        </a:rPr>
+                        <a:t>162</a:t>
+                      </a:r>
+                    </a:p>
+                  </a:txBody>
+                  <a:tcPr marL="37280" marR="37280" marT="18640" marB="18640" anchor="ctr">
+                    <a:lnL>
+                      <a:noFill/>
+                    </a:lnL>
+                    <a:lnR>
+                      <a:noFill/>
+                    </a:lnR>
+                    <a:lnT>
+                      <a:noFill/>
+                    </a:lnT>
+                    <a:lnB>
+                      <a:noFill/>
+                    </a:lnB>
+                  </a:tcPr>
+                </a:tc>
+                <a:tc>
+                  <a:txBody>
+                    <a:bodyPr/>
+                    <a:lstStyle/>
+                    <a:p>
+                      <a:r>
+                        <a:rPr lang="en-US" sz="900" dirty="0">
+                          <a:effectLst/>
+                        </a:rPr>
+                        <a:t>119</a:t>
+                      </a:r>
+                    </a:p>
+                  </a:txBody>
+                  <a:tcPr marL="37280" marR="37280" marT="18640" marB="18640" anchor="ctr">
+                    <a:lnL>
+                      <a:noFill/>
+                    </a:lnL>
+                    <a:lnR>
+                      <a:noFill/>
+                    </a:lnR>
+                    <a:lnT>
+                      <a:noFill/>
+                    </a:lnT>
+                    <a:lnB>
+                      <a:noFill/>
+                    </a:lnB>
+                  </a:tcPr>
+                </a:tc>
+                <a:extLst>
+                  <a:ext uri="{0D108BD9-81ED-4DB2-BD59-A6C34878D82A}">
+                    <a16:rowId xmlns:a16="http://schemas.microsoft.com/office/drawing/2014/main" val="1012840543"/>
+                  </a:ext>
+                </a:extLst>
+              </a:tr>
+            </a:tbl>
+          </a:graphicData>
+        </a:graphic>
+      </p:graphicFrame>
+    </p:spTree>
+    <p:extLst>
+      <p:ext uri="{BB962C8B-B14F-4D97-AF65-F5344CB8AC3E}">
+        <p14:creationId xmlns:p14="http://schemas.microsoft.com/office/powerpoint/2010/main" val="4159317097"/>
+      </p:ext>
+    </p:extLst>
+  </p:cSld>
+  <p:clrMapOvr>
+    <a:masterClrMapping/>
+  </p:clrMapOvr>
+</p:sld>
+</file>
+
+<file path=ppt/slides/slide11.xml><?xml version="1.0" encoding="utf-8"?>
+<p:sld xmlns:a="http://schemas.openxmlformats.org/drawingml/2006/main" xmlns:r="http://schemas.openxmlformats.org/officeDocument/2006/relationships" xmlns:p="http://schemas.openxmlformats.org/presentationml/2006/main">
+  <p:cSld>
+    <p:spTree>
+      <p:nvGrpSpPr>
+        <p:cNvPr id="1" name=""/>
+        <p:cNvGrpSpPr/>
+        <p:nvPr/>
+      </p:nvGrpSpPr>
+      <p:grpSpPr>
+        <a:xfrm>
+          <a:off x="0" y="0"/>
+          <a:ext cx="0" cy="0"/>
+          <a:chOff x="0" y="0"/>
+          <a:chExt cx="0" cy="0"/>
+        </a:xfrm>
+      </p:grpSpPr>
+      <p:sp>
+        <p:nvSpPr>
+          <p:cNvPr id="2" name="Title 1">
+            <a:extLst>
+              <a:ext uri="{FF2B5EF4-FFF2-40B4-BE49-F238E27FC236}">
+                <a16:creationId xmlns:a16="http://schemas.microsoft.com/office/drawing/2014/main" id="{DBC921C5-5531-A9B1-78FA-437151214A0C}"/>
+              </a:ext>
+            </a:extLst>
+          </p:cNvPr>
+          <p:cNvSpPr>
+            <a:spLocks noGrp="1"/>
+          </p:cNvSpPr>
+          <p:nvPr>
+            <p:ph type="title"/>
+          </p:nvPr>
+        </p:nvSpPr>
+        <p:spPr/>
+        <p:txBody>
+          <a:bodyPr/>
+          <a:lstStyle/>
+          <a:p>
+            <a:r>
+              <a:rPr lang="en-US" cap="none" dirty="0">
+                <a:latin typeface="Arial" panose="020B0604020202020204" pitchFamily="34" charset="0"/>
+                <a:cs typeface="Arial" panose="020B0604020202020204" pitchFamily="34" charset="0"/>
+              </a:rPr>
+              <a:t>Conclusions</a:t>
+            </a:r>
+          </a:p>
+        </p:txBody>
+      </p:sp>
+      <p:sp>
+        <p:nvSpPr>
+          <p:cNvPr id="4" name="Content Placeholder 3">
+            <a:extLst>
+              <a:ext uri="{FF2B5EF4-FFF2-40B4-BE49-F238E27FC236}">
+                <a16:creationId xmlns:a16="http://schemas.microsoft.com/office/drawing/2014/main" id="{56CBBD9E-23DC-B411-E9FF-78564DFA42F9}"/>
+              </a:ext>
+            </a:extLst>
+          </p:cNvPr>
+          <p:cNvSpPr>
+            <a:spLocks noGrp="1"/>
+          </p:cNvSpPr>
+          <p:nvPr>
+            <p:ph sz="quarter" idx="13"/>
+          </p:nvPr>
+        </p:nvSpPr>
+        <p:spPr/>
+        <p:txBody>
+          <a:bodyPr/>
+          <a:lstStyle/>
+          <a:p>
+            <a:endParaRPr lang="en-US" cap="none" dirty="0">
+              <a:latin typeface="Arial" panose="020B0604020202020204" pitchFamily="34" charset="0"/>
+              <a:cs typeface="Arial" panose="020B0604020202020204" pitchFamily="34" charset="0"/>
+            </a:endParaRPr>
+          </a:p>
+        </p:txBody>
+      </p:sp>
+      <p:sp>
+        <p:nvSpPr>
+          <p:cNvPr id="8" name="Content Placeholder 7">
+            <a:extLst>
+              <a:ext uri="{FF2B5EF4-FFF2-40B4-BE49-F238E27FC236}">
+                <a16:creationId xmlns:a16="http://schemas.microsoft.com/office/drawing/2014/main" id="{B5BA0ED6-958E-7D4C-4C90-A73D89354476}"/>
+              </a:ext>
+            </a:extLst>
+          </p:cNvPr>
+          <p:cNvSpPr>
+            <a:spLocks noGrp="1"/>
+          </p:cNvSpPr>
+          <p:nvPr>
+            <p:ph sz="quarter" idx="14"/>
+          </p:nvPr>
+        </p:nvSpPr>
+        <p:spPr/>
+        <p:txBody>
+          <a:bodyPr/>
+          <a:lstStyle/>
+          <a:p>
+            <a:endParaRPr lang="en-US"/>
+          </a:p>
+        </p:txBody>
+      </p:sp>
+    </p:spTree>
+    <p:extLst>
+      <p:ext uri="{BB962C8B-B14F-4D97-AF65-F5344CB8AC3E}">
+        <p14:creationId xmlns:p14="http://schemas.microsoft.com/office/powerpoint/2010/main" val="3098139007"/>
+      </p:ext>
+    </p:extLst>
+  </p:cSld>
+  <p:clrMapOvr>
+    <a:masterClrMapping/>
+  </p:clrMapOvr>
+</p:sld>
+</file>
+
+<file path=ppt/slides/slide12.xml><?xml version="1.0" encoding="utf-8"?>
+<p:sld xmlns:a="http://schemas.openxmlformats.org/drawingml/2006/main" xmlns:r="http://schemas.openxmlformats.org/officeDocument/2006/relationships" xmlns:p="http://schemas.openxmlformats.org/presentationml/2006/main">
+  <p:cSld>
+    <p:spTree>
+      <p:nvGrpSpPr>
+        <p:cNvPr id="1" name=""/>
+        <p:cNvGrpSpPr/>
+        <p:nvPr/>
+      </p:nvGrpSpPr>
+      <p:grpSpPr>
+        <a:xfrm>
+          <a:off x="0" y="0"/>
+          <a:ext cx="0" cy="0"/>
+          <a:chOff x="0" y="0"/>
+          <a:chExt cx="0" cy="0"/>
+        </a:xfrm>
+      </p:grpSpPr>
+      <p:sp>
+        <p:nvSpPr>
+          <p:cNvPr id="2" name="Title 1">
+            <a:extLst>
+              <a:ext uri="{FF2B5EF4-FFF2-40B4-BE49-F238E27FC236}">
+                <a16:creationId xmlns:a16="http://schemas.microsoft.com/office/drawing/2014/main" id="{DBC921C5-5531-A9B1-78FA-437151214A0C}"/>
+              </a:ext>
+            </a:extLst>
+          </p:cNvPr>
+          <p:cNvSpPr>
+            <a:spLocks noGrp="1"/>
+          </p:cNvSpPr>
+          <p:nvPr>
+            <p:ph type="title"/>
+          </p:nvPr>
+        </p:nvSpPr>
+        <p:spPr/>
+        <p:txBody>
+          <a:bodyPr/>
+          <a:lstStyle/>
+          <a:p>
+            <a:r>
+              <a:rPr lang="en-US" cap="none" dirty="0">
+                <a:latin typeface="Arial" panose="020B0604020202020204" pitchFamily="34" charset="0"/>
+                <a:cs typeface="Arial" panose="020B0604020202020204" pitchFamily="34" charset="0"/>
+              </a:rPr>
               <a:t>Next Steps</a:t>
             </a:r>
           </a:p>
@@ -7222,7 +8534,9 @@
         </p:nvSpPr>
         <p:spPr/>
         <p:txBody>
-          <a:bodyPr/>
+          <a:bodyPr>
+            <a:normAutofit/>
+          </a:bodyPr>
           <a:lstStyle/>
           <a:p>
             <a:pPr marL="457200" indent="-457200">
@@ -7234,7 +8548,7 @@
                 <a:latin typeface="Arial" panose="020B0604020202020204" pitchFamily="34" charset="0"/>
                 <a:cs typeface="Arial" panose="020B0604020202020204" pitchFamily="34" charset="0"/>
               </a:rPr>
-              <a:t>Edith line graph</a:t>
+              <a:t>What are the most popular genres?</a:t>
             </a:r>
           </a:p>
           <a:p>
@@ -7247,7 +8561,7 @@
                 <a:latin typeface="Arial" panose="020B0604020202020204" pitchFamily="34" charset="0"/>
                 <a:cs typeface="Arial" panose="020B0604020202020204" pitchFamily="34" charset="0"/>
               </a:rPr>
-              <a:t>Kevin category breakdown</a:t>
+              <a:t>What are the most popular TV Shows and Movies?</a:t>
             </a:r>
           </a:p>
           <a:p>
@@ -7260,40 +8574,7 @@
                 <a:latin typeface="Arial" panose="020B0604020202020204" pitchFamily="34" charset="0"/>
                 <a:cs typeface="Arial" panose="020B0604020202020204" pitchFamily="34" charset="0"/>
               </a:rPr>
-              <a:t>Kevin chi squared</a:t>
-            </a:r>
-          </a:p>
-          <a:p>
-            <a:pPr marL="457200" indent="-457200">
-              <a:buFont typeface="+mj-lt"/>
-              <a:buAutoNum type="arabicParenR"/>
-            </a:pPr>
-            <a:r>
-              <a:rPr lang="en-US" cap="none" dirty="0">
-                <a:latin typeface="Arial" panose="020B0604020202020204" pitchFamily="34" charset="0"/>
-                <a:cs typeface="Arial" panose="020B0604020202020204" pitchFamily="34" charset="0"/>
-              </a:rPr>
-              <a:t>Zack top 10 most watched shows</a:t>
-            </a:r>
-          </a:p>
-          <a:p>
-            <a:pPr marL="457200" indent="-457200">
-              <a:buFont typeface="+mj-lt"/>
-              <a:buAutoNum type="arabicParenR"/>
-            </a:pPr>
-            <a:r>
-              <a:rPr lang="en-US" cap="none" dirty="0">
-                <a:latin typeface="Arial" panose="020B0604020202020204" pitchFamily="34" charset="0"/>
-                <a:cs typeface="Arial" panose="020B0604020202020204" pitchFamily="34" charset="0"/>
-              </a:rPr>
-              <a:t>Satya popularity </a:t>
-            </a:r>
-            <a:r>
-              <a:rPr lang="en-US" cap="none">
-                <a:latin typeface="Arial" panose="020B0604020202020204" pitchFamily="34" charset="0"/>
-                <a:cs typeface="Arial" panose="020B0604020202020204" pitchFamily="34" charset="0"/>
-              </a:rPr>
-              <a:t>by weeks</a:t>
+              <a:t>Is there a difference in popularity between English vs Non-English Movies and Films?</a:t>
             </a:r>
           </a:p>
           <a:p>
@@ -7364,6 +8645,166 @@
                 <a:latin typeface="Arial" panose="020B0604020202020204" pitchFamily="34" charset="0"/>
                 <a:cs typeface="Arial" panose="020B0604020202020204" pitchFamily="34" charset="0"/>
               </a:rPr>
+              <a:t>Delete</a:t>
+            </a:r>
+          </a:p>
+        </p:txBody>
+      </p:sp>
+      <p:sp>
+        <p:nvSpPr>
+          <p:cNvPr id="3" name="Content Placeholder 2">
+            <a:extLst>
+              <a:ext uri="{FF2B5EF4-FFF2-40B4-BE49-F238E27FC236}">
+                <a16:creationId xmlns:a16="http://schemas.microsoft.com/office/drawing/2014/main" id="{CB7D2898-DE68-2AB9-862A-31CC499799AE}"/>
+              </a:ext>
+            </a:extLst>
+          </p:cNvPr>
+          <p:cNvSpPr>
+            <a:spLocks noGrp="1"/>
+          </p:cNvSpPr>
+          <p:nvPr>
+            <p:ph sz="quarter" idx="13"/>
+          </p:nvPr>
+        </p:nvSpPr>
+        <p:spPr/>
+        <p:txBody>
+          <a:bodyPr>
+            <a:normAutofit/>
+          </a:bodyPr>
+          <a:lstStyle/>
+          <a:p>
+            <a:pPr marL="457200" indent="-457200">
+              <a:buFont typeface="+mj-lt"/>
+              <a:buAutoNum type="arabicParenR"/>
+            </a:pPr>
+            <a:r>
+              <a:rPr lang="en-US" cap="none" dirty="0">
+                <a:latin typeface="Arial" panose="020B0604020202020204" pitchFamily="34" charset="0"/>
+                <a:cs typeface="Arial" panose="020B0604020202020204" pitchFamily="34" charset="0"/>
+              </a:rPr>
+              <a:t>Edith line graph</a:t>
+            </a:r>
+          </a:p>
+          <a:p>
+            <a:pPr marL="457200" indent="-457200">
+              <a:buFont typeface="+mj-lt"/>
+              <a:buAutoNum type="arabicParenR"/>
+            </a:pPr>
+            <a:r>
+              <a:rPr lang="en-US" cap="none" dirty="0">
+                <a:latin typeface="Arial" panose="020B0604020202020204" pitchFamily="34" charset="0"/>
+                <a:cs typeface="Arial" panose="020B0604020202020204" pitchFamily="34" charset="0"/>
+              </a:rPr>
+              <a:t>Kevin category breakdown</a:t>
+            </a:r>
+          </a:p>
+          <a:p>
+            <a:pPr marL="457200" indent="-457200">
+              <a:buFont typeface="+mj-lt"/>
+              <a:buAutoNum type="arabicParenR"/>
+            </a:pPr>
+            <a:r>
+              <a:rPr lang="en-US" cap="none" dirty="0">
+                <a:latin typeface="Arial" panose="020B0604020202020204" pitchFamily="34" charset="0"/>
+                <a:cs typeface="Arial" panose="020B0604020202020204" pitchFamily="34" charset="0"/>
+              </a:rPr>
+              <a:t>Kevin chi squared</a:t>
+            </a:r>
+          </a:p>
+          <a:p>
+            <a:pPr marL="457200" indent="-457200">
+              <a:buFont typeface="+mj-lt"/>
+              <a:buAutoNum type="arabicParenR"/>
+            </a:pPr>
+            <a:r>
+              <a:rPr lang="en-US" cap="none" dirty="0">
+                <a:latin typeface="Arial" panose="020B0604020202020204" pitchFamily="34" charset="0"/>
+                <a:cs typeface="Arial" panose="020B0604020202020204" pitchFamily="34" charset="0"/>
+              </a:rPr>
+              <a:t>Zack top 10 most watched shows</a:t>
+            </a:r>
+          </a:p>
+          <a:p>
+            <a:pPr marL="457200" indent="-457200">
+              <a:buFont typeface="+mj-lt"/>
+              <a:buAutoNum type="arabicParenR"/>
+            </a:pPr>
+            <a:r>
+              <a:rPr lang="en-US" cap="none" dirty="0">
+                <a:latin typeface="Arial" panose="020B0604020202020204" pitchFamily="34" charset="0"/>
+                <a:cs typeface="Arial" panose="020B0604020202020204" pitchFamily="34" charset="0"/>
+              </a:rPr>
+              <a:t>Satya popularity by weeks</a:t>
+            </a:r>
+          </a:p>
+          <a:p>
+            <a:pPr marL="457200" indent="-457200">
+              <a:buFont typeface="+mj-lt"/>
+              <a:buAutoNum type="arabicParenR"/>
+            </a:pPr>
+            <a:endParaRPr lang="en-US" cap="none" dirty="0">
+              <a:latin typeface="Arial" panose="020B0604020202020204" pitchFamily="34" charset="0"/>
+              <a:cs typeface="Arial" panose="020B0604020202020204" pitchFamily="34" charset="0"/>
+            </a:endParaRPr>
+          </a:p>
+        </p:txBody>
+      </p:sp>
+    </p:spTree>
+    <p:extLst>
+      <p:ext uri="{BB962C8B-B14F-4D97-AF65-F5344CB8AC3E}">
+        <p14:creationId xmlns:p14="http://schemas.microsoft.com/office/powerpoint/2010/main" val="1770884798"/>
+      </p:ext>
+    </p:extLst>
+  </p:cSld>
+  <p:clrMapOvr>
+    <a:masterClrMapping/>
+  </p:clrMapOvr>
+</p:sld>
+</file>
+
+<file path=ppt/slides/slide5.xml><?xml version="1.0" encoding="utf-8"?>
+<p:sld xmlns:a="http://schemas.openxmlformats.org/drawingml/2006/main" xmlns:r="http://schemas.openxmlformats.org/officeDocument/2006/relationships" xmlns:p="http://schemas.openxmlformats.org/presentationml/2006/main">
+  <p:cSld>
+    <p:spTree>
+      <p:nvGrpSpPr>
+        <p:cNvPr id="1" name=""/>
+        <p:cNvGrpSpPr/>
+        <p:nvPr/>
+      </p:nvGrpSpPr>
+      <p:grpSpPr>
+        <a:xfrm>
+          <a:off x="0" y="0"/>
+          <a:ext cx="0" cy="0"/>
+          <a:chOff x="0" y="0"/>
+          <a:chExt cx="0" cy="0"/>
+        </a:xfrm>
+      </p:grpSpPr>
+      <p:sp>
+        <p:nvSpPr>
+          <p:cNvPr id="2" name="Title 1">
+            <a:extLst>
+              <a:ext uri="{FF2B5EF4-FFF2-40B4-BE49-F238E27FC236}">
+                <a16:creationId xmlns:a16="http://schemas.microsoft.com/office/drawing/2014/main" id="{DBC921C5-5531-A9B1-78FA-437151214A0C}"/>
+              </a:ext>
+            </a:extLst>
+          </p:cNvPr>
+          <p:cNvSpPr>
+            <a:spLocks noGrp="1"/>
+          </p:cNvSpPr>
+          <p:nvPr>
+            <p:ph type="title"/>
+          </p:nvPr>
+        </p:nvSpPr>
+        <p:spPr/>
+        <p:txBody>
+          <a:bodyPr/>
+          <a:lstStyle/>
+          <a:p>
+            <a:r>
+              <a:rPr lang="en-US" cap="none" dirty="0">
+                <a:latin typeface="Arial" panose="020B0604020202020204" pitchFamily="34" charset="0"/>
+                <a:cs typeface="Arial" panose="020B0604020202020204" pitchFamily="34" charset="0"/>
+              </a:rPr>
               <a:t>Final Dataset</a:t>
             </a:r>
           </a:p>
@@ -7511,16 +8952,6 @@
                 <a:cs typeface="Arial" panose="020B0604020202020204" pitchFamily="34" charset="0"/>
               </a:rPr>
               <a:t>Deleted rows with null values</a:t>
-            </a:r>
-          </a:p>
-          <a:p>
-            <a:pPr lvl="1"/>
-            <a:r>
-              <a:rPr lang="en-US" cap="none" dirty="0">
-                <a:latin typeface="Arial" panose="020B0604020202020204" pitchFamily="34" charset="0"/>
-                <a:cs typeface="Arial" panose="020B0604020202020204" pitchFamily="34" charset="0"/>
-              </a:rPr>
-              <a:t>Mostly Non-English</a:t>
             </a:r>
           </a:p>
           <a:p>
@@ -7559,7 +8990,7 @@
 </p:sld>
 </file>
 
-<file path=ppt/slides/slide5.xml><?xml version="1.0" encoding="utf-8"?>
+<file path=ppt/slides/slide6.xml><?xml version="1.0" encoding="utf-8"?>
 <p:sld xmlns:a="http://schemas.openxmlformats.org/drawingml/2006/main" xmlns:r="http://schemas.openxmlformats.org/officeDocument/2006/relationships" xmlns:p="http://schemas.openxmlformats.org/presentationml/2006/main">
   <p:cSld>
     <p:bg>
@@ -7922,7 +9353,7 @@
 </p:sld>
 </file>
 
-<file path=ppt/slides/slide6.xml><?xml version="1.0" encoding="utf-8"?>
+<file path=ppt/slides/slide7.xml><?xml version="1.0" encoding="utf-8"?>
 <p:sld xmlns:a="http://schemas.openxmlformats.org/drawingml/2006/main" xmlns:r="http://schemas.openxmlformats.org/officeDocument/2006/relationships" xmlns:p="http://schemas.openxmlformats.org/presentationml/2006/main">
   <p:cSld>
     <p:spTree>
@@ -8036,7 +9467,7 @@
 </p:sld>
 </file>
 
-<file path=ppt/slides/slide7.xml><?xml version="1.0" encoding="utf-8"?>
+<file path=ppt/slides/slide8.xml><?xml version="1.0" encoding="utf-8"?>
 <p:sld xmlns:a="http://schemas.openxmlformats.org/drawingml/2006/main" xmlns:r="http://schemas.openxmlformats.org/officeDocument/2006/relationships" xmlns:p="http://schemas.openxmlformats.org/presentationml/2006/main">
   <p:cSld>
     <p:spTree>
@@ -8154,7 +9585,7 @@
 </p:sld>
 </file>
 
-<file path=ppt/slides/slide8.xml><?xml version="1.0" encoding="utf-8"?>
+<file path=ppt/slides/slide9.xml><?xml version="1.0" encoding="utf-8"?>
 <p:sld xmlns:a="http://schemas.openxmlformats.org/drawingml/2006/main" xmlns:r="http://schemas.openxmlformats.org/officeDocument/2006/relationships" xmlns:p="http://schemas.openxmlformats.org/presentationml/2006/main">
   <p:cSld>
     <p:spTree>
@@ -8263,120 +9694,6 @@
     <p:extLst>
       <p:ext uri="{BB962C8B-B14F-4D97-AF65-F5344CB8AC3E}">
         <p14:creationId xmlns:p14="http://schemas.microsoft.com/office/powerpoint/2010/main" val="3803350541"/>
-      </p:ext>
-    </p:extLst>
-  </p:cSld>
-  <p:clrMapOvr>
-    <a:masterClrMapping/>
-  </p:clrMapOvr>
-</p:sld>
-</file>
-
-<file path=ppt/slides/slide9.xml><?xml version="1.0" encoding="utf-8"?>
-<p:sld xmlns:a="http://schemas.openxmlformats.org/drawingml/2006/main" xmlns:r="http://schemas.openxmlformats.org/officeDocument/2006/relationships" xmlns:p="http://schemas.openxmlformats.org/presentationml/2006/main">
-  <p:cSld>
-    <p:spTree>
-      <p:nvGrpSpPr>
-        <p:cNvPr id="1" name=""/>
-        <p:cNvGrpSpPr/>
-        <p:nvPr/>
-      </p:nvGrpSpPr>
-      <p:grpSpPr>
-        <a:xfrm>
-          <a:off x="0" y="0"/>
-          <a:ext cx="0" cy="0"/>
-          <a:chOff x="0" y="0"/>
-          <a:chExt cx="0" cy="0"/>
-        </a:xfrm>
-      </p:grpSpPr>
-      <p:sp>
-        <p:nvSpPr>
-          <p:cNvPr id="2" name="Title 1">
-            <a:extLst>
-              <a:ext uri="{FF2B5EF4-FFF2-40B4-BE49-F238E27FC236}">
-                <a16:creationId xmlns:a16="http://schemas.microsoft.com/office/drawing/2014/main" id="{DBC921C5-5531-A9B1-78FA-437151214A0C}"/>
-              </a:ext>
-            </a:extLst>
-          </p:cNvPr>
-          <p:cNvSpPr>
-            <a:spLocks noGrp="1"/>
-          </p:cNvSpPr>
-          <p:nvPr>
-            <p:ph type="title"/>
-          </p:nvPr>
-        </p:nvSpPr>
-        <p:spPr/>
-        <p:txBody>
-          <a:bodyPr/>
-          <a:lstStyle/>
-          <a:p>
-            <a:r>
-              <a:rPr lang="en-US" cap="none" dirty="0">
-                <a:latin typeface="Arial" panose="020B0604020202020204" pitchFamily="34" charset="0"/>
-                <a:cs typeface="Arial" panose="020B0604020202020204" pitchFamily="34" charset="0"/>
-              </a:rPr>
-              <a:t>Conclusions</a:t>
-            </a:r>
-          </a:p>
-        </p:txBody>
-      </p:sp>
-      <p:sp>
-        <p:nvSpPr>
-          <p:cNvPr id="4" name="Content Placeholder 3">
-            <a:extLst>
-              <a:ext uri="{FF2B5EF4-FFF2-40B4-BE49-F238E27FC236}">
-                <a16:creationId xmlns:a16="http://schemas.microsoft.com/office/drawing/2014/main" id="{56CBBD9E-23DC-B411-E9FF-78564DFA42F9}"/>
-              </a:ext>
-            </a:extLst>
-          </p:cNvPr>
-          <p:cNvSpPr>
-            <a:spLocks noGrp="1"/>
-          </p:cNvSpPr>
-          <p:nvPr>
-            <p:ph sz="quarter" idx="13"/>
-          </p:nvPr>
-        </p:nvSpPr>
-        <p:spPr/>
-        <p:txBody>
-          <a:bodyPr/>
-          <a:lstStyle/>
-          <a:p>
-            <a:endParaRPr lang="en-US" cap="none" dirty="0">
-              <a:latin typeface="Arial" panose="020B0604020202020204" pitchFamily="34" charset="0"/>
-              <a:cs typeface="Arial" panose="020B0604020202020204" pitchFamily="34" charset="0"/>
-            </a:endParaRPr>
-          </a:p>
-        </p:txBody>
-      </p:sp>
-      <p:sp>
-        <p:nvSpPr>
-          <p:cNvPr id="8" name="Content Placeholder 7">
-            <a:extLst>
-              <a:ext uri="{FF2B5EF4-FFF2-40B4-BE49-F238E27FC236}">
-                <a16:creationId xmlns:a16="http://schemas.microsoft.com/office/drawing/2014/main" id="{B5BA0ED6-958E-7D4C-4C90-A73D89354476}"/>
-              </a:ext>
-            </a:extLst>
-          </p:cNvPr>
-          <p:cNvSpPr>
-            <a:spLocks noGrp="1"/>
-          </p:cNvSpPr>
-          <p:nvPr>
-            <p:ph sz="quarter" idx="14"/>
-          </p:nvPr>
-        </p:nvSpPr>
-        <p:spPr/>
-        <p:txBody>
-          <a:bodyPr/>
-          <a:lstStyle/>
-          <a:p>
-            <a:endParaRPr lang="en-US"/>
-          </a:p>
-        </p:txBody>
-      </p:sp>
-    </p:spTree>
-    <p:extLst>
-      <p:ext uri="{BB962C8B-B14F-4D97-AF65-F5344CB8AC3E}">
-        <p14:creationId xmlns:p14="http://schemas.microsoft.com/office/powerpoint/2010/main" val="3098139007"/>
       </p:ext>
     </p:extLst>
   </p:cSld>

--- a/Netflix_Comparison.pptx
+++ b/Netflix_Comparison.pptx
@@ -7,16 +7,17 @@
   <p:sldIdLst>
     <p:sldId id="256" r:id="rId2"/>
     <p:sldId id="257" r:id="rId3"/>
-    <p:sldId id="258" r:id="rId4"/>
-    <p:sldId id="267" r:id="rId5"/>
+    <p:sldId id="262" r:id="rId4"/>
+    <p:sldId id="258" r:id="rId5"/>
     <p:sldId id="259" r:id="rId6"/>
-    <p:sldId id="262" r:id="rId7"/>
-    <p:sldId id="265" r:id="rId8"/>
-    <p:sldId id="260" r:id="rId9"/>
-    <p:sldId id="266" r:id="rId10"/>
-    <p:sldId id="268" r:id="rId11"/>
-    <p:sldId id="263" r:id="rId12"/>
-    <p:sldId id="264" r:id="rId13"/>
+    <p:sldId id="265" r:id="rId7"/>
+    <p:sldId id="260" r:id="rId8"/>
+    <p:sldId id="266" r:id="rId9"/>
+    <p:sldId id="268" r:id="rId10"/>
+    <p:sldId id="270" r:id="rId11"/>
+    <p:sldId id="271" r:id="rId12"/>
+    <p:sldId id="263" r:id="rId13"/>
+    <p:sldId id="264" r:id="rId14"/>
   </p:sldIdLst>
   <p:sldSz cx="12192000" cy="6858000"/>
   <p:notesSz cx="6858000" cy="9144000"/>
@@ -6626,10 +6627,10 @@
       </p:grpSpPr>
       <p:sp>
         <p:nvSpPr>
-          <p:cNvPr id="2" name="Title 1">
+          <p:cNvPr id="15" name="Title 14">
             <a:extLst>
               <a:ext uri="{FF2B5EF4-FFF2-40B4-BE49-F238E27FC236}">
-                <a16:creationId xmlns:a16="http://schemas.microsoft.com/office/drawing/2014/main" id="{DBC921C5-5531-A9B1-78FA-437151214A0C}"/>
+                <a16:creationId xmlns:a16="http://schemas.microsoft.com/office/drawing/2014/main" id="{A1C5E8FA-3707-32D5-48A8-435989B66C3D}"/>
               </a:ext>
             </a:extLst>
           </p:cNvPr>
@@ -6645,1155 +6646,79 @@
           <a:bodyPr/>
           <a:lstStyle/>
           <a:p>
-            <a:r>
-              <a:rPr lang="en-US" cap="none" dirty="0">
-                <a:latin typeface="Arial" panose="020B0604020202020204" pitchFamily="34" charset="0"/>
-                <a:cs typeface="Arial" panose="020B0604020202020204" pitchFamily="34" charset="0"/>
-              </a:rPr>
-              <a:t>Genre Breakdown</a:t>
-            </a:r>
-          </a:p>
-        </p:txBody>
-      </p:sp>
-      <p:sp>
-        <p:nvSpPr>
-          <p:cNvPr id="4" name="Content Placeholder 3">
+            <a:endParaRPr lang="en-US"/>
+          </a:p>
+        </p:txBody>
+      </p:sp>
+      <p:pic>
+        <p:nvPicPr>
+          <p:cNvPr id="10" name="Content Placeholder 9">
             <a:extLst>
               <a:ext uri="{FF2B5EF4-FFF2-40B4-BE49-F238E27FC236}">
-                <a16:creationId xmlns:a16="http://schemas.microsoft.com/office/drawing/2014/main" id="{56CBBD9E-23DC-B411-E9FF-78564DFA42F9}"/>
+                <a16:creationId xmlns:a16="http://schemas.microsoft.com/office/drawing/2014/main" id="{6033D4B6-D7F6-2A6F-F41B-DB76FDEC2D64}"/>
               </a:ext>
             </a:extLst>
           </p:cNvPr>
-          <p:cNvSpPr>
-            <a:spLocks noGrp="1"/>
-          </p:cNvSpPr>
+          <p:cNvPicPr>
+            <a:picLocks noGrp="1" noChangeAspect="1"/>
+          </p:cNvPicPr>
           <p:nvPr>
             <p:ph sz="quarter" idx="13"/>
           </p:nvPr>
-        </p:nvSpPr>
-        <p:spPr/>
-        <p:txBody>
-          <a:bodyPr/>
-          <a:lstStyle/>
-          <a:p>
-            <a:endParaRPr lang="en-US" cap="none" dirty="0">
-              <a:latin typeface="Arial" panose="020B0604020202020204" pitchFamily="34" charset="0"/>
-              <a:cs typeface="Arial" panose="020B0604020202020204" pitchFamily="34" charset="0"/>
-            </a:endParaRPr>
-          </a:p>
-        </p:txBody>
-      </p:sp>
-      <p:graphicFrame>
-        <p:nvGraphicFramePr>
-          <p:cNvPr id="6" name="Content Placeholder 5">
+        </p:nvPicPr>
+        <p:blipFill>
+          <a:blip r:embed="rId2">
+            <a:extLst>
+              <a:ext uri="{28A0092B-C50C-407E-A947-70E740481C1C}">
+                <a14:useLocalDpi xmlns:a14="http://schemas.microsoft.com/office/drawing/2010/main" val="0"/>
+              </a:ext>
+            </a:extLst>
+          </a:blip>
+          <a:stretch>
+            <a:fillRect/>
+          </a:stretch>
+        </p:blipFill>
+        <p:spPr>
+          <a:xfrm>
+            <a:off x="5993971" y="2063396"/>
+            <a:ext cx="5087938" cy="3203060"/>
+          </a:xfrm>
+        </p:spPr>
+      </p:pic>
+      <p:sp>
+        <p:nvSpPr>
+          <p:cNvPr id="16" name="Content Placeholder 15">
             <a:extLst>
               <a:ext uri="{FF2B5EF4-FFF2-40B4-BE49-F238E27FC236}">
-                <a16:creationId xmlns:a16="http://schemas.microsoft.com/office/drawing/2014/main" id="{6C3F4CD6-A6B3-CC8A-7979-C4C59B4DAE1C}"/>
+                <a16:creationId xmlns:a16="http://schemas.microsoft.com/office/drawing/2014/main" id="{084E2316-F6F6-4A5C-A283-C725950CB950}"/>
               </a:ext>
             </a:extLst>
           </p:cNvPr>
-          <p:cNvGraphicFramePr>
-            <a:graphicFrameLocks noGrp="1"/>
-          </p:cNvGraphicFramePr>
+          <p:cNvSpPr>
+            <a:spLocks noGrp="1"/>
+          </p:cNvSpPr>
           <p:nvPr>
             <p:ph sz="quarter" idx="14"/>
-            <p:extLst>
-              <p:ext uri="{D42A27DB-BD31-4B8C-83A1-F6EECF244321}">
-                <p14:modId xmlns:p14="http://schemas.microsoft.com/office/powerpoint/2010/main" val="738395202"/>
-              </p:ext>
-            </p:extLst>
-          </p:nvPr>
-        </p:nvGraphicFramePr>
-        <p:xfrm>
-          <a:off x="5994400" y="2259496"/>
-          <a:ext cx="5614505" cy="2478154"/>
-        </p:xfrm>
-        <a:graphic>
-          <a:graphicData uri="http://schemas.openxmlformats.org/drawingml/2006/table">
-            <a:tbl>
-              <a:tblPr/>
-              <a:tblGrid>
-                <a:gridCol w="1122901">
-                  <a:extLst>
-                    <a:ext uri="{9D8B030D-6E8A-4147-A177-3AD203B41FA5}">
-                      <a16:colId xmlns:a16="http://schemas.microsoft.com/office/drawing/2014/main" val="4260033288"/>
-                    </a:ext>
-                  </a:extLst>
-                </a:gridCol>
-                <a:gridCol w="1122901">
-                  <a:extLst>
-                    <a:ext uri="{9D8B030D-6E8A-4147-A177-3AD203B41FA5}">
-                      <a16:colId xmlns:a16="http://schemas.microsoft.com/office/drawing/2014/main" val="2292285775"/>
-                    </a:ext>
-                  </a:extLst>
-                </a:gridCol>
-                <a:gridCol w="1122901">
-                  <a:extLst>
-                    <a:ext uri="{9D8B030D-6E8A-4147-A177-3AD203B41FA5}">
-                      <a16:colId xmlns:a16="http://schemas.microsoft.com/office/drawing/2014/main" val="3815548750"/>
-                    </a:ext>
-                  </a:extLst>
-                </a:gridCol>
-                <a:gridCol w="1122901">
-                  <a:extLst>
-                    <a:ext uri="{9D8B030D-6E8A-4147-A177-3AD203B41FA5}">
-                      <a16:colId xmlns:a16="http://schemas.microsoft.com/office/drawing/2014/main" val="4133864089"/>
-                    </a:ext>
-                  </a:extLst>
-                </a:gridCol>
-                <a:gridCol w="1122901">
-                  <a:extLst>
-                    <a:ext uri="{9D8B030D-6E8A-4147-A177-3AD203B41FA5}">
-                      <a16:colId xmlns:a16="http://schemas.microsoft.com/office/drawing/2014/main" val="2619674873"/>
-                    </a:ext>
-                  </a:extLst>
-                </a:gridCol>
-              </a:tblGrid>
-              <a:tr h="354022">
-                <a:tc>
-                  <a:txBody>
-                    <a:bodyPr/>
-                    <a:lstStyle/>
-                    <a:p>
-                      <a:pPr algn="r" fontAlgn="ctr"/>
-                      <a:endParaRPr lang="en-US" sz="900">
-                        <a:effectLst/>
-                      </a:endParaRPr>
-                    </a:p>
-                  </a:txBody>
-                  <a:tcPr marL="37280" marR="37280" marT="18640" marB="18640" anchor="ctr">
-                    <a:lnL>
-                      <a:noFill/>
-                    </a:lnL>
-                    <a:lnR>
-                      <a:noFill/>
-                    </a:lnR>
-                    <a:lnT>
-                      <a:noFill/>
-                    </a:lnT>
-                    <a:lnB>
-                      <a:noFill/>
-                    </a:lnB>
-                  </a:tcPr>
-                </a:tc>
-                <a:tc>
-                  <a:txBody>
-                    <a:bodyPr/>
-                    <a:lstStyle/>
-                    <a:p>
-                      <a:pPr algn="r" fontAlgn="ctr"/>
-                      <a:r>
-                        <a:rPr lang="en-US" sz="900">
-                          <a:effectLst/>
-                        </a:rPr>
-                        <a:t>Non-English Films</a:t>
-                      </a:r>
-                    </a:p>
-                  </a:txBody>
-                  <a:tcPr marL="37280" marR="37280" marT="18640" marB="18640" anchor="ctr">
-                    <a:lnL>
-                      <a:noFill/>
-                    </a:lnL>
-                    <a:lnR>
-                      <a:noFill/>
-                    </a:lnR>
-                    <a:lnT>
-                      <a:noFill/>
-                    </a:lnT>
-                    <a:lnB>
-                      <a:noFill/>
-                    </a:lnB>
-                  </a:tcPr>
-                </a:tc>
-                <a:tc>
-                  <a:txBody>
-                    <a:bodyPr/>
-                    <a:lstStyle/>
-                    <a:p>
-                      <a:pPr algn="r" fontAlgn="ctr"/>
-                      <a:r>
-                        <a:rPr lang="en-US" sz="900">
-                          <a:effectLst/>
-                        </a:rPr>
-                        <a:t>English Films</a:t>
-                      </a:r>
-                    </a:p>
-                  </a:txBody>
-                  <a:tcPr marL="37280" marR="37280" marT="18640" marB="18640" anchor="ctr">
-                    <a:lnL>
-                      <a:noFill/>
-                    </a:lnL>
-                    <a:lnR>
-                      <a:noFill/>
-                    </a:lnR>
-                    <a:lnT>
-                      <a:noFill/>
-                    </a:lnT>
-                    <a:lnB>
-                      <a:noFill/>
-                    </a:lnB>
-                  </a:tcPr>
-                </a:tc>
-                <a:tc>
-                  <a:txBody>
-                    <a:bodyPr/>
-                    <a:lstStyle/>
-                    <a:p>
-                      <a:pPr algn="r" fontAlgn="ctr"/>
-                      <a:r>
-                        <a:rPr lang="en-US" sz="900">
-                          <a:effectLst/>
-                        </a:rPr>
-                        <a:t>Non-English Shows</a:t>
-                      </a:r>
-                    </a:p>
-                  </a:txBody>
-                  <a:tcPr marL="37280" marR="37280" marT="18640" marB="18640" anchor="ctr">
-                    <a:lnL>
-                      <a:noFill/>
-                    </a:lnL>
-                    <a:lnR>
-                      <a:noFill/>
-                    </a:lnR>
-                    <a:lnT>
-                      <a:noFill/>
-                    </a:lnT>
-                    <a:lnB>
-                      <a:noFill/>
-                    </a:lnB>
-                  </a:tcPr>
-                </a:tc>
-                <a:tc>
-                  <a:txBody>
-                    <a:bodyPr/>
-                    <a:lstStyle/>
-                    <a:p>
-                      <a:pPr algn="r" fontAlgn="ctr"/>
-                      <a:r>
-                        <a:rPr lang="en-US" sz="900">
-                          <a:effectLst/>
-                        </a:rPr>
-                        <a:t>English Shows</a:t>
-                      </a:r>
-                    </a:p>
-                  </a:txBody>
-                  <a:tcPr marL="37280" marR="37280" marT="18640" marB="18640" anchor="ctr">
-                    <a:lnL>
-                      <a:noFill/>
-                    </a:lnL>
-                    <a:lnR>
-                      <a:noFill/>
-                    </a:lnR>
-                    <a:lnT>
-                      <a:noFill/>
-                    </a:lnT>
-                    <a:lnB>
-                      <a:noFill/>
-                    </a:lnB>
-                  </a:tcPr>
-                </a:tc>
-                <a:extLst>
-                  <a:ext uri="{0D108BD9-81ED-4DB2-BD59-A6C34878D82A}">
-                    <a16:rowId xmlns:a16="http://schemas.microsoft.com/office/drawing/2014/main" val="3498790450"/>
-                  </a:ext>
-                </a:extLst>
-              </a:tr>
-              <a:tr h="354022">
-                <a:tc>
-                  <a:txBody>
-                    <a:bodyPr/>
-                    <a:lstStyle/>
-                    <a:p>
-                      <a:pPr algn="r" fontAlgn="ctr"/>
-                      <a:r>
-                        <a:rPr lang="en-US" sz="900" b="0">
-                          <a:effectLst/>
-                        </a:rPr>
-                        <a:t>drama</a:t>
-                      </a:r>
-                    </a:p>
-                  </a:txBody>
-                  <a:tcPr marL="37280" marR="37280" marT="18640" marB="18640" anchor="ctr">
-                    <a:lnL>
-                      <a:noFill/>
-                    </a:lnL>
-                    <a:lnR>
-                      <a:noFill/>
-                    </a:lnR>
-                    <a:lnT>
-                      <a:noFill/>
-                    </a:lnT>
-                    <a:lnB>
-                      <a:noFill/>
-                    </a:lnB>
-                  </a:tcPr>
-                </a:tc>
-                <a:tc>
-                  <a:txBody>
-                    <a:bodyPr/>
-                    <a:lstStyle/>
-                    <a:p>
-                      <a:r>
-                        <a:rPr lang="en-US" sz="900">
-                          <a:effectLst/>
-                        </a:rPr>
-                        <a:t>147</a:t>
-                      </a:r>
-                    </a:p>
-                  </a:txBody>
-                  <a:tcPr marL="37280" marR="37280" marT="18640" marB="18640" anchor="ctr">
-                    <a:lnL>
-                      <a:noFill/>
-                    </a:lnL>
-                    <a:lnR>
-                      <a:noFill/>
-                    </a:lnR>
-                    <a:lnT>
-                      <a:noFill/>
-                    </a:lnT>
-                    <a:lnB>
-                      <a:noFill/>
-                    </a:lnB>
-                  </a:tcPr>
-                </a:tc>
-                <a:tc>
-                  <a:txBody>
-                    <a:bodyPr/>
-                    <a:lstStyle/>
-                    <a:p>
-                      <a:r>
-                        <a:rPr lang="en-US" sz="900">
-                          <a:effectLst/>
-                        </a:rPr>
-                        <a:t>275</a:t>
-                      </a:r>
-                    </a:p>
-                  </a:txBody>
-                  <a:tcPr marL="37280" marR="37280" marT="18640" marB="18640" anchor="ctr">
-                    <a:lnL>
-                      <a:noFill/>
-                    </a:lnL>
-                    <a:lnR>
-                      <a:noFill/>
-                    </a:lnR>
-                    <a:lnT>
-                      <a:noFill/>
-                    </a:lnT>
-                    <a:lnB>
-                      <a:noFill/>
-                    </a:lnB>
-                  </a:tcPr>
-                </a:tc>
-                <a:tc>
-                  <a:txBody>
-                    <a:bodyPr/>
-                    <a:lstStyle/>
-                    <a:p>
-                      <a:r>
-                        <a:rPr lang="en-US" sz="900">
-                          <a:effectLst/>
-                        </a:rPr>
-                        <a:t>556</a:t>
-                      </a:r>
-                    </a:p>
-                  </a:txBody>
-                  <a:tcPr marL="37280" marR="37280" marT="18640" marB="18640" anchor="ctr">
-                    <a:lnL>
-                      <a:noFill/>
-                    </a:lnL>
-                    <a:lnR>
-                      <a:noFill/>
-                    </a:lnR>
-                    <a:lnT>
-                      <a:noFill/>
-                    </a:lnT>
-                    <a:lnB>
-                      <a:noFill/>
-                    </a:lnB>
-                  </a:tcPr>
-                </a:tc>
-                <a:tc>
-                  <a:txBody>
-                    <a:bodyPr/>
-                    <a:lstStyle/>
-                    <a:p>
-                      <a:r>
-                        <a:rPr lang="en-US" sz="900">
-                          <a:effectLst/>
-                        </a:rPr>
-                        <a:t>543</a:t>
-                      </a:r>
-                    </a:p>
-                  </a:txBody>
-                  <a:tcPr marL="37280" marR="37280" marT="18640" marB="18640" anchor="ctr">
-                    <a:lnL>
-                      <a:noFill/>
-                    </a:lnL>
-                    <a:lnR>
-                      <a:noFill/>
-                    </a:lnR>
-                    <a:lnT>
-                      <a:noFill/>
-                    </a:lnT>
-                    <a:lnB>
-                      <a:noFill/>
-                    </a:lnB>
-                  </a:tcPr>
-                </a:tc>
-                <a:extLst>
-                  <a:ext uri="{0D108BD9-81ED-4DB2-BD59-A6C34878D82A}">
-                    <a16:rowId xmlns:a16="http://schemas.microsoft.com/office/drawing/2014/main" val="3084201037"/>
-                  </a:ext>
-                </a:extLst>
-              </a:tr>
-              <a:tr h="354022">
-                <a:tc>
-                  <a:txBody>
-                    <a:bodyPr/>
-                    <a:lstStyle/>
-                    <a:p>
-                      <a:pPr algn="r" fontAlgn="ctr"/>
-                      <a:r>
-                        <a:rPr lang="en-US" sz="900" b="0">
-                          <a:effectLst/>
-                        </a:rPr>
-                        <a:t>comedy</a:t>
-                      </a:r>
-                    </a:p>
-                  </a:txBody>
-                  <a:tcPr marL="37280" marR="37280" marT="18640" marB="18640" anchor="ctr">
-                    <a:lnL>
-                      <a:noFill/>
-                    </a:lnL>
-                    <a:lnR>
-                      <a:noFill/>
-                    </a:lnR>
-                    <a:lnT>
-                      <a:noFill/>
-                    </a:lnT>
-                    <a:lnB>
-                      <a:noFill/>
-                    </a:lnB>
-                  </a:tcPr>
-                </a:tc>
-                <a:tc>
-                  <a:txBody>
-                    <a:bodyPr/>
-                    <a:lstStyle/>
-                    <a:p>
-                      <a:r>
-                        <a:rPr lang="en-US" sz="900">
-                          <a:effectLst/>
-                        </a:rPr>
-                        <a:t>76</a:t>
-                      </a:r>
-                    </a:p>
-                  </a:txBody>
-                  <a:tcPr marL="37280" marR="37280" marT="18640" marB="18640" anchor="ctr">
-                    <a:lnL>
-                      <a:noFill/>
-                    </a:lnL>
-                    <a:lnR>
-                      <a:noFill/>
-                    </a:lnR>
-                    <a:lnT>
-                      <a:noFill/>
-                    </a:lnT>
-                    <a:lnB>
-                      <a:noFill/>
-                    </a:lnB>
-                  </a:tcPr>
-                </a:tc>
-                <a:tc>
-                  <a:txBody>
-                    <a:bodyPr/>
-                    <a:lstStyle/>
-                    <a:p>
-                      <a:r>
-                        <a:rPr lang="en-US" sz="900">
-                          <a:effectLst/>
-                        </a:rPr>
-                        <a:t>276</a:t>
-                      </a:r>
-                    </a:p>
-                  </a:txBody>
-                  <a:tcPr marL="37280" marR="37280" marT="18640" marB="18640" anchor="ctr">
-                    <a:lnL>
-                      <a:noFill/>
-                    </a:lnL>
-                    <a:lnR>
-                      <a:noFill/>
-                    </a:lnR>
-                    <a:lnT>
-                      <a:noFill/>
-                    </a:lnT>
-                    <a:lnB>
-                      <a:noFill/>
-                    </a:lnB>
-                  </a:tcPr>
-                </a:tc>
-                <a:tc>
-                  <a:txBody>
-                    <a:bodyPr/>
-                    <a:lstStyle/>
-                    <a:p>
-                      <a:r>
-                        <a:rPr lang="en-US" sz="900">
-                          <a:effectLst/>
-                        </a:rPr>
-                        <a:t>154</a:t>
-                      </a:r>
-                    </a:p>
-                  </a:txBody>
-                  <a:tcPr marL="37280" marR="37280" marT="18640" marB="18640" anchor="ctr">
-                    <a:lnL>
-                      <a:noFill/>
-                    </a:lnL>
-                    <a:lnR>
-                      <a:noFill/>
-                    </a:lnR>
-                    <a:lnT>
-                      <a:noFill/>
-                    </a:lnT>
-                    <a:lnB>
-                      <a:noFill/>
-                    </a:lnB>
-                  </a:tcPr>
-                </a:tc>
-                <a:tc>
-                  <a:txBody>
-                    <a:bodyPr/>
-                    <a:lstStyle/>
-                    <a:p>
-                      <a:r>
-                        <a:rPr lang="en-US" sz="900">
-                          <a:effectLst/>
-                        </a:rPr>
-                        <a:t>146</a:t>
-                      </a:r>
-                    </a:p>
-                  </a:txBody>
-                  <a:tcPr marL="37280" marR="37280" marT="18640" marB="18640" anchor="ctr">
-                    <a:lnL>
-                      <a:noFill/>
-                    </a:lnL>
-                    <a:lnR>
-                      <a:noFill/>
-                    </a:lnR>
-                    <a:lnT>
-                      <a:noFill/>
-                    </a:lnT>
-                    <a:lnB>
-                      <a:noFill/>
-                    </a:lnB>
-                  </a:tcPr>
-                </a:tc>
-                <a:extLst>
-                  <a:ext uri="{0D108BD9-81ED-4DB2-BD59-A6C34878D82A}">
-                    <a16:rowId xmlns:a16="http://schemas.microsoft.com/office/drawing/2014/main" val="3883328"/>
-                  </a:ext>
-                </a:extLst>
-              </a:tr>
-              <a:tr h="354022">
-                <a:tc>
-                  <a:txBody>
-                    <a:bodyPr/>
-                    <a:lstStyle/>
-                    <a:p>
-                      <a:pPr algn="r" fontAlgn="ctr"/>
-                      <a:r>
-                        <a:rPr lang="en-US" sz="900" b="0">
-                          <a:effectLst/>
-                        </a:rPr>
-                        <a:t>action</a:t>
-                      </a:r>
-                    </a:p>
-                  </a:txBody>
-                  <a:tcPr marL="37280" marR="37280" marT="18640" marB="18640" anchor="ctr">
-                    <a:lnL>
-                      <a:noFill/>
-                    </a:lnL>
-                    <a:lnR>
-                      <a:noFill/>
-                    </a:lnR>
-                    <a:lnT>
-                      <a:noFill/>
-                    </a:lnT>
-                    <a:lnB>
-                      <a:noFill/>
-                    </a:lnB>
-                  </a:tcPr>
-                </a:tc>
-                <a:tc>
-                  <a:txBody>
-                    <a:bodyPr/>
-                    <a:lstStyle/>
-                    <a:p>
-                      <a:r>
-                        <a:rPr lang="en-US" sz="900">
-                          <a:effectLst/>
-                        </a:rPr>
-                        <a:t>55</a:t>
-                      </a:r>
-                    </a:p>
-                  </a:txBody>
-                  <a:tcPr marL="37280" marR="37280" marT="18640" marB="18640" anchor="ctr">
-                    <a:lnL>
-                      <a:noFill/>
-                    </a:lnL>
-                    <a:lnR>
-                      <a:noFill/>
-                    </a:lnR>
-                    <a:lnT>
-                      <a:noFill/>
-                    </a:lnT>
-                    <a:lnB>
-                      <a:noFill/>
-                    </a:lnB>
-                  </a:tcPr>
-                </a:tc>
-                <a:tc>
-                  <a:txBody>
-                    <a:bodyPr/>
-                    <a:lstStyle/>
-                    <a:p>
-                      <a:r>
-                        <a:rPr lang="en-US" sz="900">
-                          <a:effectLst/>
-                        </a:rPr>
-                        <a:t>238</a:t>
-                      </a:r>
-                    </a:p>
-                  </a:txBody>
-                  <a:tcPr marL="37280" marR="37280" marT="18640" marB="18640" anchor="ctr">
-                    <a:lnL>
-                      <a:noFill/>
-                    </a:lnL>
-                    <a:lnR>
-                      <a:noFill/>
-                    </a:lnR>
-                    <a:lnT>
-                      <a:noFill/>
-                    </a:lnT>
-                    <a:lnB>
-                      <a:noFill/>
-                    </a:lnB>
-                  </a:tcPr>
-                </a:tc>
-                <a:tc>
-                  <a:txBody>
-                    <a:bodyPr/>
-                    <a:lstStyle/>
-                    <a:p>
-                      <a:r>
-                        <a:rPr lang="en-US" sz="900">
-                          <a:effectLst/>
-                        </a:rPr>
-                        <a:t>163</a:t>
-                      </a:r>
-                    </a:p>
-                  </a:txBody>
-                  <a:tcPr marL="37280" marR="37280" marT="18640" marB="18640" anchor="ctr">
-                    <a:lnL>
-                      <a:noFill/>
-                    </a:lnL>
-                    <a:lnR>
-                      <a:noFill/>
-                    </a:lnR>
-                    <a:lnT>
-                      <a:noFill/>
-                    </a:lnT>
-                    <a:lnB>
-                      <a:noFill/>
-                    </a:lnB>
-                  </a:tcPr>
-                </a:tc>
-                <a:tc>
-                  <a:txBody>
-                    <a:bodyPr/>
-                    <a:lstStyle/>
-                    <a:p>
-                      <a:r>
-                        <a:rPr lang="en-US" sz="900">
-                          <a:effectLst/>
-                        </a:rPr>
-                        <a:t>129</a:t>
-                      </a:r>
-                    </a:p>
-                  </a:txBody>
-                  <a:tcPr marL="37280" marR="37280" marT="18640" marB="18640" anchor="ctr">
-                    <a:lnL>
-                      <a:noFill/>
-                    </a:lnL>
-                    <a:lnR>
-                      <a:noFill/>
-                    </a:lnR>
-                    <a:lnT>
-                      <a:noFill/>
-                    </a:lnT>
-                    <a:lnB>
-                      <a:noFill/>
-                    </a:lnB>
-                  </a:tcPr>
-                </a:tc>
-                <a:extLst>
-                  <a:ext uri="{0D108BD9-81ED-4DB2-BD59-A6C34878D82A}">
-                    <a16:rowId xmlns:a16="http://schemas.microsoft.com/office/drawing/2014/main" val="294298669"/>
-                  </a:ext>
-                </a:extLst>
-              </a:tr>
-              <a:tr h="354022">
-                <a:tc>
-                  <a:txBody>
-                    <a:bodyPr/>
-                    <a:lstStyle/>
-                    <a:p>
-                      <a:pPr algn="r" fontAlgn="ctr"/>
-                      <a:r>
-                        <a:rPr lang="en-US" sz="900" b="0">
-                          <a:effectLst/>
-                        </a:rPr>
-                        <a:t>family</a:t>
-                      </a:r>
-                    </a:p>
-                  </a:txBody>
-                  <a:tcPr marL="37280" marR="37280" marT="18640" marB="18640" anchor="ctr">
-                    <a:lnL>
-                      <a:noFill/>
-                    </a:lnL>
-                    <a:lnR>
-                      <a:noFill/>
-                    </a:lnR>
-                    <a:lnT>
-                      <a:noFill/>
-                    </a:lnT>
-                    <a:lnB>
-                      <a:noFill/>
-                    </a:lnB>
-                  </a:tcPr>
-                </a:tc>
-                <a:tc>
-                  <a:txBody>
-                    <a:bodyPr/>
-                    <a:lstStyle/>
-                    <a:p>
-                      <a:r>
-                        <a:rPr lang="en-US" sz="900">
-                          <a:effectLst/>
-                        </a:rPr>
-                        <a:t>11</a:t>
-                      </a:r>
-                    </a:p>
-                  </a:txBody>
-                  <a:tcPr marL="37280" marR="37280" marT="18640" marB="18640" anchor="ctr">
-                    <a:lnL>
-                      <a:noFill/>
-                    </a:lnL>
-                    <a:lnR>
-                      <a:noFill/>
-                    </a:lnR>
-                    <a:lnT>
-                      <a:noFill/>
-                    </a:lnT>
-                    <a:lnB>
-                      <a:noFill/>
-                    </a:lnB>
-                  </a:tcPr>
-                </a:tc>
-                <a:tc>
-                  <a:txBody>
-                    <a:bodyPr/>
-                    <a:lstStyle/>
-                    <a:p>
-                      <a:r>
-                        <a:rPr lang="en-US" sz="900">
-                          <a:effectLst/>
-                        </a:rPr>
-                        <a:t>73</a:t>
-                      </a:r>
-                    </a:p>
-                  </a:txBody>
-                  <a:tcPr marL="37280" marR="37280" marT="18640" marB="18640" anchor="ctr">
-                    <a:lnL>
-                      <a:noFill/>
-                    </a:lnL>
-                    <a:lnR>
-                      <a:noFill/>
-                    </a:lnR>
-                    <a:lnT>
-                      <a:noFill/>
-                    </a:lnT>
-                    <a:lnB>
-                      <a:noFill/>
-                    </a:lnB>
-                  </a:tcPr>
-                </a:tc>
-                <a:tc>
-                  <a:txBody>
-                    <a:bodyPr/>
-                    <a:lstStyle/>
-                    <a:p>
-                      <a:r>
-                        <a:rPr lang="en-US" sz="900">
-                          <a:effectLst/>
-                        </a:rPr>
-                        <a:t>42</a:t>
-                      </a:r>
-                    </a:p>
-                  </a:txBody>
-                  <a:tcPr marL="37280" marR="37280" marT="18640" marB="18640" anchor="ctr">
-                    <a:lnL>
-                      <a:noFill/>
-                    </a:lnL>
-                    <a:lnR>
-                      <a:noFill/>
-                    </a:lnR>
-                    <a:lnT>
-                      <a:noFill/>
-                    </a:lnT>
-                    <a:lnB>
-                      <a:noFill/>
-                    </a:lnB>
-                  </a:tcPr>
-                </a:tc>
-                <a:tc>
-                  <a:txBody>
-                    <a:bodyPr/>
-                    <a:lstStyle/>
-                    <a:p>
-                      <a:r>
-                        <a:rPr lang="en-US" sz="900">
-                          <a:effectLst/>
-                        </a:rPr>
-                        <a:t>46</a:t>
-                      </a:r>
-                    </a:p>
-                  </a:txBody>
-                  <a:tcPr marL="37280" marR="37280" marT="18640" marB="18640" anchor="ctr">
-                    <a:lnL>
-                      <a:noFill/>
-                    </a:lnL>
-                    <a:lnR>
-                      <a:noFill/>
-                    </a:lnR>
-                    <a:lnT>
-                      <a:noFill/>
-                    </a:lnT>
-                    <a:lnB>
-                      <a:noFill/>
-                    </a:lnB>
-                  </a:tcPr>
-                </a:tc>
-                <a:extLst>
-                  <a:ext uri="{0D108BD9-81ED-4DB2-BD59-A6C34878D82A}">
-                    <a16:rowId xmlns:a16="http://schemas.microsoft.com/office/drawing/2014/main" val="740165841"/>
-                  </a:ext>
-                </a:extLst>
-              </a:tr>
-              <a:tr h="354022">
-                <a:tc>
-                  <a:txBody>
-                    <a:bodyPr/>
-                    <a:lstStyle/>
-                    <a:p>
-                      <a:pPr algn="r" fontAlgn="ctr"/>
-                      <a:r>
-                        <a:rPr lang="en-US" sz="900" b="0">
-                          <a:effectLst/>
-                        </a:rPr>
-                        <a:t>crime</a:t>
-                      </a:r>
-                    </a:p>
-                  </a:txBody>
-                  <a:tcPr marL="37280" marR="37280" marT="18640" marB="18640" anchor="ctr">
-                    <a:lnL>
-                      <a:noFill/>
-                    </a:lnL>
-                    <a:lnR>
-                      <a:noFill/>
-                    </a:lnR>
-                    <a:lnT>
-                      <a:noFill/>
-                    </a:lnT>
-                    <a:lnB>
-                      <a:noFill/>
-                    </a:lnB>
-                  </a:tcPr>
-                </a:tc>
-                <a:tc>
-                  <a:txBody>
-                    <a:bodyPr/>
-                    <a:lstStyle/>
-                    <a:p>
-                      <a:r>
-                        <a:rPr lang="en-US" sz="900">
-                          <a:effectLst/>
-                        </a:rPr>
-                        <a:t>41</a:t>
-                      </a:r>
-                    </a:p>
-                  </a:txBody>
-                  <a:tcPr marL="37280" marR="37280" marT="18640" marB="18640" anchor="ctr">
-                    <a:lnL>
-                      <a:noFill/>
-                    </a:lnL>
-                    <a:lnR>
-                      <a:noFill/>
-                    </a:lnR>
-                    <a:lnT>
-                      <a:noFill/>
-                    </a:lnT>
-                    <a:lnB>
-                      <a:noFill/>
-                    </a:lnB>
-                  </a:tcPr>
-                </a:tc>
-                <a:tc>
-                  <a:txBody>
-                    <a:bodyPr/>
-                    <a:lstStyle/>
-                    <a:p>
-                      <a:r>
-                        <a:rPr lang="en-US" sz="900">
-                          <a:effectLst/>
-                        </a:rPr>
-                        <a:t>126</a:t>
-                      </a:r>
-                    </a:p>
-                  </a:txBody>
-                  <a:tcPr marL="37280" marR="37280" marT="18640" marB="18640" anchor="ctr">
-                    <a:lnL>
-                      <a:noFill/>
-                    </a:lnL>
-                    <a:lnR>
-                      <a:noFill/>
-                    </a:lnR>
-                    <a:lnT>
-                      <a:noFill/>
-                    </a:lnT>
-                    <a:lnB>
-                      <a:noFill/>
-                    </a:lnB>
-                  </a:tcPr>
-                </a:tc>
-                <a:tc>
-                  <a:txBody>
-                    <a:bodyPr/>
-                    <a:lstStyle/>
-                    <a:p>
-                      <a:r>
-                        <a:rPr lang="en-US" sz="900">
-                          <a:effectLst/>
-                        </a:rPr>
-                        <a:t>160</a:t>
-                      </a:r>
-                    </a:p>
-                  </a:txBody>
-                  <a:tcPr marL="37280" marR="37280" marT="18640" marB="18640" anchor="ctr">
-                    <a:lnL>
-                      <a:noFill/>
-                    </a:lnL>
-                    <a:lnR>
-                      <a:noFill/>
-                    </a:lnR>
-                    <a:lnT>
-                      <a:noFill/>
-                    </a:lnT>
-                    <a:lnB>
-                      <a:noFill/>
-                    </a:lnB>
-                  </a:tcPr>
-                </a:tc>
-                <a:tc>
-                  <a:txBody>
-                    <a:bodyPr/>
-                    <a:lstStyle/>
-                    <a:p>
-                      <a:r>
-                        <a:rPr lang="en-US" sz="900">
-                          <a:effectLst/>
-                        </a:rPr>
-                        <a:t>187</a:t>
-                      </a:r>
-                    </a:p>
-                  </a:txBody>
-                  <a:tcPr marL="37280" marR="37280" marT="18640" marB="18640" anchor="ctr">
-                    <a:lnL>
-                      <a:noFill/>
-                    </a:lnL>
-                    <a:lnR>
-                      <a:noFill/>
-                    </a:lnR>
-                    <a:lnT>
-                      <a:noFill/>
-                    </a:lnT>
-                    <a:lnB>
-                      <a:noFill/>
-                    </a:lnB>
-                  </a:tcPr>
-                </a:tc>
-                <a:extLst>
-                  <a:ext uri="{0D108BD9-81ED-4DB2-BD59-A6C34878D82A}">
-                    <a16:rowId xmlns:a16="http://schemas.microsoft.com/office/drawing/2014/main" val="1267063407"/>
-                  </a:ext>
-                </a:extLst>
-              </a:tr>
-              <a:tr h="354022">
-                <a:tc>
-                  <a:txBody>
-                    <a:bodyPr/>
-                    <a:lstStyle/>
-                    <a:p>
-                      <a:pPr algn="r" fontAlgn="ctr"/>
-                      <a:r>
-                        <a:rPr lang="en-US" sz="900" b="0">
-                          <a:effectLst/>
-                        </a:rPr>
-                        <a:t>romance</a:t>
-                      </a:r>
-                    </a:p>
-                  </a:txBody>
-                  <a:tcPr marL="37280" marR="37280" marT="18640" marB="18640" anchor="ctr">
-                    <a:lnL>
-                      <a:noFill/>
-                    </a:lnL>
-                    <a:lnR>
-                      <a:noFill/>
-                    </a:lnR>
-                    <a:lnT>
-                      <a:noFill/>
-                    </a:lnT>
-                    <a:lnB>
-                      <a:noFill/>
-                    </a:lnB>
-                  </a:tcPr>
-                </a:tc>
-                <a:tc>
-                  <a:txBody>
-                    <a:bodyPr/>
-                    <a:lstStyle/>
-                    <a:p>
-                      <a:r>
-                        <a:rPr lang="en-US" sz="900">
-                          <a:effectLst/>
-                        </a:rPr>
-                        <a:t>51</a:t>
-                      </a:r>
-                    </a:p>
-                  </a:txBody>
-                  <a:tcPr marL="37280" marR="37280" marT="18640" marB="18640" anchor="ctr">
-                    <a:lnL>
-                      <a:noFill/>
-                    </a:lnL>
-                    <a:lnR>
-                      <a:noFill/>
-                    </a:lnR>
-                    <a:lnT>
-                      <a:noFill/>
-                    </a:lnT>
-                    <a:lnB>
-                      <a:noFill/>
-                    </a:lnB>
-                  </a:tcPr>
-                </a:tc>
-                <a:tc>
-                  <a:txBody>
-                    <a:bodyPr/>
-                    <a:lstStyle/>
-                    <a:p>
-                      <a:r>
-                        <a:rPr lang="en-US" sz="900">
-                          <a:effectLst/>
-                        </a:rPr>
-                        <a:t>90</a:t>
-                      </a:r>
-                    </a:p>
-                  </a:txBody>
-                  <a:tcPr marL="37280" marR="37280" marT="18640" marB="18640" anchor="ctr">
-                    <a:lnL>
-                      <a:noFill/>
-                    </a:lnL>
-                    <a:lnR>
-                      <a:noFill/>
-                    </a:lnR>
-                    <a:lnT>
-                      <a:noFill/>
-                    </a:lnT>
-                    <a:lnB>
-                      <a:noFill/>
-                    </a:lnB>
-                  </a:tcPr>
-                </a:tc>
-                <a:tc>
-                  <a:txBody>
-                    <a:bodyPr/>
-                    <a:lstStyle/>
-                    <a:p>
-                      <a:r>
-                        <a:rPr lang="en-US" sz="900">
-                          <a:effectLst/>
-                        </a:rPr>
-                        <a:t>162</a:t>
-                      </a:r>
-                    </a:p>
-                  </a:txBody>
-                  <a:tcPr marL="37280" marR="37280" marT="18640" marB="18640" anchor="ctr">
-                    <a:lnL>
-                      <a:noFill/>
-                    </a:lnL>
-                    <a:lnR>
-                      <a:noFill/>
-                    </a:lnR>
-                    <a:lnT>
-                      <a:noFill/>
-                    </a:lnT>
-                    <a:lnB>
-                      <a:noFill/>
-                    </a:lnB>
-                  </a:tcPr>
-                </a:tc>
-                <a:tc>
-                  <a:txBody>
-                    <a:bodyPr/>
-                    <a:lstStyle/>
-                    <a:p>
-                      <a:r>
-                        <a:rPr lang="en-US" sz="900" dirty="0">
-                          <a:effectLst/>
-                        </a:rPr>
-                        <a:t>119</a:t>
-                      </a:r>
-                    </a:p>
-                  </a:txBody>
-                  <a:tcPr marL="37280" marR="37280" marT="18640" marB="18640" anchor="ctr">
-                    <a:lnL>
-                      <a:noFill/>
-                    </a:lnL>
-                    <a:lnR>
-                      <a:noFill/>
-                    </a:lnR>
-                    <a:lnT>
-                      <a:noFill/>
-                    </a:lnT>
-                    <a:lnB>
-                      <a:noFill/>
-                    </a:lnB>
-                  </a:tcPr>
-                </a:tc>
-                <a:extLst>
-                  <a:ext uri="{0D108BD9-81ED-4DB2-BD59-A6C34878D82A}">
-                    <a16:rowId xmlns:a16="http://schemas.microsoft.com/office/drawing/2014/main" val="1012840543"/>
-                  </a:ext>
-                </a:extLst>
-              </a:tr>
-            </a:tbl>
-          </a:graphicData>
-        </a:graphic>
-      </p:graphicFrame>
+          </p:nvPr>
+        </p:nvSpPr>
+        <p:spPr>
+          <a:xfrm>
+            <a:off x="621871" y="2063396"/>
+            <a:ext cx="5086538" cy="3311189"/>
+          </a:xfrm>
+        </p:spPr>
+        <p:txBody>
+          <a:bodyPr/>
+          <a:lstStyle/>
+          <a:p>
+            <a:endParaRPr lang="en-US" dirty="0"/>
+          </a:p>
+        </p:txBody>
+      </p:sp>
     </p:spTree>
     <p:extLst>
       <p:ext uri="{BB962C8B-B14F-4D97-AF65-F5344CB8AC3E}">
-        <p14:creationId xmlns:p14="http://schemas.microsoft.com/office/powerpoint/2010/main" val="4159317097"/>
+        <p14:creationId xmlns:p14="http://schemas.microsoft.com/office/powerpoint/2010/main" val="3117418314"/>
       </p:ext>
     </p:extLst>
   </p:cSld>
@@ -7822,6 +6747,113 @@
       </p:grpSpPr>
       <p:sp>
         <p:nvSpPr>
+          <p:cNvPr id="6" name="Title 5">
+            <a:extLst>
+              <a:ext uri="{FF2B5EF4-FFF2-40B4-BE49-F238E27FC236}">
+                <a16:creationId xmlns:a16="http://schemas.microsoft.com/office/drawing/2014/main" id="{35AF9E41-3449-040E-6ADC-127AC8848C3F}"/>
+              </a:ext>
+            </a:extLst>
+          </p:cNvPr>
+          <p:cNvSpPr>
+            <a:spLocks noGrp="1"/>
+          </p:cNvSpPr>
+          <p:nvPr>
+            <p:ph type="title"/>
+          </p:nvPr>
+        </p:nvSpPr>
+        <p:spPr/>
+        <p:txBody>
+          <a:bodyPr/>
+          <a:lstStyle/>
+          <a:p>
+            <a:r>
+              <a:rPr lang="en-US" dirty="0">
+                <a:latin typeface="Arial" panose="020B0604020202020204" pitchFamily="34" charset="0"/>
+                <a:cs typeface="Arial" panose="020B0604020202020204" pitchFamily="34" charset="0"/>
+              </a:rPr>
+              <a:t>C</a:t>
+            </a:r>
+            <a:r>
+              <a:rPr lang="en-US" cap="none" dirty="0">
+                <a:latin typeface="Arial" panose="020B0604020202020204" pitchFamily="34" charset="0"/>
+                <a:cs typeface="Arial" panose="020B0604020202020204" pitchFamily="34" charset="0"/>
+              </a:rPr>
+              <a:t>onclusion</a:t>
+            </a:r>
+            <a:endParaRPr lang="en-US" dirty="0">
+              <a:latin typeface="Arial" panose="020B0604020202020204" pitchFamily="34" charset="0"/>
+              <a:cs typeface="Arial" panose="020B0604020202020204" pitchFamily="34" charset="0"/>
+            </a:endParaRPr>
+          </a:p>
+        </p:txBody>
+      </p:sp>
+      <p:pic>
+        <p:nvPicPr>
+          <p:cNvPr id="10" name="Content Placeholder 9">
+            <a:extLst>
+              <a:ext uri="{FF2B5EF4-FFF2-40B4-BE49-F238E27FC236}">
+                <a16:creationId xmlns:a16="http://schemas.microsoft.com/office/drawing/2014/main" id="{EB5DC9B6-4A52-5291-28ED-352BB5CE0D4C}"/>
+              </a:ext>
+            </a:extLst>
+          </p:cNvPr>
+          <p:cNvPicPr>
+            <a:picLocks noGrp="1" noChangeAspect="1"/>
+          </p:cNvPicPr>
+          <p:nvPr>
+            <p:ph sz="quarter" idx="13"/>
+          </p:nvPr>
+        </p:nvPicPr>
+        <p:blipFill>
+          <a:blip r:embed="rId2">
+            <a:extLst>
+              <a:ext uri="{28A0092B-C50C-407E-A947-70E740481C1C}">
+                <a14:useLocalDpi xmlns:a14="http://schemas.microsoft.com/office/drawing/2010/main" val="0"/>
+              </a:ext>
+            </a:extLst>
+          </a:blip>
+          <a:stretch>
+            <a:fillRect/>
+          </a:stretch>
+        </p:blipFill>
+        <p:spPr>
+          <a:xfrm>
+            <a:off x="685801" y="1770460"/>
+            <a:ext cx="10396881" cy="3604815"/>
+          </a:xfrm>
+        </p:spPr>
+      </p:pic>
+    </p:spTree>
+    <p:extLst>
+      <p:ext uri="{BB962C8B-B14F-4D97-AF65-F5344CB8AC3E}">
+        <p14:creationId xmlns:p14="http://schemas.microsoft.com/office/powerpoint/2010/main" val="3666403398"/>
+      </p:ext>
+    </p:extLst>
+  </p:cSld>
+  <p:clrMapOvr>
+    <a:masterClrMapping/>
+  </p:clrMapOvr>
+</p:sld>
+</file>
+
+<file path=ppt/slides/slide12.xml><?xml version="1.0" encoding="utf-8"?>
+<p:sld xmlns:a="http://schemas.openxmlformats.org/drawingml/2006/main" xmlns:r="http://schemas.openxmlformats.org/officeDocument/2006/relationships" xmlns:p="http://schemas.openxmlformats.org/presentationml/2006/main">
+  <p:cSld>
+    <p:spTree>
+      <p:nvGrpSpPr>
+        <p:cNvPr id="1" name=""/>
+        <p:cNvGrpSpPr/>
+        <p:nvPr/>
+      </p:nvGrpSpPr>
+      <p:grpSpPr>
+        <a:xfrm>
+          <a:off x="0" y="0"/>
+          <a:ext cx="0" cy="0"/>
+          <a:chOff x="0" y="0"/>
+          <a:chExt cx="0" cy="0"/>
+        </a:xfrm>
+      </p:grpSpPr>
+      <p:sp>
+        <p:nvSpPr>
           <p:cNvPr id="2" name="Title 1">
             <a:extLst>
               <a:ext uri="{FF2B5EF4-FFF2-40B4-BE49-F238E27FC236}">
@@ -7846,7 +6878,7 @@
                 <a:latin typeface="Arial" panose="020B0604020202020204" pitchFamily="34" charset="0"/>
                 <a:cs typeface="Arial" panose="020B0604020202020204" pitchFamily="34" charset="0"/>
               </a:rPr>
-              <a:t>Conclusions</a:t>
+              <a:t>Drivers</a:t>
             </a:r>
           </a:p>
         </p:txBody>
@@ -7879,31 +6911,41 @@
           </a:p>
         </p:txBody>
       </p:sp>
-      <p:sp>
-        <p:nvSpPr>
-          <p:cNvPr id="8" name="Content Placeholder 7">
+      <p:pic>
+        <p:nvPicPr>
+          <p:cNvPr id="5" name="Content Placeholder 4">
             <a:extLst>
               <a:ext uri="{FF2B5EF4-FFF2-40B4-BE49-F238E27FC236}">
-                <a16:creationId xmlns:a16="http://schemas.microsoft.com/office/drawing/2014/main" id="{B5BA0ED6-958E-7D4C-4C90-A73D89354476}"/>
+                <a16:creationId xmlns:a16="http://schemas.microsoft.com/office/drawing/2014/main" id="{81F7EBE6-A40E-BBB7-1D37-73B6C04B1E03}"/>
               </a:ext>
             </a:extLst>
           </p:cNvPr>
-          <p:cNvSpPr>
-            <a:spLocks noGrp="1"/>
-          </p:cNvSpPr>
+          <p:cNvPicPr>
+            <a:picLocks noGrp="1" noChangeAspect="1"/>
+          </p:cNvPicPr>
           <p:nvPr>
             <p:ph sz="quarter" idx="14"/>
           </p:nvPr>
-        </p:nvSpPr>
-        <p:spPr/>
-        <p:txBody>
-          <a:bodyPr/>
-          <a:lstStyle/>
-          <a:p>
-            <a:endParaRPr lang="en-US"/>
-          </a:p>
-        </p:txBody>
-      </p:sp>
+        </p:nvPicPr>
+        <p:blipFill>
+          <a:blip r:embed="rId2">
+            <a:extLst>
+              <a:ext uri="{28A0092B-C50C-407E-A947-70E740481C1C}">
+                <a14:useLocalDpi xmlns:a14="http://schemas.microsoft.com/office/drawing/2010/main" val="0"/>
+              </a:ext>
+            </a:extLst>
+          </a:blip>
+          <a:stretch>
+            <a:fillRect/>
+          </a:stretch>
+        </p:blipFill>
+        <p:spPr>
+          <a:xfrm>
+            <a:off x="5994399" y="2249905"/>
+            <a:ext cx="5622089" cy="2929689"/>
+          </a:xfrm>
+        </p:spPr>
+      </p:pic>
     </p:spTree>
     <p:extLst>
       <p:ext uri="{BB962C8B-B14F-4D97-AF65-F5344CB8AC3E}">
@@ -7917,7 +6959,7 @@
 </p:sld>
 </file>
 
-<file path=ppt/slides/slide12.xml><?xml version="1.0" encoding="utf-8"?>
+<file path=ppt/slides/slide13.xml><?xml version="1.0" encoding="utf-8"?>
 <p:sld xmlns:a="http://schemas.openxmlformats.org/drawingml/2006/main" xmlns:r="http://schemas.openxmlformats.org/officeDocument/2006/relationships" xmlns:p="http://schemas.openxmlformats.org/presentationml/2006/main">
   <p:cSld>
     <p:spTree>
@@ -8471,528 +7513,6 @@
 <file path=ppt/slides/slide3.xml><?xml version="1.0" encoding="utf-8"?>
 <p:sld xmlns:a="http://schemas.openxmlformats.org/drawingml/2006/main" xmlns:r="http://schemas.openxmlformats.org/officeDocument/2006/relationships" xmlns:p="http://schemas.openxmlformats.org/presentationml/2006/main">
   <p:cSld>
-    <p:spTree>
-      <p:nvGrpSpPr>
-        <p:cNvPr id="1" name=""/>
-        <p:cNvGrpSpPr/>
-        <p:nvPr/>
-      </p:nvGrpSpPr>
-      <p:grpSpPr>
-        <a:xfrm>
-          <a:off x="0" y="0"/>
-          <a:ext cx="0" cy="0"/>
-          <a:chOff x="0" y="0"/>
-          <a:chExt cx="0" cy="0"/>
-        </a:xfrm>
-      </p:grpSpPr>
-      <p:sp>
-        <p:nvSpPr>
-          <p:cNvPr id="2" name="Title 1">
-            <a:extLst>
-              <a:ext uri="{FF2B5EF4-FFF2-40B4-BE49-F238E27FC236}">
-                <a16:creationId xmlns:a16="http://schemas.microsoft.com/office/drawing/2014/main" id="{DBC921C5-5531-A9B1-78FA-437151214A0C}"/>
-              </a:ext>
-            </a:extLst>
-          </p:cNvPr>
-          <p:cNvSpPr>
-            <a:spLocks noGrp="1"/>
-          </p:cNvSpPr>
-          <p:nvPr>
-            <p:ph type="title"/>
-          </p:nvPr>
-        </p:nvSpPr>
-        <p:spPr/>
-        <p:txBody>
-          <a:bodyPr/>
-          <a:lstStyle/>
-          <a:p>
-            <a:r>
-              <a:rPr lang="en-US" cap="none" dirty="0">
-                <a:latin typeface="Arial" panose="020B0604020202020204" pitchFamily="34" charset="0"/>
-                <a:cs typeface="Arial" panose="020B0604020202020204" pitchFamily="34" charset="0"/>
-              </a:rPr>
-              <a:t>What questions did we ask?</a:t>
-            </a:r>
-          </a:p>
-        </p:txBody>
-      </p:sp>
-      <p:sp>
-        <p:nvSpPr>
-          <p:cNvPr id="3" name="Content Placeholder 2">
-            <a:extLst>
-              <a:ext uri="{FF2B5EF4-FFF2-40B4-BE49-F238E27FC236}">
-                <a16:creationId xmlns:a16="http://schemas.microsoft.com/office/drawing/2014/main" id="{CB7D2898-DE68-2AB9-862A-31CC499799AE}"/>
-              </a:ext>
-            </a:extLst>
-          </p:cNvPr>
-          <p:cNvSpPr>
-            <a:spLocks noGrp="1"/>
-          </p:cNvSpPr>
-          <p:nvPr>
-            <p:ph sz="quarter" idx="13"/>
-          </p:nvPr>
-        </p:nvSpPr>
-        <p:spPr/>
-        <p:txBody>
-          <a:bodyPr>
-            <a:normAutofit/>
-          </a:bodyPr>
-          <a:lstStyle/>
-          <a:p>
-            <a:pPr marL="457200" indent="-457200">
-              <a:buFont typeface="+mj-lt"/>
-              <a:buAutoNum type="arabicParenR"/>
-            </a:pPr>
-            <a:r>
-              <a:rPr lang="en-US" cap="none" dirty="0">
-                <a:latin typeface="Arial" panose="020B0604020202020204" pitchFamily="34" charset="0"/>
-                <a:cs typeface="Arial" panose="020B0604020202020204" pitchFamily="34" charset="0"/>
-              </a:rPr>
-              <a:t>What are the most popular genres?</a:t>
-            </a:r>
-          </a:p>
-          <a:p>
-            <a:pPr marL="457200" indent="-457200">
-              <a:buFont typeface="+mj-lt"/>
-              <a:buAutoNum type="arabicParenR"/>
-            </a:pPr>
-            <a:r>
-              <a:rPr lang="en-US" cap="none" dirty="0">
-                <a:latin typeface="Arial" panose="020B0604020202020204" pitchFamily="34" charset="0"/>
-                <a:cs typeface="Arial" panose="020B0604020202020204" pitchFamily="34" charset="0"/>
-              </a:rPr>
-              <a:t>What are the most popular TV Shows and Movies?</a:t>
-            </a:r>
-          </a:p>
-          <a:p>
-            <a:pPr marL="457200" indent="-457200">
-              <a:buFont typeface="+mj-lt"/>
-              <a:buAutoNum type="arabicParenR"/>
-            </a:pPr>
-            <a:r>
-              <a:rPr lang="en-US" cap="none" dirty="0">
-                <a:latin typeface="Arial" panose="020B0604020202020204" pitchFamily="34" charset="0"/>
-                <a:cs typeface="Arial" panose="020B0604020202020204" pitchFamily="34" charset="0"/>
-              </a:rPr>
-              <a:t>Is there a difference in popularity between English vs Non-English Movies and Films?</a:t>
-            </a:r>
-          </a:p>
-          <a:p>
-            <a:pPr marL="457200" indent="-457200">
-              <a:buFont typeface="+mj-lt"/>
-              <a:buAutoNum type="arabicParenR"/>
-            </a:pPr>
-            <a:endParaRPr lang="en-US" cap="none" dirty="0">
-              <a:latin typeface="Arial" panose="020B0604020202020204" pitchFamily="34" charset="0"/>
-              <a:cs typeface="Arial" panose="020B0604020202020204" pitchFamily="34" charset="0"/>
-            </a:endParaRPr>
-          </a:p>
-        </p:txBody>
-      </p:sp>
-    </p:spTree>
-    <p:extLst>
-      <p:ext uri="{BB962C8B-B14F-4D97-AF65-F5344CB8AC3E}">
-        <p14:creationId xmlns:p14="http://schemas.microsoft.com/office/powerpoint/2010/main" val="943959107"/>
-      </p:ext>
-    </p:extLst>
-  </p:cSld>
-  <p:clrMapOvr>
-    <a:masterClrMapping/>
-  </p:clrMapOvr>
-</p:sld>
-</file>
-
-<file path=ppt/slides/slide4.xml><?xml version="1.0" encoding="utf-8"?>
-<p:sld xmlns:a="http://schemas.openxmlformats.org/drawingml/2006/main" xmlns:r="http://schemas.openxmlformats.org/officeDocument/2006/relationships" xmlns:p="http://schemas.openxmlformats.org/presentationml/2006/main">
-  <p:cSld>
-    <p:spTree>
-      <p:nvGrpSpPr>
-        <p:cNvPr id="1" name=""/>
-        <p:cNvGrpSpPr/>
-        <p:nvPr/>
-      </p:nvGrpSpPr>
-      <p:grpSpPr>
-        <a:xfrm>
-          <a:off x="0" y="0"/>
-          <a:ext cx="0" cy="0"/>
-          <a:chOff x="0" y="0"/>
-          <a:chExt cx="0" cy="0"/>
-        </a:xfrm>
-      </p:grpSpPr>
-      <p:sp>
-        <p:nvSpPr>
-          <p:cNvPr id="2" name="Title 1">
-            <a:extLst>
-              <a:ext uri="{FF2B5EF4-FFF2-40B4-BE49-F238E27FC236}">
-                <a16:creationId xmlns:a16="http://schemas.microsoft.com/office/drawing/2014/main" id="{DBC921C5-5531-A9B1-78FA-437151214A0C}"/>
-              </a:ext>
-            </a:extLst>
-          </p:cNvPr>
-          <p:cNvSpPr>
-            <a:spLocks noGrp="1"/>
-          </p:cNvSpPr>
-          <p:nvPr>
-            <p:ph type="title"/>
-          </p:nvPr>
-        </p:nvSpPr>
-        <p:spPr/>
-        <p:txBody>
-          <a:bodyPr/>
-          <a:lstStyle/>
-          <a:p>
-            <a:r>
-              <a:rPr lang="en-US" cap="none" dirty="0">
-                <a:latin typeface="Arial" panose="020B0604020202020204" pitchFamily="34" charset="0"/>
-                <a:cs typeface="Arial" panose="020B0604020202020204" pitchFamily="34" charset="0"/>
-              </a:rPr>
-              <a:t>Delete</a:t>
-            </a:r>
-          </a:p>
-        </p:txBody>
-      </p:sp>
-      <p:sp>
-        <p:nvSpPr>
-          <p:cNvPr id="3" name="Content Placeholder 2">
-            <a:extLst>
-              <a:ext uri="{FF2B5EF4-FFF2-40B4-BE49-F238E27FC236}">
-                <a16:creationId xmlns:a16="http://schemas.microsoft.com/office/drawing/2014/main" id="{CB7D2898-DE68-2AB9-862A-31CC499799AE}"/>
-              </a:ext>
-            </a:extLst>
-          </p:cNvPr>
-          <p:cNvSpPr>
-            <a:spLocks noGrp="1"/>
-          </p:cNvSpPr>
-          <p:nvPr>
-            <p:ph sz="quarter" idx="13"/>
-          </p:nvPr>
-        </p:nvSpPr>
-        <p:spPr/>
-        <p:txBody>
-          <a:bodyPr>
-            <a:normAutofit/>
-          </a:bodyPr>
-          <a:lstStyle/>
-          <a:p>
-            <a:pPr marL="457200" indent="-457200">
-              <a:buFont typeface="+mj-lt"/>
-              <a:buAutoNum type="arabicParenR"/>
-            </a:pPr>
-            <a:r>
-              <a:rPr lang="en-US" cap="none" dirty="0">
-                <a:latin typeface="Arial" panose="020B0604020202020204" pitchFamily="34" charset="0"/>
-                <a:cs typeface="Arial" panose="020B0604020202020204" pitchFamily="34" charset="0"/>
-              </a:rPr>
-              <a:t>Edith line graph</a:t>
-            </a:r>
-          </a:p>
-          <a:p>
-            <a:pPr marL="457200" indent="-457200">
-              <a:buFont typeface="+mj-lt"/>
-              <a:buAutoNum type="arabicParenR"/>
-            </a:pPr>
-            <a:r>
-              <a:rPr lang="en-US" cap="none" dirty="0">
-                <a:latin typeface="Arial" panose="020B0604020202020204" pitchFamily="34" charset="0"/>
-                <a:cs typeface="Arial" panose="020B0604020202020204" pitchFamily="34" charset="0"/>
-              </a:rPr>
-              <a:t>Kevin category breakdown</a:t>
-            </a:r>
-          </a:p>
-          <a:p>
-            <a:pPr marL="457200" indent="-457200">
-              <a:buFont typeface="+mj-lt"/>
-              <a:buAutoNum type="arabicParenR"/>
-            </a:pPr>
-            <a:r>
-              <a:rPr lang="en-US" cap="none" dirty="0">
-                <a:latin typeface="Arial" panose="020B0604020202020204" pitchFamily="34" charset="0"/>
-                <a:cs typeface="Arial" panose="020B0604020202020204" pitchFamily="34" charset="0"/>
-              </a:rPr>
-              <a:t>Kevin chi squared</a:t>
-            </a:r>
-          </a:p>
-          <a:p>
-            <a:pPr marL="457200" indent="-457200">
-              <a:buFont typeface="+mj-lt"/>
-              <a:buAutoNum type="arabicParenR"/>
-            </a:pPr>
-            <a:r>
-              <a:rPr lang="en-US" cap="none" dirty="0">
-                <a:latin typeface="Arial" panose="020B0604020202020204" pitchFamily="34" charset="0"/>
-                <a:cs typeface="Arial" panose="020B0604020202020204" pitchFamily="34" charset="0"/>
-              </a:rPr>
-              <a:t>Zack top 10 most watched shows</a:t>
-            </a:r>
-          </a:p>
-          <a:p>
-            <a:pPr marL="457200" indent="-457200">
-              <a:buFont typeface="+mj-lt"/>
-              <a:buAutoNum type="arabicParenR"/>
-            </a:pPr>
-            <a:r>
-              <a:rPr lang="en-US" cap="none" dirty="0">
-                <a:latin typeface="Arial" panose="020B0604020202020204" pitchFamily="34" charset="0"/>
-                <a:cs typeface="Arial" panose="020B0604020202020204" pitchFamily="34" charset="0"/>
-              </a:rPr>
-              <a:t>Satya popularity by weeks</a:t>
-            </a:r>
-          </a:p>
-          <a:p>
-            <a:pPr marL="457200" indent="-457200">
-              <a:buFont typeface="+mj-lt"/>
-              <a:buAutoNum type="arabicParenR"/>
-            </a:pPr>
-            <a:endParaRPr lang="en-US" cap="none" dirty="0">
-              <a:latin typeface="Arial" panose="020B0604020202020204" pitchFamily="34" charset="0"/>
-              <a:cs typeface="Arial" panose="020B0604020202020204" pitchFamily="34" charset="0"/>
-            </a:endParaRPr>
-          </a:p>
-        </p:txBody>
-      </p:sp>
-    </p:spTree>
-    <p:extLst>
-      <p:ext uri="{BB962C8B-B14F-4D97-AF65-F5344CB8AC3E}">
-        <p14:creationId xmlns:p14="http://schemas.microsoft.com/office/powerpoint/2010/main" val="1770884798"/>
-      </p:ext>
-    </p:extLst>
-  </p:cSld>
-  <p:clrMapOvr>
-    <a:masterClrMapping/>
-  </p:clrMapOvr>
-</p:sld>
-</file>
-
-<file path=ppt/slides/slide5.xml><?xml version="1.0" encoding="utf-8"?>
-<p:sld xmlns:a="http://schemas.openxmlformats.org/drawingml/2006/main" xmlns:r="http://schemas.openxmlformats.org/officeDocument/2006/relationships" xmlns:p="http://schemas.openxmlformats.org/presentationml/2006/main">
-  <p:cSld>
-    <p:spTree>
-      <p:nvGrpSpPr>
-        <p:cNvPr id="1" name=""/>
-        <p:cNvGrpSpPr/>
-        <p:nvPr/>
-      </p:nvGrpSpPr>
-      <p:grpSpPr>
-        <a:xfrm>
-          <a:off x="0" y="0"/>
-          <a:ext cx="0" cy="0"/>
-          <a:chOff x="0" y="0"/>
-          <a:chExt cx="0" cy="0"/>
-        </a:xfrm>
-      </p:grpSpPr>
-      <p:sp>
-        <p:nvSpPr>
-          <p:cNvPr id="2" name="Title 1">
-            <a:extLst>
-              <a:ext uri="{FF2B5EF4-FFF2-40B4-BE49-F238E27FC236}">
-                <a16:creationId xmlns:a16="http://schemas.microsoft.com/office/drawing/2014/main" id="{DBC921C5-5531-A9B1-78FA-437151214A0C}"/>
-              </a:ext>
-            </a:extLst>
-          </p:cNvPr>
-          <p:cNvSpPr>
-            <a:spLocks noGrp="1"/>
-          </p:cNvSpPr>
-          <p:nvPr>
-            <p:ph type="title"/>
-          </p:nvPr>
-        </p:nvSpPr>
-        <p:spPr/>
-        <p:txBody>
-          <a:bodyPr/>
-          <a:lstStyle/>
-          <a:p>
-            <a:r>
-              <a:rPr lang="en-US" cap="none" dirty="0">
-                <a:latin typeface="Arial" panose="020B0604020202020204" pitchFamily="34" charset="0"/>
-                <a:cs typeface="Arial" panose="020B0604020202020204" pitchFamily="34" charset="0"/>
-              </a:rPr>
-              <a:t>Final Dataset</a:t>
-            </a:r>
-          </a:p>
-        </p:txBody>
-      </p:sp>
-      <p:sp>
-        <p:nvSpPr>
-          <p:cNvPr id="5" name="Content Placeholder 4">
-            <a:extLst>
-              <a:ext uri="{FF2B5EF4-FFF2-40B4-BE49-F238E27FC236}">
-                <a16:creationId xmlns:a16="http://schemas.microsoft.com/office/drawing/2014/main" id="{706D1C85-7378-CC37-0591-94A523378B08}"/>
-              </a:ext>
-            </a:extLst>
-          </p:cNvPr>
-          <p:cNvSpPr>
-            <a:spLocks noGrp="1"/>
-          </p:cNvSpPr>
-          <p:nvPr>
-            <p:ph sz="quarter" idx="14"/>
-          </p:nvPr>
-        </p:nvSpPr>
-        <p:spPr/>
-        <p:txBody>
-          <a:bodyPr/>
-          <a:lstStyle/>
-          <a:p>
-            <a:r>
-              <a:rPr lang="en-US" cap="none" dirty="0">
-                <a:latin typeface="Arial" panose="020B0604020202020204" pitchFamily="34" charset="0"/>
-                <a:cs typeface="Arial" panose="020B0604020202020204" pitchFamily="34" charset="0"/>
-              </a:rPr>
-              <a:t>Final Dataset</a:t>
-            </a:r>
-          </a:p>
-          <a:p>
-            <a:pPr lvl="1"/>
-            <a:r>
-              <a:rPr lang="en-US" cap="none" dirty="0">
-                <a:latin typeface="Arial" panose="020B0604020202020204" pitchFamily="34" charset="0"/>
-                <a:cs typeface="Arial" panose="020B0604020202020204" pitchFamily="34" charset="0"/>
-              </a:rPr>
-              <a:t>Full Country Name</a:t>
-            </a:r>
-          </a:p>
-          <a:p>
-            <a:pPr lvl="1"/>
-            <a:r>
-              <a:rPr lang="en-US" cap="none" dirty="0">
-                <a:latin typeface="Arial" panose="020B0604020202020204" pitchFamily="34" charset="0"/>
-                <a:cs typeface="Arial" panose="020B0604020202020204" pitchFamily="34" charset="0"/>
-              </a:rPr>
-              <a:t>Columns for drama, comedy, action, family, crime, and romance added</a:t>
-            </a:r>
-          </a:p>
-          <a:p>
-            <a:pPr lvl="1"/>
-            <a:r>
-              <a:rPr lang="en-US" cap="none" dirty="0">
-                <a:latin typeface="Arial" panose="020B0604020202020204" pitchFamily="34" charset="0"/>
-                <a:cs typeface="Arial" panose="020B0604020202020204" pitchFamily="34" charset="0"/>
-              </a:rPr>
-              <a:t>Ratings from PG to Not-Rated</a:t>
-            </a:r>
-          </a:p>
-          <a:p>
-            <a:pPr lvl="1"/>
-            <a:r>
-              <a:rPr lang="en-US" cap="none" dirty="0">
-                <a:latin typeface="Arial" panose="020B0604020202020204" pitchFamily="34" charset="0"/>
-                <a:cs typeface="Arial" panose="020B0604020202020204" pitchFamily="34" charset="0"/>
-              </a:rPr>
-              <a:t>2069 total rows</a:t>
-            </a:r>
-          </a:p>
-          <a:p>
-            <a:pPr lvl="2"/>
-            <a:r>
-              <a:rPr lang="en-US" cap="none" dirty="0">
-                <a:latin typeface="Arial" panose="020B0604020202020204" pitchFamily="34" charset="0"/>
-                <a:cs typeface="Arial" panose="020B0604020202020204" pitchFamily="34" charset="0"/>
-              </a:rPr>
-              <a:t>Shows that had multiple seasons in top 10 were grouped for some analysis</a:t>
-            </a:r>
-          </a:p>
-          <a:p>
-            <a:pPr lvl="1"/>
-            <a:endParaRPr lang="en-US" cap="none" dirty="0">
-              <a:latin typeface="Arial" panose="020B0604020202020204" pitchFamily="34" charset="0"/>
-              <a:cs typeface="Arial" panose="020B0604020202020204" pitchFamily="34" charset="0"/>
-            </a:endParaRPr>
-          </a:p>
-          <a:p>
-            <a:pPr lvl="1"/>
-            <a:endParaRPr lang="en-US" cap="none" dirty="0">
-              <a:latin typeface="Arial" panose="020B0604020202020204" pitchFamily="34" charset="0"/>
-              <a:cs typeface="Arial" panose="020B0604020202020204" pitchFamily="34" charset="0"/>
-            </a:endParaRPr>
-          </a:p>
-          <a:p>
-            <a:pPr lvl="1"/>
-            <a:endParaRPr lang="en-US" cap="none" dirty="0">
-              <a:latin typeface="Arial" panose="020B0604020202020204" pitchFamily="34" charset="0"/>
-              <a:cs typeface="Arial" panose="020B0604020202020204" pitchFamily="34" charset="0"/>
-            </a:endParaRPr>
-          </a:p>
-        </p:txBody>
-      </p:sp>
-      <p:sp>
-        <p:nvSpPr>
-          <p:cNvPr id="11" name="Content Placeholder 10">
-            <a:extLst>
-              <a:ext uri="{FF2B5EF4-FFF2-40B4-BE49-F238E27FC236}">
-                <a16:creationId xmlns:a16="http://schemas.microsoft.com/office/drawing/2014/main" id="{6FD2F2C2-E873-92EE-3867-C6B360A09B54}"/>
-              </a:ext>
-            </a:extLst>
-          </p:cNvPr>
-          <p:cNvSpPr>
-            <a:spLocks noGrp="1"/>
-          </p:cNvSpPr>
-          <p:nvPr>
-            <p:ph sz="quarter" idx="13"/>
-          </p:nvPr>
-        </p:nvSpPr>
-        <p:spPr/>
-        <p:txBody>
-          <a:bodyPr>
-            <a:normAutofit/>
-          </a:bodyPr>
-          <a:lstStyle/>
-          <a:p>
-            <a:pPr lvl="0"/>
-            <a:r>
-              <a:rPr lang="en-US" cap="none" dirty="0">
-                <a:latin typeface="Arial" panose="020B0604020202020204" pitchFamily="34" charset="0"/>
-                <a:cs typeface="Arial" panose="020B0604020202020204" pitchFamily="34" charset="0"/>
-              </a:rPr>
-              <a:t>Merged the two datasets and performed an API call on OMDB</a:t>
-            </a:r>
-          </a:p>
-          <a:p>
-            <a:pPr lvl="0"/>
-            <a:r>
-              <a:rPr lang="en-US" cap="none" dirty="0">
-                <a:latin typeface="Arial" panose="020B0604020202020204" pitchFamily="34" charset="0"/>
-                <a:cs typeface="Arial" panose="020B0604020202020204" pitchFamily="34" charset="0"/>
-              </a:rPr>
-              <a:t>Deleted rows with null values</a:t>
-            </a:r>
-          </a:p>
-          <a:p>
-            <a:pPr lvl="0"/>
-            <a:r>
-              <a:rPr lang="en-US" cap="none" dirty="0">
-                <a:latin typeface="Arial" panose="020B0604020202020204" pitchFamily="34" charset="0"/>
-                <a:cs typeface="Arial" panose="020B0604020202020204" pitchFamily="34" charset="0"/>
-              </a:rPr>
-              <a:t>Cleaned up countries, runtime, and genre categories </a:t>
-            </a:r>
-          </a:p>
-          <a:p>
-            <a:pPr lvl="1"/>
-            <a:r>
-              <a:rPr lang="en-US" cap="none" dirty="0">
-                <a:latin typeface="Arial" panose="020B0604020202020204" pitchFamily="34" charset="0"/>
-                <a:cs typeface="Arial" panose="020B0604020202020204" pitchFamily="34" charset="0"/>
-              </a:rPr>
-              <a:t>Broke genre down by type and searched for top 6 genre types</a:t>
-            </a:r>
-            <a:endParaRPr lang="en-US" dirty="0"/>
-          </a:p>
-        </p:txBody>
-      </p:sp>
-    </p:spTree>
-    <p:extLst>
-      <p:ext uri="{BB962C8B-B14F-4D97-AF65-F5344CB8AC3E}">
-        <p14:creationId xmlns:p14="http://schemas.microsoft.com/office/powerpoint/2010/main" val="3588462716"/>
-      </p:ext>
-    </p:extLst>
-  </p:cSld>
-  <p:clrMapOvr>
-    <a:masterClrMapping/>
-  </p:clrMapOvr>
-</p:sld>
-</file>
-
-<file path=ppt/slides/slide6.xml><?xml version="1.0" encoding="utf-8"?>
-<p:sld xmlns:a="http://schemas.openxmlformats.org/drawingml/2006/main" xmlns:r="http://schemas.openxmlformats.org/officeDocument/2006/relationships" xmlns:p="http://schemas.openxmlformats.org/presentationml/2006/main">
-  <p:cSld>
     <p:bg>
       <p:bgPr>
         <a:blipFill>
@@ -9353,7 +7873,7 @@
 </p:sld>
 </file>
 
-<file path=ppt/slides/slide7.xml><?xml version="1.0" encoding="utf-8"?>
+<file path=ppt/slides/slide4.xml><?xml version="1.0" encoding="utf-8"?>
 <p:sld xmlns:a="http://schemas.openxmlformats.org/drawingml/2006/main" xmlns:r="http://schemas.openxmlformats.org/officeDocument/2006/relationships" xmlns:p="http://schemas.openxmlformats.org/presentationml/2006/main">
   <p:cSld>
     <p:spTree>
@@ -9396,6 +7916,368 @@
                 <a:latin typeface="Arial" panose="020B0604020202020204" pitchFamily="34" charset="0"/>
                 <a:cs typeface="Arial" panose="020B0604020202020204" pitchFamily="34" charset="0"/>
               </a:rPr>
+              <a:t>What questions did we ask?</a:t>
+            </a:r>
+          </a:p>
+        </p:txBody>
+      </p:sp>
+      <p:sp>
+        <p:nvSpPr>
+          <p:cNvPr id="3" name="Content Placeholder 2">
+            <a:extLst>
+              <a:ext uri="{FF2B5EF4-FFF2-40B4-BE49-F238E27FC236}">
+                <a16:creationId xmlns:a16="http://schemas.microsoft.com/office/drawing/2014/main" id="{CB7D2898-DE68-2AB9-862A-31CC499799AE}"/>
+              </a:ext>
+            </a:extLst>
+          </p:cNvPr>
+          <p:cNvSpPr>
+            <a:spLocks noGrp="1"/>
+          </p:cNvSpPr>
+          <p:nvPr>
+            <p:ph sz="quarter" idx="13"/>
+          </p:nvPr>
+        </p:nvSpPr>
+        <p:spPr/>
+        <p:txBody>
+          <a:bodyPr>
+            <a:normAutofit/>
+          </a:bodyPr>
+          <a:lstStyle/>
+          <a:p>
+            <a:pPr marL="457200" indent="-457200">
+              <a:buFont typeface="+mj-lt"/>
+              <a:buAutoNum type="arabicParenR"/>
+            </a:pPr>
+            <a:r>
+              <a:rPr lang="en-US" cap="none" dirty="0">
+                <a:latin typeface="Arial" panose="020B0604020202020204" pitchFamily="34" charset="0"/>
+                <a:cs typeface="Arial" panose="020B0604020202020204" pitchFamily="34" charset="0"/>
+              </a:rPr>
+              <a:t>What are the most popular genres?</a:t>
+            </a:r>
+          </a:p>
+          <a:p>
+            <a:pPr marL="457200" indent="-457200">
+              <a:buFont typeface="+mj-lt"/>
+              <a:buAutoNum type="arabicParenR"/>
+            </a:pPr>
+            <a:r>
+              <a:rPr lang="en-US" cap="none" dirty="0">
+                <a:latin typeface="Arial" panose="020B0604020202020204" pitchFamily="34" charset="0"/>
+                <a:cs typeface="Arial" panose="020B0604020202020204" pitchFamily="34" charset="0"/>
+              </a:rPr>
+              <a:t>What are the most popular TV Shows and Movies?</a:t>
+            </a:r>
+          </a:p>
+          <a:p>
+            <a:pPr marL="457200" indent="-457200">
+              <a:buFont typeface="+mj-lt"/>
+              <a:buAutoNum type="arabicParenR"/>
+            </a:pPr>
+            <a:r>
+              <a:rPr lang="en-US" cap="none" dirty="0">
+                <a:latin typeface="Arial" panose="020B0604020202020204" pitchFamily="34" charset="0"/>
+                <a:cs typeface="Arial" panose="020B0604020202020204" pitchFamily="34" charset="0"/>
+              </a:rPr>
+              <a:t>Is there a difference in popularity between English vs Non-English Movies and Films?</a:t>
+            </a:r>
+          </a:p>
+          <a:p>
+            <a:pPr marL="457200" indent="-457200">
+              <a:buFont typeface="+mj-lt"/>
+              <a:buAutoNum type="arabicParenR"/>
+            </a:pPr>
+            <a:endParaRPr lang="en-US" cap="none" dirty="0">
+              <a:latin typeface="Arial" panose="020B0604020202020204" pitchFamily="34" charset="0"/>
+              <a:cs typeface="Arial" panose="020B0604020202020204" pitchFamily="34" charset="0"/>
+            </a:endParaRPr>
+          </a:p>
+        </p:txBody>
+      </p:sp>
+    </p:spTree>
+    <p:extLst>
+      <p:ext uri="{BB962C8B-B14F-4D97-AF65-F5344CB8AC3E}">
+        <p14:creationId xmlns:p14="http://schemas.microsoft.com/office/powerpoint/2010/main" val="943959107"/>
+      </p:ext>
+    </p:extLst>
+  </p:cSld>
+  <p:clrMapOvr>
+    <a:masterClrMapping/>
+  </p:clrMapOvr>
+</p:sld>
+</file>
+
+<file path=ppt/slides/slide5.xml><?xml version="1.0" encoding="utf-8"?>
+<p:sld xmlns:a="http://schemas.openxmlformats.org/drawingml/2006/main" xmlns:r="http://schemas.openxmlformats.org/officeDocument/2006/relationships" xmlns:p="http://schemas.openxmlformats.org/presentationml/2006/main">
+  <p:cSld>
+    <p:spTree>
+      <p:nvGrpSpPr>
+        <p:cNvPr id="1" name=""/>
+        <p:cNvGrpSpPr/>
+        <p:nvPr/>
+      </p:nvGrpSpPr>
+      <p:grpSpPr>
+        <a:xfrm>
+          <a:off x="0" y="0"/>
+          <a:ext cx="0" cy="0"/>
+          <a:chOff x="0" y="0"/>
+          <a:chExt cx="0" cy="0"/>
+        </a:xfrm>
+      </p:grpSpPr>
+      <p:sp>
+        <p:nvSpPr>
+          <p:cNvPr id="2" name="Title 1">
+            <a:extLst>
+              <a:ext uri="{FF2B5EF4-FFF2-40B4-BE49-F238E27FC236}">
+                <a16:creationId xmlns:a16="http://schemas.microsoft.com/office/drawing/2014/main" id="{DBC921C5-5531-A9B1-78FA-437151214A0C}"/>
+              </a:ext>
+            </a:extLst>
+          </p:cNvPr>
+          <p:cNvSpPr>
+            <a:spLocks noGrp="1"/>
+          </p:cNvSpPr>
+          <p:nvPr>
+            <p:ph type="title"/>
+          </p:nvPr>
+        </p:nvSpPr>
+        <p:spPr/>
+        <p:txBody>
+          <a:bodyPr/>
+          <a:lstStyle/>
+          <a:p>
+            <a:r>
+              <a:rPr lang="en-US" cap="none" dirty="0">
+                <a:latin typeface="Arial" panose="020B0604020202020204" pitchFamily="34" charset="0"/>
+                <a:cs typeface="Arial" panose="020B0604020202020204" pitchFamily="34" charset="0"/>
+              </a:rPr>
+              <a:t>Final Dataset</a:t>
+            </a:r>
+          </a:p>
+        </p:txBody>
+      </p:sp>
+      <p:sp>
+        <p:nvSpPr>
+          <p:cNvPr id="5" name="Content Placeholder 4">
+            <a:extLst>
+              <a:ext uri="{FF2B5EF4-FFF2-40B4-BE49-F238E27FC236}">
+                <a16:creationId xmlns:a16="http://schemas.microsoft.com/office/drawing/2014/main" id="{706D1C85-7378-CC37-0591-94A523378B08}"/>
+              </a:ext>
+            </a:extLst>
+          </p:cNvPr>
+          <p:cNvSpPr>
+            <a:spLocks noGrp="1"/>
+          </p:cNvSpPr>
+          <p:nvPr>
+            <p:ph sz="quarter" idx="14"/>
+          </p:nvPr>
+        </p:nvSpPr>
+        <p:spPr/>
+        <p:txBody>
+          <a:bodyPr/>
+          <a:lstStyle/>
+          <a:p>
+            <a:r>
+              <a:rPr lang="en-US" cap="none" dirty="0">
+                <a:latin typeface="Arial" panose="020B0604020202020204" pitchFamily="34" charset="0"/>
+                <a:cs typeface="Arial" panose="020B0604020202020204" pitchFamily="34" charset="0"/>
+              </a:rPr>
+              <a:t>Final Dataset</a:t>
+            </a:r>
+          </a:p>
+          <a:p>
+            <a:pPr lvl="1"/>
+            <a:r>
+              <a:rPr lang="en-US" cap="none" dirty="0">
+                <a:latin typeface="Arial" panose="020B0604020202020204" pitchFamily="34" charset="0"/>
+                <a:cs typeface="Arial" panose="020B0604020202020204" pitchFamily="34" charset="0"/>
+              </a:rPr>
+              <a:t>Full Country Name</a:t>
+            </a:r>
+          </a:p>
+          <a:p>
+            <a:pPr lvl="1"/>
+            <a:r>
+              <a:rPr lang="en-US" cap="none" dirty="0">
+                <a:latin typeface="Arial" panose="020B0604020202020204" pitchFamily="34" charset="0"/>
+                <a:cs typeface="Arial" panose="020B0604020202020204" pitchFamily="34" charset="0"/>
+              </a:rPr>
+              <a:t>Columns for drama, comedy, action, family, crime, and romance added</a:t>
+            </a:r>
+          </a:p>
+          <a:p>
+            <a:pPr lvl="1"/>
+            <a:r>
+              <a:rPr lang="en-US" cap="none" dirty="0">
+                <a:latin typeface="Arial" panose="020B0604020202020204" pitchFamily="34" charset="0"/>
+                <a:cs typeface="Arial" panose="020B0604020202020204" pitchFamily="34" charset="0"/>
+              </a:rPr>
+              <a:t>Ratings from PG to Not-Rated</a:t>
+            </a:r>
+          </a:p>
+          <a:p>
+            <a:pPr lvl="1"/>
+            <a:r>
+              <a:rPr lang="en-US" cap="none" dirty="0">
+                <a:latin typeface="Arial" panose="020B0604020202020204" pitchFamily="34" charset="0"/>
+                <a:cs typeface="Arial" panose="020B0604020202020204" pitchFamily="34" charset="0"/>
+              </a:rPr>
+              <a:t>2069 total rows</a:t>
+            </a:r>
+          </a:p>
+          <a:p>
+            <a:pPr lvl="2"/>
+            <a:r>
+              <a:rPr lang="en-US" cap="none" dirty="0">
+                <a:latin typeface="Arial" panose="020B0604020202020204" pitchFamily="34" charset="0"/>
+                <a:cs typeface="Arial" panose="020B0604020202020204" pitchFamily="34" charset="0"/>
+              </a:rPr>
+              <a:t>Shows that had multiple seasons in top 10 were grouped for some analysis</a:t>
+            </a:r>
+          </a:p>
+          <a:p>
+            <a:pPr lvl="1"/>
+            <a:endParaRPr lang="en-US" cap="none" dirty="0">
+              <a:latin typeface="Arial" panose="020B0604020202020204" pitchFamily="34" charset="0"/>
+              <a:cs typeface="Arial" panose="020B0604020202020204" pitchFamily="34" charset="0"/>
+            </a:endParaRPr>
+          </a:p>
+          <a:p>
+            <a:pPr lvl="1"/>
+            <a:endParaRPr lang="en-US" cap="none" dirty="0">
+              <a:latin typeface="Arial" panose="020B0604020202020204" pitchFamily="34" charset="0"/>
+              <a:cs typeface="Arial" panose="020B0604020202020204" pitchFamily="34" charset="0"/>
+            </a:endParaRPr>
+          </a:p>
+          <a:p>
+            <a:pPr lvl="1"/>
+            <a:endParaRPr lang="en-US" cap="none" dirty="0">
+              <a:latin typeface="Arial" panose="020B0604020202020204" pitchFamily="34" charset="0"/>
+              <a:cs typeface="Arial" panose="020B0604020202020204" pitchFamily="34" charset="0"/>
+            </a:endParaRPr>
+          </a:p>
+        </p:txBody>
+      </p:sp>
+      <p:sp>
+        <p:nvSpPr>
+          <p:cNvPr id="11" name="Content Placeholder 10">
+            <a:extLst>
+              <a:ext uri="{FF2B5EF4-FFF2-40B4-BE49-F238E27FC236}">
+                <a16:creationId xmlns:a16="http://schemas.microsoft.com/office/drawing/2014/main" id="{6FD2F2C2-E873-92EE-3867-C6B360A09B54}"/>
+              </a:ext>
+            </a:extLst>
+          </p:cNvPr>
+          <p:cNvSpPr>
+            <a:spLocks noGrp="1"/>
+          </p:cNvSpPr>
+          <p:nvPr>
+            <p:ph sz="quarter" idx="13"/>
+          </p:nvPr>
+        </p:nvSpPr>
+        <p:spPr/>
+        <p:txBody>
+          <a:bodyPr>
+            <a:normAutofit/>
+          </a:bodyPr>
+          <a:lstStyle/>
+          <a:p>
+            <a:pPr lvl="0"/>
+            <a:r>
+              <a:rPr lang="en-US" cap="none" dirty="0">
+                <a:latin typeface="Arial" panose="020B0604020202020204" pitchFamily="34" charset="0"/>
+                <a:cs typeface="Arial" panose="020B0604020202020204" pitchFamily="34" charset="0"/>
+              </a:rPr>
+              <a:t>Merged the two datasets and performed an API call on OMDB</a:t>
+            </a:r>
+          </a:p>
+          <a:p>
+            <a:pPr lvl="0"/>
+            <a:r>
+              <a:rPr lang="en-US" cap="none" dirty="0">
+                <a:latin typeface="Arial" panose="020B0604020202020204" pitchFamily="34" charset="0"/>
+                <a:cs typeface="Arial" panose="020B0604020202020204" pitchFamily="34" charset="0"/>
+              </a:rPr>
+              <a:t>Deleted rows with null values</a:t>
+            </a:r>
+          </a:p>
+          <a:p>
+            <a:pPr lvl="0"/>
+            <a:r>
+              <a:rPr lang="en-US" cap="none" dirty="0">
+                <a:latin typeface="Arial" panose="020B0604020202020204" pitchFamily="34" charset="0"/>
+                <a:cs typeface="Arial" panose="020B0604020202020204" pitchFamily="34" charset="0"/>
+              </a:rPr>
+              <a:t>Cleaned up countries, runtime, and genre categories </a:t>
+            </a:r>
+          </a:p>
+          <a:p>
+            <a:pPr lvl="1"/>
+            <a:r>
+              <a:rPr lang="en-US" cap="none" dirty="0">
+                <a:latin typeface="Arial" panose="020B0604020202020204" pitchFamily="34" charset="0"/>
+                <a:cs typeface="Arial" panose="020B0604020202020204" pitchFamily="34" charset="0"/>
+              </a:rPr>
+              <a:t>Broke genre down by type and searched for top 6 genre types</a:t>
+            </a:r>
+            <a:endParaRPr lang="en-US" dirty="0"/>
+          </a:p>
+        </p:txBody>
+      </p:sp>
+    </p:spTree>
+    <p:extLst>
+      <p:ext uri="{BB962C8B-B14F-4D97-AF65-F5344CB8AC3E}">
+        <p14:creationId xmlns:p14="http://schemas.microsoft.com/office/powerpoint/2010/main" val="3588462716"/>
+      </p:ext>
+    </p:extLst>
+  </p:cSld>
+  <p:clrMapOvr>
+    <a:masterClrMapping/>
+  </p:clrMapOvr>
+</p:sld>
+</file>
+
+<file path=ppt/slides/slide6.xml><?xml version="1.0" encoding="utf-8"?>
+<p:sld xmlns:a="http://schemas.openxmlformats.org/drawingml/2006/main" xmlns:r="http://schemas.openxmlformats.org/officeDocument/2006/relationships" xmlns:p="http://schemas.openxmlformats.org/presentationml/2006/main">
+  <p:cSld>
+    <p:spTree>
+      <p:nvGrpSpPr>
+        <p:cNvPr id="1" name=""/>
+        <p:cNvGrpSpPr/>
+        <p:nvPr/>
+      </p:nvGrpSpPr>
+      <p:grpSpPr>
+        <a:xfrm>
+          <a:off x="0" y="0"/>
+          <a:ext cx="0" cy="0"/>
+          <a:chOff x="0" y="0"/>
+          <a:chExt cx="0" cy="0"/>
+        </a:xfrm>
+      </p:grpSpPr>
+      <p:sp>
+        <p:nvSpPr>
+          <p:cNvPr id="2" name="Title 1">
+            <a:extLst>
+              <a:ext uri="{FF2B5EF4-FFF2-40B4-BE49-F238E27FC236}">
+                <a16:creationId xmlns:a16="http://schemas.microsoft.com/office/drawing/2014/main" id="{DBC921C5-5531-A9B1-78FA-437151214A0C}"/>
+              </a:ext>
+            </a:extLst>
+          </p:cNvPr>
+          <p:cNvSpPr>
+            <a:spLocks noGrp="1"/>
+          </p:cNvSpPr>
+          <p:nvPr>
+            <p:ph type="title"/>
+          </p:nvPr>
+        </p:nvSpPr>
+        <p:spPr/>
+        <p:txBody>
+          <a:bodyPr/>
+          <a:lstStyle/>
+          <a:p>
+            <a:r>
+              <a:rPr lang="en-US" cap="none" dirty="0">
+                <a:latin typeface="Arial" panose="020B0604020202020204" pitchFamily="34" charset="0"/>
+                <a:cs typeface="Arial" panose="020B0604020202020204" pitchFamily="34" charset="0"/>
+              </a:rPr>
               <a:t>Exploratory Analysis</a:t>
             </a:r>
           </a:p>
@@ -9422,6 +8304,43 @@
           <a:bodyPr/>
           <a:lstStyle/>
           <a:p>
+            <a:r>
+              <a:rPr lang="en-US" cap="none" dirty="0">
+                <a:latin typeface="Arial" panose="020B0604020202020204" pitchFamily="34" charset="0"/>
+                <a:cs typeface="Arial" panose="020B0604020202020204" pitchFamily="34" charset="0"/>
+              </a:rPr>
+              <a:t>There are 644 total unique titles that we used for analysis</a:t>
+            </a:r>
+          </a:p>
+          <a:p>
+            <a:r>
+              <a:rPr lang="en-US" cap="none" dirty="0">
+                <a:latin typeface="Arial" panose="020B0604020202020204" pitchFamily="34" charset="0"/>
+                <a:cs typeface="Arial" panose="020B0604020202020204" pitchFamily="34" charset="0"/>
+              </a:rPr>
+              <a:t>37% of titles only stay in the top 10 for 1 week</a:t>
+            </a:r>
+          </a:p>
+          <a:p>
+            <a:r>
+              <a:rPr lang="en-US" cap="none" dirty="0">
+                <a:latin typeface="Arial" panose="020B0604020202020204" pitchFamily="34" charset="0"/>
+                <a:cs typeface="Arial" panose="020B0604020202020204" pitchFamily="34" charset="0"/>
+              </a:rPr>
+              <a:t>Only 4 titles have remained in the top 10 for more than 20 weeks</a:t>
+            </a:r>
+          </a:p>
+          <a:p>
+            <a:pPr lvl="1"/>
+            <a:r>
+              <a:rPr lang="en-US" cap="none" dirty="0">
+                <a:latin typeface="Arial" panose="020B0604020202020204" pitchFamily="34" charset="0"/>
+                <a:cs typeface="Arial" panose="020B0604020202020204" pitchFamily="34" charset="0"/>
+              </a:rPr>
+              <a:t>1.6% of all titles</a:t>
+            </a:r>
+          </a:p>
+          <a:p>
             <a:endParaRPr lang="en-US" cap="none" dirty="0">
               <a:latin typeface="Arial" panose="020B0604020202020204" pitchFamily="34" charset="0"/>
               <a:cs typeface="Arial" panose="020B0604020202020204" pitchFamily="34" charset="0"/>
@@ -9429,31 +8348,41 @@
           </a:p>
         </p:txBody>
       </p:sp>
-      <p:sp>
-        <p:nvSpPr>
-          <p:cNvPr id="8" name="Content Placeholder 7">
+      <p:pic>
+        <p:nvPicPr>
+          <p:cNvPr id="10" name="Content Placeholder 9">
             <a:extLst>
               <a:ext uri="{FF2B5EF4-FFF2-40B4-BE49-F238E27FC236}">
-                <a16:creationId xmlns:a16="http://schemas.microsoft.com/office/drawing/2014/main" id="{B5BA0ED6-958E-7D4C-4C90-A73D89354476}"/>
+                <a16:creationId xmlns:a16="http://schemas.microsoft.com/office/drawing/2014/main" id="{6B44E30E-E8F0-C9A5-0B4E-9C8F497E4885}"/>
               </a:ext>
             </a:extLst>
           </p:cNvPr>
-          <p:cNvSpPr>
-            <a:spLocks noGrp="1"/>
-          </p:cNvSpPr>
+          <p:cNvPicPr>
+            <a:picLocks noGrp="1" noChangeAspect="1"/>
+          </p:cNvPicPr>
           <p:nvPr>
             <p:ph sz="quarter" idx="14"/>
           </p:nvPr>
-        </p:nvSpPr>
-        <p:spPr/>
-        <p:txBody>
-          <a:bodyPr/>
-          <a:lstStyle/>
-          <a:p>
-            <a:endParaRPr lang="en-US"/>
-          </a:p>
-        </p:txBody>
-      </p:sp>
+        </p:nvPicPr>
+        <p:blipFill>
+          <a:blip r:embed="rId2">
+            <a:extLst>
+              <a:ext uri="{28A0092B-C50C-407E-A947-70E740481C1C}">
+                <a14:useLocalDpi xmlns:a14="http://schemas.microsoft.com/office/drawing/2010/main" val="0"/>
+              </a:ext>
+            </a:extLst>
+          </a:blip>
+          <a:stretch>
+            <a:fillRect/>
+          </a:stretch>
+        </p:blipFill>
+        <p:spPr>
+          <a:xfrm>
+            <a:off x="6283191" y="1988368"/>
+            <a:ext cx="4611404" cy="3386907"/>
+          </a:xfrm>
+        </p:spPr>
+      </p:pic>
     </p:spTree>
     <p:extLst>
       <p:ext uri="{BB962C8B-B14F-4D97-AF65-F5344CB8AC3E}">
@@ -9467,7 +8396,7 @@
 </p:sld>
 </file>
 
-<file path=ppt/slides/slide8.xml><?xml version="1.0" encoding="utf-8"?>
+<file path=ppt/slides/slide7.xml><?xml version="1.0" encoding="utf-8"?>
 <p:sld xmlns:a="http://schemas.openxmlformats.org/drawingml/2006/main" xmlns:r="http://schemas.openxmlformats.org/officeDocument/2006/relationships" xmlns:p="http://schemas.openxmlformats.org/presentationml/2006/main">
   <p:cSld>
     <p:spTree>
@@ -9585,7 +8514,7 @@
 </p:sld>
 </file>
 
-<file path=ppt/slides/slide9.xml><?xml version="1.0" encoding="utf-8"?>
+<file path=ppt/slides/slide8.xml><?xml version="1.0" encoding="utf-8"?>
 <p:sld xmlns:a="http://schemas.openxmlformats.org/drawingml/2006/main" xmlns:r="http://schemas.openxmlformats.org/officeDocument/2006/relationships" xmlns:p="http://schemas.openxmlformats.org/presentationml/2006/main">
   <p:cSld>
     <p:spTree>
@@ -9694,6 +8623,120 @@
     <p:extLst>
       <p:ext uri="{BB962C8B-B14F-4D97-AF65-F5344CB8AC3E}">
         <p14:creationId xmlns:p14="http://schemas.microsoft.com/office/powerpoint/2010/main" val="3803350541"/>
+      </p:ext>
+    </p:extLst>
+  </p:cSld>
+  <p:clrMapOvr>
+    <a:masterClrMapping/>
+  </p:clrMapOvr>
+</p:sld>
+</file>
+
+<file path=ppt/slides/slide9.xml><?xml version="1.0" encoding="utf-8"?>
+<p:sld xmlns:a="http://schemas.openxmlformats.org/drawingml/2006/main" xmlns:r="http://schemas.openxmlformats.org/officeDocument/2006/relationships" xmlns:p="http://schemas.openxmlformats.org/presentationml/2006/main">
+  <p:cSld>
+    <p:spTree>
+      <p:nvGrpSpPr>
+        <p:cNvPr id="1" name=""/>
+        <p:cNvGrpSpPr/>
+        <p:nvPr/>
+      </p:nvGrpSpPr>
+      <p:grpSpPr>
+        <a:xfrm>
+          <a:off x="0" y="0"/>
+          <a:ext cx="0" cy="0"/>
+          <a:chOff x="0" y="0"/>
+          <a:chExt cx="0" cy="0"/>
+        </a:xfrm>
+      </p:grpSpPr>
+      <p:sp>
+        <p:nvSpPr>
+          <p:cNvPr id="2" name="Title 1">
+            <a:extLst>
+              <a:ext uri="{FF2B5EF4-FFF2-40B4-BE49-F238E27FC236}">
+                <a16:creationId xmlns:a16="http://schemas.microsoft.com/office/drawing/2014/main" id="{DBC921C5-5531-A9B1-78FA-437151214A0C}"/>
+              </a:ext>
+            </a:extLst>
+          </p:cNvPr>
+          <p:cNvSpPr>
+            <a:spLocks noGrp="1"/>
+          </p:cNvSpPr>
+          <p:nvPr>
+            <p:ph type="title"/>
+          </p:nvPr>
+        </p:nvSpPr>
+        <p:spPr/>
+        <p:txBody>
+          <a:bodyPr/>
+          <a:lstStyle/>
+          <a:p>
+            <a:r>
+              <a:rPr lang="en-US" cap="none" dirty="0">
+                <a:latin typeface="Arial" panose="020B0604020202020204" pitchFamily="34" charset="0"/>
+                <a:cs typeface="Arial" panose="020B0604020202020204" pitchFamily="34" charset="0"/>
+              </a:rPr>
+              <a:t>Genre Breakdown</a:t>
+            </a:r>
+          </a:p>
+        </p:txBody>
+      </p:sp>
+      <p:sp>
+        <p:nvSpPr>
+          <p:cNvPr id="4" name="Content Placeholder 3">
+            <a:extLst>
+              <a:ext uri="{FF2B5EF4-FFF2-40B4-BE49-F238E27FC236}">
+                <a16:creationId xmlns:a16="http://schemas.microsoft.com/office/drawing/2014/main" id="{56CBBD9E-23DC-B411-E9FF-78564DFA42F9}"/>
+              </a:ext>
+            </a:extLst>
+          </p:cNvPr>
+          <p:cNvSpPr>
+            <a:spLocks noGrp="1"/>
+          </p:cNvSpPr>
+          <p:nvPr>
+            <p:ph sz="quarter" idx="13"/>
+          </p:nvPr>
+        </p:nvSpPr>
+        <p:spPr/>
+        <p:txBody>
+          <a:bodyPr/>
+          <a:lstStyle/>
+          <a:p>
+            <a:endParaRPr lang="en-US" cap="none" dirty="0">
+              <a:latin typeface="Arial" panose="020B0604020202020204" pitchFamily="34" charset="0"/>
+              <a:cs typeface="Arial" panose="020B0604020202020204" pitchFamily="34" charset="0"/>
+            </a:endParaRPr>
+          </a:p>
+        </p:txBody>
+      </p:sp>
+      <p:sp>
+        <p:nvSpPr>
+          <p:cNvPr id="5" name="Content Placeholder 4">
+            <a:extLst>
+              <a:ext uri="{FF2B5EF4-FFF2-40B4-BE49-F238E27FC236}">
+                <a16:creationId xmlns:a16="http://schemas.microsoft.com/office/drawing/2014/main" id="{C9850036-33B2-8DF6-E9AC-2A08B6E58084}"/>
+              </a:ext>
+            </a:extLst>
+          </p:cNvPr>
+          <p:cNvSpPr>
+            <a:spLocks noGrp="1"/>
+          </p:cNvSpPr>
+          <p:nvPr>
+            <p:ph sz="quarter" idx="14"/>
+          </p:nvPr>
+        </p:nvSpPr>
+        <p:spPr/>
+        <p:txBody>
+          <a:bodyPr/>
+          <a:lstStyle/>
+          <a:p>
+            <a:endParaRPr lang="en-US"/>
+          </a:p>
+        </p:txBody>
+      </p:sp>
+    </p:spTree>
+    <p:extLst>
+      <p:ext uri="{BB962C8B-B14F-4D97-AF65-F5344CB8AC3E}">
+        <p14:creationId xmlns:p14="http://schemas.microsoft.com/office/powerpoint/2010/main" val="4159317097"/>
       </p:ext>
     </p:extLst>
   </p:cSld>

--- a/Netflix_Comparison.pptx
+++ b/Netflix_Comparison.pptx
@@ -6789,10 +6789,10 @@
       </p:sp>
       <p:pic>
         <p:nvPicPr>
-          <p:cNvPr id="10" name="Content Placeholder 9">
+          <p:cNvPr id="8" name="Content Placeholder 7" descr="Chart, histogram&#10;&#10;Description automatically generated">
             <a:extLst>
               <a:ext uri="{FF2B5EF4-FFF2-40B4-BE49-F238E27FC236}">
-                <a16:creationId xmlns:a16="http://schemas.microsoft.com/office/drawing/2014/main" id="{EB5DC9B6-4A52-5291-28ED-352BB5CE0D4C}"/>
+                <a16:creationId xmlns:a16="http://schemas.microsoft.com/office/drawing/2014/main" id="{6F292CDD-A8DD-CCB2-6834-DCAC5DD3831A}"/>
               </a:ext>
             </a:extLst>
           </p:cNvPr>
@@ -6817,8 +6817,8 @@
         </p:blipFill>
         <p:spPr>
           <a:xfrm>
-            <a:off x="685801" y="1770460"/>
-            <a:ext cx="10396881" cy="3604815"/>
+            <a:off x="1109317" y="1823364"/>
+            <a:ext cx="9830353" cy="3686383"/>
           </a:xfrm>
         </p:spPr>
       </p:pic>

--- a/Netflix_Comparison.pptx
+++ b/Netflix_Comparison.pptx
@@ -6,18 +6,22 @@
   </p:sldMasterIdLst>
   <p:sldIdLst>
     <p:sldId id="256" r:id="rId2"/>
-    <p:sldId id="257" r:id="rId3"/>
-    <p:sldId id="262" r:id="rId4"/>
+    <p:sldId id="262" r:id="rId3"/>
+    <p:sldId id="257" r:id="rId4"/>
     <p:sldId id="258" r:id="rId5"/>
     <p:sldId id="259" r:id="rId6"/>
     <p:sldId id="265" r:id="rId7"/>
     <p:sldId id="260" r:id="rId8"/>
     <p:sldId id="266" r:id="rId9"/>
-    <p:sldId id="268" r:id="rId10"/>
-    <p:sldId id="270" r:id="rId11"/>
-    <p:sldId id="271" r:id="rId12"/>
+    <p:sldId id="270" r:id="rId10"/>
+    <p:sldId id="271" r:id="rId11"/>
+    <p:sldId id="276" r:id="rId12"/>
     <p:sldId id="263" r:id="rId13"/>
-    <p:sldId id="264" r:id="rId14"/>
+    <p:sldId id="273" r:id="rId14"/>
+    <p:sldId id="274" r:id="rId15"/>
+    <p:sldId id="275" r:id="rId16"/>
+    <p:sldId id="272" r:id="rId17"/>
+    <p:sldId id="277" r:id="rId18"/>
   </p:sldIdLst>
   <p:sldSz cx="12192000" cy="6858000"/>
   <p:notesSz cx="6858000" cy="9144000"/>
@@ -6627,10 +6631,10 @@
       </p:grpSpPr>
       <p:sp>
         <p:nvSpPr>
-          <p:cNvPr id="15" name="Title 14">
+          <p:cNvPr id="6" name="Title 5">
             <a:extLst>
               <a:ext uri="{FF2B5EF4-FFF2-40B4-BE49-F238E27FC236}">
-                <a16:creationId xmlns:a16="http://schemas.microsoft.com/office/drawing/2014/main" id="{A1C5E8FA-3707-32D5-48A8-435989B66C3D}"/>
+                <a16:creationId xmlns:a16="http://schemas.microsoft.com/office/drawing/2014/main" id="{35AF9E41-3449-040E-6ADC-127AC8848C3F}"/>
               </a:ext>
             </a:extLst>
           </p:cNvPr>
@@ -6646,16 +6650,23 @@
           <a:bodyPr/>
           <a:lstStyle/>
           <a:p>
-            <a:endParaRPr lang="en-US"/>
+            <a:pPr algn="ctr"/>
+            <a:r>
+              <a:rPr lang="en-US" dirty="0">
+                <a:latin typeface="Arial" panose="020B0604020202020204" pitchFamily="34" charset="0"/>
+                <a:cs typeface="Arial" panose="020B0604020202020204" pitchFamily="34" charset="0"/>
+              </a:rPr>
+              <a:t>Top 10</a:t>
+            </a:r>
           </a:p>
         </p:txBody>
       </p:sp>
       <p:pic>
         <p:nvPicPr>
-          <p:cNvPr id="10" name="Content Placeholder 9">
+          <p:cNvPr id="7" name="Content Placeholder 6" descr="Chart, histogram&#10;&#10;Description automatically generated">
             <a:extLst>
               <a:ext uri="{FF2B5EF4-FFF2-40B4-BE49-F238E27FC236}">
-                <a16:creationId xmlns:a16="http://schemas.microsoft.com/office/drawing/2014/main" id="{6033D4B6-D7F6-2A6F-F41B-DB76FDEC2D64}"/>
+                <a16:creationId xmlns:a16="http://schemas.microsoft.com/office/drawing/2014/main" id="{14E040FC-FFEF-43DB-5BFD-3EF394773032}"/>
               </a:ext>
             </a:extLst>
           </p:cNvPr>
@@ -6680,45 +6691,15 @@
         </p:blipFill>
         <p:spPr>
           <a:xfrm>
-            <a:off x="5993971" y="2063396"/>
-            <a:ext cx="5087938" cy="3203060"/>
+            <a:off x="877556" y="1779287"/>
+            <a:ext cx="10013372" cy="3755015"/>
           </a:xfrm>
         </p:spPr>
       </p:pic>
-      <p:sp>
-        <p:nvSpPr>
-          <p:cNvPr id="16" name="Content Placeholder 15">
-            <a:extLst>
-              <a:ext uri="{FF2B5EF4-FFF2-40B4-BE49-F238E27FC236}">
-                <a16:creationId xmlns:a16="http://schemas.microsoft.com/office/drawing/2014/main" id="{084E2316-F6F6-4A5C-A283-C725950CB950}"/>
-              </a:ext>
-            </a:extLst>
-          </p:cNvPr>
-          <p:cNvSpPr>
-            <a:spLocks noGrp="1"/>
-          </p:cNvSpPr>
-          <p:nvPr>
-            <p:ph sz="quarter" idx="14"/>
-          </p:nvPr>
-        </p:nvSpPr>
-        <p:spPr>
-          <a:xfrm>
-            <a:off x="621871" y="2063396"/>
-            <a:ext cx="5086538" cy="3311189"/>
-          </a:xfrm>
-        </p:spPr>
-        <p:txBody>
-          <a:bodyPr/>
-          <a:lstStyle/>
-          <a:p>
-            <a:endParaRPr lang="en-US" dirty="0"/>
-          </a:p>
-        </p:txBody>
-      </p:sp>
     </p:spTree>
     <p:extLst>
       <p:ext uri="{BB962C8B-B14F-4D97-AF65-F5344CB8AC3E}">
-        <p14:creationId xmlns:p14="http://schemas.microsoft.com/office/powerpoint/2010/main" val="3117418314"/>
+        <p14:creationId xmlns:p14="http://schemas.microsoft.com/office/powerpoint/2010/main" val="3666403398"/>
       </p:ext>
     </p:extLst>
   </p:cSld>
@@ -6747,10 +6728,10 @@
       </p:grpSpPr>
       <p:sp>
         <p:nvSpPr>
-          <p:cNvPr id="6" name="Title 5">
+          <p:cNvPr id="2" name="Title 1">
             <a:extLst>
               <a:ext uri="{FF2B5EF4-FFF2-40B4-BE49-F238E27FC236}">
-                <a16:creationId xmlns:a16="http://schemas.microsoft.com/office/drawing/2014/main" id="{35AF9E41-3449-040E-6ADC-127AC8848C3F}"/>
+                <a16:creationId xmlns:a16="http://schemas.microsoft.com/office/drawing/2014/main" id="{DBC921C5-5531-A9B1-78FA-437151214A0C}"/>
               </a:ext>
             </a:extLst>
           </p:cNvPr>
@@ -6766,33 +6747,74 @@
           <a:bodyPr/>
           <a:lstStyle/>
           <a:p>
-            <a:r>
-              <a:rPr lang="en-US" dirty="0">
-                <a:latin typeface="Arial" panose="020B0604020202020204" pitchFamily="34" charset="0"/>
-                <a:cs typeface="Arial" panose="020B0604020202020204" pitchFamily="34" charset="0"/>
-              </a:rPr>
-              <a:t>C</a:t>
-            </a:r>
             <a:r>
               <a:rPr lang="en-US" cap="none" dirty="0">
                 <a:latin typeface="Arial" panose="020B0604020202020204" pitchFamily="34" charset="0"/>
                 <a:cs typeface="Arial" panose="020B0604020202020204" pitchFamily="34" charset="0"/>
               </a:rPr>
-              <a:t>onclusion</a:t>
-            </a:r>
-            <a:endParaRPr lang="en-US" dirty="0">
-              <a:latin typeface="Arial" panose="020B0604020202020204" pitchFamily="34" charset="0"/>
-              <a:cs typeface="Arial" panose="020B0604020202020204" pitchFamily="34" charset="0"/>
-            </a:endParaRPr>
+              <a:t>Dataset Overview</a:t>
+            </a:r>
+          </a:p>
+        </p:txBody>
+      </p:sp>
+      <p:sp>
+        <p:nvSpPr>
+          <p:cNvPr id="5" name="Content Placeholder 4">
+            <a:extLst>
+              <a:ext uri="{FF2B5EF4-FFF2-40B4-BE49-F238E27FC236}">
+                <a16:creationId xmlns:a16="http://schemas.microsoft.com/office/drawing/2014/main" id="{6D3420DD-409E-35B4-0CDD-17FF2A272BE2}"/>
+              </a:ext>
+            </a:extLst>
+          </p:cNvPr>
+          <p:cNvSpPr>
+            <a:spLocks noGrp="1"/>
+          </p:cNvSpPr>
+          <p:nvPr>
+            <p:ph sz="quarter" idx="13"/>
+          </p:nvPr>
+        </p:nvSpPr>
+        <p:spPr/>
+        <p:txBody>
+          <a:bodyPr>
+            <a:normAutofit/>
+          </a:bodyPr>
+          <a:lstStyle/>
+          <a:p>
+            <a:r>
+              <a:rPr lang="en-US" cap="none" dirty="0">
+                <a:latin typeface="Arial" panose="020B0604020202020204" pitchFamily="34" charset="0"/>
+                <a:cs typeface="Arial" panose="020B0604020202020204" pitchFamily="34" charset="0"/>
+              </a:rPr>
+              <a:t>The data shown is a compounding line graph</a:t>
+            </a:r>
+          </a:p>
+          <a:p>
+            <a:r>
+              <a:rPr lang="en-US" cap="none" dirty="0">
+                <a:latin typeface="Arial" panose="020B0604020202020204" pitchFamily="34" charset="0"/>
+                <a:cs typeface="Arial" panose="020B0604020202020204" pitchFamily="34" charset="0"/>
+              </a:rPr>
+              <a:t>The popularity of movie genres doesn’t seem to change throughout the year and remains consistent</a:t>
+            </a:r>
+          </a:p>
+          <a:p>
+            <a:pPr lvl="1"/>
+            <a:r>
+              <a:rPr lang="en-US" cap="none" dirty="0">
+                <a:latin typeface="Arial" panose="020B0604020202020204" pitchFamily="34" charset="0"/>
+                <a:cs typeface="Arial" panose="020B0604020202020204" pitchFamily="34" charset="0"/>
+              </a:rPr>
+              <a:t>Spikes come from popular releases over this time period</a:t>
+            </a:r>
           </a:p>
         </p:txBody>
       </p:sp>
       <p:pic>
         <p:nvPicPr>
-          <p:cNvPr id="8" name="Content Placeholder 7" descr="Chart, histogram&#10;&#10;Description automatically generated">
+          <p:cNvPr id="11" name="Content Placeholder 10" descr="Chart, histogram">
             <a:extLst>
               <a:ext uri="{FF2B5EF4-FFF2-40B4-BE49-F238E27FC236}">
-                <a16:creationId xmlns:a16="http://schemas.microsoft.com/office/drawing/2014/main" id="{6F292CDD-A8DD-CCB2-6834-DCAC5DD3831A}"/>
+                <a16:creationId xmlns:a16="http://schemas.microsoft.com/office/drawing/2014/main" id="{5E180497-A004-3E34-5178-F25446F01884}"/>
               </a:ext>
             </a:extLst>
           </p:cNvPr>
@@ -6800,7 +6822,7 @@
             <a:picLocks noGrp="1" noChangeAspect="1"/>
           </p:cNvPicPr>
           <p:nvPr>
-            <p:ph sz="quarter" idx="13"/>
+            <p:ph sz="quarter" idx="14"/>
           </p:nvPr>
         </p:nvPicPr>
         <p:blipFill>
@@ -6815,17 +6837,30 @@
             <a:fillRect/>
           </a:stretch>
         </p:blipFill>
-        <p:spPr>
+        <p:spPr bwMode="auto">
           <a:xfrm>
-            <a:off x="1109317" y="1823364"/>
-            <a:ext cx="9830353" cy="3686383"/>
+            <a:off x="6129193" y="2063750"/>
+            <a:ext cx="4816763" cy="3311525"/>
           </a:xfrm>
+          <a:prstGeom prst="rect">
+            <a:avLst/>
+          </a:prstGeom>
+          <a:noFill/>
+          <a:extLst>
+            <a:ext uri="{909E8E84-426E-40DD-AFC4-6F175D3DCCD1}">
+              <a14:hiddenFill xmlns:a14="http://schemas.microsoft.com/office/drawing/2010/main">
+                <a:solidFill>
+                  <a:srgbClr val="FFFFFF"/>
+                </a:solidFill>
+              </a14:hiddenFill>
+            </a:ext>
+          </a:extLst>
         </p:spPr>
       </p:pic>
     </p:spTree>
     <p:extLst>
       <p:ext uri="{BB962C8B-B14F-4D97-AF65-F5344CB8AC3E}">
-        <p14:creationId xmlns:p14="http://schemas.microsoft.com/office/powerpoint/2010/main" val="3666403398"/>
+        <p14:creationId xmlns:p14="http://schemas.microsoft.com/office/powerpoint/2010/main" val="520625887"/>
       </p:ext>
     </p:extLst>
   </p:cSld>
@@ -6901,22 +6936,45 @@
         </p:nvSpPr>
         <p:spPr/>
         <p:txBody>
-          <a:bodyPr/>
+          <a:bodyPr>
+            <a:normAutofit fontScale="92500"/>
+          </a:bodyPr>
           <a:lstStyle/>
           <a:p>
-            <a:endParaRPr lang="en-US" cap="none" dirty="0">
-              <a:latin typeface="Arial" panose="020B0604020202020204" pitchFamily="34" charset="0"/>
-              <a:cs typeface="Arial" panose="020B0604020202020204" pitchFamily="34" charset="0"/>
-            </a:endParaRPr>
+            <a:r>
+              <a:rPr lang="en-US" cap="none" dirty="0">
+                <a:latin typeface="Arial" panose="020B0604020202020204" pitchFamily="34" charset="0"/>
+                <a:cs typeface="Arial" panose="020B0604020202020204" pitchFamily="34" charset="0"/>
+              </a:rPr>
+              <a:t>The release dates of certain TV shows correlates with spikes in viewership that make up the top 10 TV shows</a:t>
+            </a:r>
+          </a:p>
+          <a:p>
+            <a:r>
+              <a:rPr lang="en-US" cap="none" dirty="0">
+                <a:latin typeface="Arial" panose="020B0604020202020204" pitchFamily="34" charset="0"/>
+                <a:cs typeface="Arial" panose="020B0604020202020204" pitchFamily="34" charset="0"/>
+              </a:rPr>
+              <a:t>The show “Manifest” proved to have a lasting effect on viewers due to the longevity of viewer participation</a:t>
+            </a:r>
+          </a:p>
+          <a:p>
+            <a:r>
+              <a:rPr lang="en-US" cap="none" dirty="0">
+                <a:latin typeface="Arial" panose="020B0604020202020204" pitchFamily="34" charset="0"/>
+                <a:cs typeface="Arial" panose="020B0604020202020204" pitchFamily="34" charset="0"/>
+              </a:rPr>
+              <a:t>The show “Squid Games” proved to have the greatest impact on viewer participation </a:t>
+            </a:r>
           </a:p>
         </p:txBody>
       </p:sp>
       <p:pic>
         <p:nvPicPr>
-          <p:cNvPr id="5" name="Content Placeholder 4">
+          <p:cNvPr id="8" name="Content Placeholder 7" descr="Chart, histogram&#10;&#10;Description automatically generated">
             <a:extLst>
               <a:ext uri="{FF2B5EF4-FFF2-40B4-BE49-F238E27FC236}">
-                <a16:creationId xmlns:a16="http://schemas.microsoft.com/office/drawing/2014/main" id="{81F7EBE6-A40E-BBB7-1D37-73B6C04B1E03}"/>
+                <a16:creationId xmlns:a16="http://schemas.microsoft.com/office/drawing/2014/main" id="{B905DE90-E5A1-9C41-3B5F-19B6317F8B59}"/>
               </a:ext>
             </a:extLst>
           </p:cNvPr>
@@ -6941,8 +6999,8 @@
         </p:blipFill>
         <p:spPr>
           <a:xfrm>
-            <a:off x="5994399" y="2249905"/>
-            <a:ext cx="5622089" cy="2929689"/>
+            <a:off x="5916405" y="2113722"/>
+            <a:ext cx="5646308" cy="2900338"/>
           </a:xfrm>
         </p:spPr>
       </p:pic>
@@ -7002,7 +7060,7 @@
                 <a:latin typeface="Arial" panose="020B0604020202020204" pitchFamily="34" charset="0"/>
                 <a:cs typeface="Arial" panose="020B0604020202020204" pitchFamily="34" charset="0"/>
               </a:rPr>
-              <a:t>Next Steps</a:t>
+              <a:t>Genre Combinations</a:t>
             </a:r>
           </a:p>
         </p:txBody>
@@ -7028,6 +7086,33 @@
           <a:bodyPr/>
           <a:lstStyle/>
           <a:p>
+            <a:r>
+              <a:rPr lang="en-US" cap="none" dirty="0">
+                <a:latin typeface="Arial" panose="020B0604020202020204" pitchFamily="34" charset="0"/>
+                <a:cs typeface="Arial" panose="020B0604020202020204" pitchFamily="34" charset="0"/>
+              </a:rPr>
+              <a:t>Only includes data with over 1,000 votes</a:t>
+            </a:r>
+          </a:p>
+          <a:p>
+            <a:r>
+              <a:rPr lang="en-US" cap="none" dirty="0">
+                <a:latin typeface="Arial" panose="020B0604020202020204" pitchFamily="34" charset="0"/>
+                <a:cs typeface="Arial" panose="020B0604020202020204" pitchFamily="34" charset="0"/>
+              </a:rPr>
+              <a:t>From the Top 10 vs Bottom 10 viewership by Genre, we can assume that covering more Genres with net the film a better score</a:t>
+            </a:r>
+          </a:p>
+          <a:p>
+            <a:r>
+              <a:rPr lang="en-US" cap="none" dirty="0">
+                <a:latin typeface="Arial" panose="020B0604020202020204" pitchFamily="34" charset="0"/>
+                <a:cs typeface="Arial" panose="020B0604020202020204" pitchFamily="34" charset="0"/>
+              </a:rPr>
+              <a:t>We can also assume that since all but one film covers drama, that drama is a genre that most viewers are searching for</a:t>
+            </a:r>
+          </a:p>
+          <a:p>
             <a:endParaRPr lang="en-US" cap="none" dirty="0">
               <a:latin typeface="Arial" panose="020B0604020202020204" pitchFamily="34" charset="0"/>
               <a:cs typeface="Arial" panose="020B0604020202020204" pitchFamily="34" charset="0"/>
@@ -7035,35 +7120,673 @@
           </a:p>
         </p:txBody>
       </p:sp>
-      <p:sp>
-        <p:nvSpPr>
-          <p:cNvPr id="8" name="Content Placeholder 7">
+      <p:pic>
+        <p:nvPicPr>
+          <p:cNvPr id="5" name="Content Placeholder 4" descr="Chart, bar chart&#10;&#10;Description automatically generated">
             <a:extLst>
               <a:ext uri="{FF2B5EF4-FFF2-40B4-BE49-F238E27FC236}">
-                <a16:creationId xmlns:a16="http://schemas.microsoft.com/office/drawing/2014/main" id="{B5BA0ED6-958E-7D4C-4C90-A73D89354476}"/>
+                <a16:creationId xmlns:a16="http://schemas.microsoft.com/office/drawing/2014/main" id="{B3A9654B-77BC-3C2C-D9F2-7C42CDF15984}"/>
               </a:ext>
             </a:extLst>
           </p:cNvPr>
-          <p:cNvSpPr>
-            <a:spLocks noGrp="1"/>
-          </p:cNvSpPr>
+          <p:cNvPicPr>
+            <a:picLocks noGrp="1" noChangeAspect="1"/>
+          </p:cNvPicPr>
           <p:nvPr>
             <p:ph sz="quarter" idx="14"/>
           </p:nvPr>
-        </p:nvSpPr>
-        <p:spPr/>
-        <p:txBody>
-          <a:bodyPr/>
-          <a:lstStyle/>
-          <a:p>
-            <a:endParaRPr lang="en-US"/>
-          </a:p>
-        </p:txBody>
-      </p:sp>
+        </p:nvPicPr>
+        <p:blipFill>
+          <a:blip r:embed="rId2">
+            <a:extLst>
+              <a:ext uri="{28A0092B-C50C-407E-A947-70E740481C1C}">
+                <a14:useLocalDpi xmlns:a14="http://schemas.microsoft.com/office/drawing/2010/main" val="0"/>
+              </a:ext>
+            </a:extLst>
+          </a:blip>
+          <a:stretch>
+            <a:fillRect/>
+          </a:stretch>
+        </p:blipFill>
+        <p:spPr>
+          <a:xfrm>
+            <a:off x="6353955" y="2063396"/>
+            <a:ext cx="4415366" cy="3311525"/>
+          </a:xfrm>
+        </p:spPr>
+      </p:pic>
     </p:spTree>
     <p:extLst>
       <p:ext uri="{BB962C8B-B14F-4D97-AF65-F5344CB8AC3E}">
-        <p14:creationId xmlns:p14="http://schemas.microsoft.com/office/powerpoint/2010/main" val="2526537026"/>
+        <p14:creationId xmlns:p14="http://schemas.microsoft.com/office/powerpoint/2010/main" val="1077456023"/>
+      </p:ext>
+    </p:extLst>
+  </p:cSld>
+  <p:clrMapOvr>
+    <a:masterClrMapping/>
+  </p:clrMapOvr>
+</p:sld>
+</file>
+
+<file path=ppt/slides/slide14.xml><?xml version="1.0" encoding="utf-8"?>
+<p:sld xmlns:a="http://schemas.openxmlformats.org/drawingml/2006/main" xmlns:r="http://schemas.openxmlformats.org/officeDocument/2006/relationships" xmlns:p="http://schemas.openxmlformats.org/presentationml/2006/main">
+  <p:cSld>
+    <p:spTree>
+      <p:nvGrpSpPr>
+        <p:cNvPr id="1" name=""/>
+        <p:cNvGrpSpPr/>
+        <p:nvPr/>
+      </p:nvGrpSpPr>
+      <p:grpSpPr>
+        <a:xfrm>
+          <a:off x="0" y="0"/>
+          <a:ext cx="0" cy="0"/>
+          <a:chOff x="0" y="0"/>
+          <a:chExt cx="0" cy="0"/>
+        </a:xfrm>
+      </p:grpSpPr>
+      <p:sp>
+        <p:nvSpPr>
+          <p:cNvPr id="2" name="Title 1">
+            <a:extLst>
+              <a:ext uri="{FF2B5EF4-FFF2-40B4-BE49-F238E27FC236}">
+                <a16:creationId xmlns:a16="http://schemas.microsoft.com/office/drawing/2014/main" id="{DBC921C5-5531-A9B1-78FA-437151214A0C}"/>
+              </a:ext>
+            </a:extLst>
+          </p:cNvPr>
+          <p:cNvSpPr>
+            <a:spLocks noGrp="1"/>
+          </p:cNvSpPr>
+          <p:nvPr>
+            <p:ph type="title"/>
+          </p:nvPr>
+        </p:nvSpPr>
+        <p:spPr/>
+        <p:txBody>
+          <a:bodyPr/>
+          <a:lstStyle/>
+          <a:p>
+            <a:r>
+              <a:rPr lang="en-US" cap="none" dirty="0">
+                <a:latin typeface="Arial" panose="020B0604020202020204" pitchFamily="34" charset="0"/>
+                <a:cs typeface="Arial" panose="020B0604020202020204" pitchFamily="34" charset="0"/>
+              </a:rPr>
+              <a:t>Questions Again</a:t>
+            </a:r>
+          </a:p>
+        </p:txBody>
+      </p:sp>
+      <p:sp>
+        <p:nvSpPr>
+          <p:cNvPr id="4" name="Content Placeholder 3">
+            <a:extLst>
+              <a:ext uri="{FF2B5EF4-FFF2-40B4-BE49-F238E27FC236}">
+                <a16:creationId xmlns:a16="http://schemas.microsoft.com/office/drawing/2014/main" id="{56CBBD9E-23DC-B411-E9FF-78564DFA42F9}"/>
+              </a:ext>
+            </a:extLst>
+          </p:cNvPr>
+          <p:cNvSpPr>
+            <a:spLocks noGrp="1"/>
+          </p:cNvSpPr>
+          <p:nvPr>
+            <p:ph sz="quarter" idx="13"/>
+          </p:nvPr>
+        </p:nvSpPr>
+        <p:spPr/>
+        <p:txBody>
+          <a:bodyPr/>
+          <a:lstStyle/>
+          <a:p>
+            <a:pPr marL="457200" indent="-457200">
+              <a:buFont typeface="+mj-lt"/>
+              <a:buAutoNum type="arabicParenR"/>
+            </a:pPr>
+            <a:r>
+              <a:rPr lang="en-US" cap="none" dirty="0">
+                <a:latin typeface="Arial" panose="020B0604020202020204" pitchFamily="34" charset="0"/>
+                <a:cs typeface="Arial" panose="020B0604020202020204" pitchFamily="34" charset="0"/>
+              </a:rPr>
+              <a:t>What are the most popular genres?</a:t>
+            </a:r>
+          </a:p>
+          <a:p>
+            <a:pPr marL="457200" indent="-457200">
+              <a:buFont typeface="+mj-lt"/>
+              <a:buAutoNum type="arabicParenR"/>
+            </a:pPr>
+            <a:r>
+              <a:rPr lang="en-US" cap="none" dirty="0">
+                <a:latin typeface="Arial" panose="020B0604020202020204" pitchFamily="34" charset="0"/>
+                <a:cs typeface="Arial" panose="020B0604020202020204" pitchFamily="34" charset="0"/>
+              </a:rPr>
+              <a:t>What are the most impactful TV Shows and Movies?</a:t>
+            </a:r>
+          </a:p>
+          <a:p>
+            <a:pPr marL="457200" indent="-457200">
+              <a:buFont typeface="+mj-lt"/>
+              <a:buAutoNum type="arabicParenR"/>
+            </a:pPr>
+            <a:r>
+              <a:rPr lang="en-US" cap="none" dirty="0">
+                <a:latin typeface="Arial" panose="020B0604020202020204" pitchFamily="34" charset="0"/>
+                <a:cs typeface="Arial" panose="020B0604020202020204" pitchFamily="34" charset="0"/>
+              </a:rPr>
+              <a:t>Is there a difference in popularity between English vs Non-English Movies and Films?</a:t>
+            </a:r>
+          </a:p>
+          <a:p>
+            <a:endParaRPr lang="en-US" cap="none" dirty="0">
+              <a:latin typeface="Arial" panose="020B0604020202020204" pitchFamily="34" charset="0"/>
+              <a:cs typeface="Arial" panose="020B0604020202020204" pitchFamily="34" charset="0"/>
+            </a:endParaRPr>
+          </a:p>
+        </p:txBody>
+      </p:sp>
+    </p:spTree>
+    <p:extLst>
+      <p:ext uri="{BB962C8B-B14F-4D97-AF65-F5344CB8AC3E}">
+        <p14:creationId xmlns:p14="http://schemas.microsoft.com/office/powerpoint/2010/main" val="3338404563"/>
+      </p:ext>
+    </p:extLst>
+  </p:cSld>
+  <p:clrMapOvr>
+    <a:masterClrMapping/>
+  </p:clrMapOvr>
+</p:sld>
+</file>
+
+<file path=ppt/slides/slide15.xml><?xml version="1.0" encoding="utf-8"?>
+<p:sld xmlns:a="http://schemas.openxmlformats.org/drawingml/2006/main" xmlns:r="http://schemas.openxmlformats.org/officeDocument/2006/relationships" xmlns:p="http://schemas.openxmlformats.org/presentationml/2006/main">
+  <p:cSld>
+    <p:spTree>
+      <p:nvGrpSpPr>
+        <p:cNvPr id="1" name=""/>
+        <p:cNvGrpSpPr/>
+        <p:nvPr/>
+      </p:nvGrpSpPr>
+      <p:grpSpPr>
+        <a:xfrm>
+          <a:off x="0" y="0"/>
+          <a:ext cx="0" cy="0"/>
+          <a:chOff x="0" y="0"/>
+          <a:chExt cx="0" cy="0"/>
+        </a:xfrm>
+      </p:grpSpPr>
+      <p:sp>
+        <p:nvSpPr>
+          <p:cNvPr id="2" name="Title 1">
+            <a:extLst>
+              <a:ext uri="{FF2B5EF4-FFF2-40B4-BE49-F238E27FC236}">
+                <a16:creationId xmlns:a16="http://schemas.microsoft.com/office/drawing/2014/main" id="{DBC921C5-5531-A9B1-78FA-437151214A0C}"/>
+              </a:ext>
+            </a:extLst>
+          </p:cNvPr>
+          <p:cNvSpPr>
+            <a:spLocks noGrp="1"/>
+          </p:cNvSpPr>
+          <p:nvPr>
+            <p:ph type="title"/>
+          </p:nvPr>
+        </p:nvSpPr>
+        <p:spPr/>
+        <p:txBody>
+          <a:bodyPr/>
+          <a:lstStyle/>
+          <a:p>
+            <a:r>
+              <a:rPr lang="en-US" cap="none" dirty="0">
+                <a:latin typeface="Arial" panose="020B0604020202020204" pitchFamily="34" charset="0"/>
+                <a:cs typeface="Arial" panose="020B0604020202020204" pitchFamily="34" charset="0"/>
+              </a:rPr>
+              <a:t>Questions Answered???</a:t>
+            </a:r>
+          </a:p>
+        </p:txBody>
+      </p:sp>
+      <p:sp>
+        <p:nvSpPr>
+          <p:cNvPr id="4" name="Content Placeholder 3">
+            <a:extLst>
+              <a:ext uri="{FF2B5EF4-FFF2-40B4-BE49-F238E27FC236}">
+                <a16:creationId xmlns:a16="http://schemas.microsoft.com/office/drawing/2014/main" id="{56CBBD9E-23DC-B411-E9FF-78564DFA42F9}"/>
+              </a:ext>
+            </a:extLst>
+          </p:cNvPr>
+          <p:cNvSpPr>
+            <a:spLocks noGrp="1"/>
+          </p:cNvSpPr>
+          <p:nvPr>
+            <p:ph sz="quarter" idx="13"/>
+          </p:nvPr>
+        </p:nvSpPr>
+        <p:spPr/>
+        <p:txBody>
+          <a:bodyPr/>
+          <a:lstStyle/>
+          <a:p>
+            <a:pPr marL="457200" indent="-457200">
+              <a:buFont typeface="+mj-lt"/>
+              <a:buAutoNum type="arabicParenR"/>
+            </a:pPr>
+            <a:r>
+              <a:rPr lang="en-US" cap="none" dirty="0">
+                <a:latin typeface="Arial" panose="020B0604020202020204" pitchFamily="34" charset="0"/>
+                <a:cs typeface="Arial" panose="020B0604020202020204" pitchFamily="34" charset="0"/>
+              </a:rPr>
+              <a:t>The most popular genres are drama, comedy, action, crime, romance and family with drama TV shows being the most popular.</a:t>
+            </a:r>
+          </a:p>
+          <a:p>
+            <a:pPr marL="457200" indent="-457200">
+              <a:buFont typeface="+mj-lt"/>
+              <a:buAutoNum type="arabicParenR"/>
+            </a:pPr>
+            <a:r>
+              <a:rPr lang="en-US" cap="none" dirty="0">
+                <a:latin typeface="Arial" panose="020B0604020202020204" pitchFamily="34" charset="0"/>
+                <a:cs typeface="Arial" panose="020B0604020202020204" pitchFamily="34" charset="0"/>
+              </a:rPr>
+              <a:t>The 2 TV shows that stayed in the Top 10 the longest are “</a:t>
+            </a:r>
+            <a:r>
+              <a:rPr lang="en-US" cap="none" dirty="0" err="1">
+                <a:latin typeface="Arial" panose="020B0604020202020204" pitchFamily="34" charset="0"/>
+                <a:cs typeface="Arial" panose="020B0604020202020204" pitchFamily="34" charset="0"/>
+              </a:rPr>
+              <a:t>Yo</a:t>
+            </a:r>
+            <a:r>
+              <a:rPr lang="en-US" cap="none" dirty="0">
+                <a:latin typeface="Arial" panose="020B0604020202020204" pitchFamily="34" charset="0"/>
+                <a:cs typeface="Arial" panose="020B0604020202020204" pitchFamily="34" charset="0"/>
+              </a:rPr>
+              <a:t> soy Betty, La </a:t>
+            </a:r>
+            <a:r>
+              <a:rPr lang="en-US" cap="none" dirty="0" err="1">
+                <a:latin typeface="Arial" panose="020B0604020202020204" pitchFamily="34" charset="0"/>
+                <a:cs typeface="Arial" panose="020B0604020202020204" pitchFamily="34" charset="0"/>
+              </a:rPr>
+              <a:t>Fea</a:t>
+            </a:r>
+            <a:r>
+              <a:rPr lang="en-US" cap="none" dirty="0">
+                <a:latin typeface="Arial" panose="020B0604020202020204" pitchFamily="34" charset="0"/>
+                <a:cs typeface="Arial" panose="020B0604020202020204" pitchFamily="34" charset="0"/>
+              </a:rPr>
+              <a:t>” and “Squid Games”</a:t>
+            </a:r>
+            <a:br>
+              <a:rPr lang="en-US" cap="none" dirty="0">
+                <a:latin typeface="Arial" panose="020B0604020202020204" pitchFamily="34" charset="0"/>
+                <a:cs typeface="Arial" panose="020B0604020202020204" pitchFamily="34" charset="0"/>
+              </a:rPr>
+            </a:br>
+            <a:r>
+              <a:rPr lang="en-US" cap="none" dirty="0">
+                <a:latin typeface="Arial" panose="020B0604020202020204" pitchFamily="34" charset="0"/>
+                <a:cs typeface="Arial" panose="020B0604020202020204" pitchFamily="34" charset="0"/>
+              </a:rPr>
+              <a:t>The 2 Movies that stayed in the Top 10 the longest are “Red Notice” and “Through My Window”</a:t>
+            </a:r>
+          </a:p>
+          <a:p>
+            <a:pPr marL="457200" indent="-457200">
+              <a:buFont typeface="+mj-lt"/>
+              <a:buAutoNum type="arabicParenR"/>
+            </a:pPr>
+            <a:r>
+              <a:rPr lang="en-US" cap="none" dirty="0">
+                <a:latin typeface="Arial" panose="020B0604020202020204" pitchFamily="34" charset="0"/>
+                <a:cs typeface="Arial" panose="020B0604020202020204" pitchFamily="34" charset="0"/>
+              </a:rPr>
+              <a:t>After performing Chi-Square tests, the data indicates that the relationship between Non-English and English movies and TV shows is indeed different</a:t>
+            </a:r>
+          </a:p>
+          <a:p>
+            <a:pPr marL="457200" indent="-457200">
+              <a:buFont typeface="+mj-lt"/>
+              <a:buAutoNum type="arabicParenR"/>
+            </a:pPr>
+            <a:endParaRPr lang="en-US" cap="none" dirty="0">
+              <a:latin typeface="Arial" panose="020B0604020202020204" pitchFamily="34" charset="0"/>
+              <a:cs typeface="Arial" panose="020B0604020202020204" pitchFamily="34" charset="0"/>
+            </a:endParaRPr>
+          </a:p>
+          <a:p>
+            <a:endParaRPr lang="en-US" cap="none" dirty="0">
+              <a:latin typeface="Arial" panose="020B0604020202020204" pitchFamily="34" charset="0"/>
+              <a:cs typeface="Arial" panose="020B0604020202020204" pitchFamily="34" charset="0"/>
+            </a:endParaRPr>
+          </a:p>
+        </p:txBody>
+      </p:sp>
+    </p:spTree>
+    <p:extLst>
+      <p:ext uri="{BB962C8B-B14F-4D97-AF65-F5344CB8AC3E}">
+        <p14:creationId xmlns:p14="http://schemas.microsoft.com/office/powerpoint/2010/main" val="985742026"/>
+      </p:ext>
+    </p:extLst>
+  </p:cSld>
+  <p:clrMapOvr>
+    <a:masterClrMapping/>
+  </p:clrMapOvr>
+</p:sld>
+</file>
+
+<file path=ppt/slides/slide16.xml><?xml version="1.0" encoding="utf-8"?>
+<p:sld xmlns:a="http://schemas.openxmlformats.org/drawingml/2006/main" xmlns:r="http://schemas.openxmlformats.org/officeDocument/2006/relationships" xmlns:p="http://schemas.openxmlformats.org/presentationml/2006/main">
+  <p:cSld>
+    <p:spTree>
+      <p:nvGrpSpPr>
+        <p:cNvPr id="1" name=""/>
+        <p:cNvGrpSpPr/>
+        <p:nvPr/>
+      </p:nvGrpSpPr>
+      <p:grpSpPr>
+        <a:xfrm>
+          <a:off x="0" y="0"/>
+          <a:ext cx="0" cy="0"/>
+          <a:chOff x="0" y="0"/>
+          <a:chExt cx="0" cy="0"/>
+        </a:xfrm>
+      </p:grpSpPr>
+      <p:sp>
+        <p:nvSpPr>
+          <p:cNvPr id="2" name="Title 1">
+            <a:extLst>
+              <a:ext uri="{FF2B5EF4-FFF2-40B4-BE49-F238E27FC236}">
+                <a16:creationId xmlns:a16="http://schemas.microsoft.com/office/drawing/2014/main" id="{DBC921C5-5531-A9B1-78FA-437151214A0C}"/>
+              </a:ext>
+            </a:extLst>
+          </p:cNvPr>
+          <p:cNvSpPr>
+            <a:spLocks noGrp="1"/>
+          </p:cNvSpPr>
+          <p:nvPr>
+            <p:ph type="title"/>
+          </p:nvPr>
+        </p:nvSpPr>
+        <p:spPr/>
+        <p:txBody>
+          <a:bodyPr/>
+          <a:lstStyle/>
+          <a:p>
+            <a:r>
+              <a:rPr lang="en-US" cap="none" dirty="0">
+                <a:latin typeface="Arial" panose="020B0604020202020204" pitchFamily="34" charset="0"/>
+                <a:cs typeface="Arial" panose="020B0604020202020204" pitchFamily="34" charset="0"/>
+              </a:rPr>
+              <a:t>Data for US</a:t>
+            </a:r>
+          </a:p>
+        </p:txBody>
+      </p:sp>
+      <p:pic>
+        <p:nvPicPr>
+          <p:cNvPr id="7" name="Content Placeholder 6" descr="Chart, line chart&#10;&#10;Description automatically generated">
+            <a:extLst>
+              <a:ext uri="{FF2B5EF4-FFF2-40B4-BE49-F238E27FC236}">
+                <a16:creationId xmlns:a16="http://schemas.microsoft.com/office/drawing/2014/main" id="{1F557CE3-D6B0-B3B3-CB0B-9C1E9B229B39}"/>
+              </a:ext>
+            </a:extLst>
+          </p:cNvPr>
+          <p:cNvPicPr>
+            <a:picLocks noGrp="1" noChangeAspect="1"/>
+          </p:cNvPicPr>
+          <p:nvPr>
+            <p:ph sz="quarter" idx="13"/>
+          </p:nvPr>
+        </p:nvPicPr>
+        <p:blipFill>
+          <a:blip r:embed="rId2">
+            <a:extLst>
+              <a:ext uri="{28A0092B-C50C-407E-A947-70E740481C1C}">
+                <a14:useLocalDpi xmlns:a14="http://schemas.microsoft.com/office/drawing/2010/main" val="0"/>
+              </a:ext>
+            </a:extLst>
+          </a:blip>
+          <a:stretch>
+            <a:fillRect/>
+          </a:stretch>
+        </p:blipFill>
+        <p:spPr>
+          <a:xfrm>
+            <a:off x="0" y="1616750"/>
+            <a:ext cx="5637581" cy="2259909"/>
+          </a:xfrm>
+        </p:spPr>
+      </p:pic>
+      <p:pic>
+        <p:nvPicPr>
+          <p:cNvPr id="5" name="Content Placeholder 4" descr="Chart, line chart&#10;&#10;Description automatically generated">
+            <a:extLst>
+              <a:ext uri="{FF2B5EF4-FFF2-40B4-BE49-F238E27FC236}">
+                <a16:creationId xmlns:a16="http://schemas.microsoft.com/office/drawing/2014/main" id="{882BC2DD-575B-7CD2-4B57-04EB37D78F6C}"/>
+              </a:ext>
+            </a:extLst>
+          </p:cNvPr>
+          <p:cNvPicPr>
+            <a:picLocks noGrp="1" noChangeAspect="1"/>
+          </p:cNvPicPr>
+          <p:nvPr>
+            <p:ph sz="quarter" idx="14"/>
+          </p:nvPr>
+        </p:nvPicPr>
+        <p:blipFill>
+          <a:blip r:embed="rId3">
+            <a:extLst>
+              <a:ext uri="{28A0092B-C50C-407E-A947-70E740481C1C}">
+                <a14:useLocalDpi xmlns:a14="http://schemas.microsoft.com/office/drawing/2010/main" val="0"/>
+              </a:ext>
+            </a:extLst>
+          </a:blip>
+          <a:stretch>
+            <a:fillRect/>
+          </a:stretch>
+        </p:blipFill>
+        <p:spPr>
+          <a:xfrm>
+            <a:off x="5637581" y="1616750"/>
+            <a:ext cx="6026426" cy="2259910"/>
+          </a:xfrm>
+        </p:spPr>
+      </p:pic>
+      <p:sp>
+        <p:nvSpPr>
+          <p:cNvPr id="9" name="TextBox 8">
+            <a:extLst>
+              <a:ext uri="{FF2B5EF4-FFF2-40B4-BE49-F238E27FC236}">
+                <a16:creationId xmlns:a16="http://schemas.microsoft.com/office/drawing/2014/main" id="{270B6BBC-B5BF-8647-56E8-76BAC73DD549}"/>
+              </a:ext>
+            </a:extLst>
+          </p:cNvPr>
+          <p:cNvSpPr txBox="1"/>
+          <p:nvPr/>
+        </p:nvSpPr>
+        <p:spPr>
+          <a:xfrm>
+            <a:off x="685801" y="3958389"/>
+            <a:ext cx="10720136" cy="1477328"/>
+          </a:xfrm>
+          <a:prstGeom prst="rect">
+            <a:avLst/>
+          </a:prstGeom>
+          <a:noFill/>
+        </p:spPr>
+        <p:txBody>
+          <a:bodyPr wrap="square" rtlCol="0">
+            <a:spAutoFit/>
+          </a:bodyPr>
+          <a:lstStyle/>
+          <a:p>
+            <a:pPr marL="285750" indent="-285750">
+              <a:buFont typeface="Arial" panose="020B0604020202020204" pitchFamily="34" charset="0"/>
+              <a:buChar char="•"/>
+            </a:pPr>
+            <a:r>
+              <a:rPr lang="en-US" dirty="0">
+                <a:latin typeface="Arial" panose="020B0604020202020204" pitchFamily="34" charset="0"/>
+                <a:cs typeface="Arial" panose="020B0604020202020204" pitchFamily="34" charset="0"/>
+              </a:rPr>
+              <a:t>Next Steps</a:t>
+            </a:r>
+          </a:p>
+          <a:p>
+            <a:pPr marL="742950" lvl="1" indent="-285750">
+              <a:buFont typeface="Arial" panose="020B0604020202020204" pitchFamily="34" charset="0"/>
+              <a:buChar char="•"/>
+            </a:pPr>
+            <a:r>
+              <a:rPr lang="en-US" dirty="0">
+                <a:latin typeface="Arial" panose="020B0604020202020204" pitchFamily="34" charset="0"/>
+                <a:cs typeface="Arial" panose="020B0604020202020204" pitchFamily="34" charset="0"/>
+              </a:rPr>
+              <a:t>How do ratings vary on the number of votes each film or TV show receives?</a:t>
+            </a:r>
+          </a:p>
+          <a:p>
+            <a:pPr marL="742950" lvl="1" indent="-285750">
+              <a:buFont typeface="Arial" panose="020B0604020202020204" pitchFamily="34" charset="0"/>
+              <a:buChar char="•"/>
+            </a:pPr>
+            <a:r>
+              <a:rPr lang="en-US" dirty="0">
+                <a:latin typeface="Arial" panose="020B0604020202020204" pitchFamily="34" charset="0"/>
+                <a:cs typeface="Arial" panose="020B0604020202020204" pitchFamily="34" charset="0"/>
+              </a:rPr>
+              <a:t>Are there films or TV Shows that were in the Top 10 before our dataset begin date?</a:t>
+            </a:r>
+          </a:p>
+          <a:p>
+            <a:pPr marL="742950" lvl="1" indent="-285750">
+              <a:buFont typeface="Arial" panose="020B0604020202020204" pitchFamily="34" charset="0"/>
+              <a:buChar char="•"/>
+            </a:pPr>
+            <a:r>
+              <a:rPr lang="en-US" dirty="0">
+                <a:latin typeface="Arial" panose="020B0604020202020204" pitchFamily="34" charset="0"/>
+                <a:cs typeface="Arial" panose="020B0604020202020204" pitchFamily="34" charset="0"/>
+              </a:rPr>
+              <a:t>How old were the TV shows or movies that made the Top 10 list on a consistent basis?</a:t>
+            </a:r>
+          </a:p>
+          <a:p>
+            <a:pPr marL="742950" lvl="1" indent="-285750">
+              <a:buFont typeface="Arial" panose="020B0604020202020204" pitchFamily="34" charset="0"/>
+              <a:buChar char="•"/>
+            </a:pPr>
+            <a:r>
+              <a:rPr lang="en-US" dirty="0">
+                <a:latin typeface="Arial" panose="020B0604020202020204" pitchFamily="34" charset="0"/>
+                <a:cs typeface="Arial" panose="020B0604020202020204" pitchFamily="34" charset="0"/>
+              </a:rPr>
+              <a:t>If there was another year in the dataset we could see better seasonal trends.</a:t>
+            </a:r>
+          </a:p>
+        </p:txBody>
+      </p:sp>
+    </p:spTree>
+    <p:extLst>
+      <p:ext uri="{BB962C8B-B14F-4D97-AF65-F5344CB8AC3E}">
+        <p14:creationId xmlns:p14="http://schemas.microsoft.com/office/powerpoint/2010/main" val="1461617398"/>
+      </p:ext>
+    </p:extLst>
+  </p:cSld>
+  <p:clrMapOvr>
+    <a:masterClrMapping/>
+  </p:clrMapOvr>
+</p:sld>
+</file>
+
+<file path=ppt/slides/slide17.xml><?xml version="1.0" encoding="utf-8"?>
+<p:sld xmlns:a="http://schemas.openxmlformats.org/drawingml/2006/main" xmlns:r="http://schemas.openxmlformats.org/officeDocument/2006/relationships" xmlns:p="http://schemas.openxmlformats.org/presentationml/2006/main">
+  <p:cSld>
+    <p:spTree>
+      <p:nvGrpSpPr>
+        <p:cNvPr id="1" name=""/>
+        <p:cNvGrpSpPr/>
+        <p:nvPr/>
+      </p:nvGrpSpPr>
+      <p:grpSpPr>
+        <a:xfrm>
+          <a:off x="0" y="0"/>
+          <a:ext cx="0" cy="0"/>
+          <a:chOff x="0" y="0"/>
+          <a:chExt cx="0" cy="0"/>
+        </a:xfrm>
+      </p:grpSpPr>
+      <p:sp>
+        <p:nvSpPr>
+          <p:cNvPr id="2" name="Title 1">
+            <a:extLst>
+              <a:ext uri="{FF2B5EF4-FFF2-40B4-BE49-F238E27FC236}">
+                <a16:creationId xmlns:a16="http://schemas.microsoft.com/office/drawing/2014/main" id="{DBC921C5-5531-A9B1-78FA-437151214A0C}"/>
+              </a:ext>
+            </a:extLst>
+          </p:cNvPr>
+          <p:cNvSpPr>
+            <a:spLocks noGrp="1"/>
+          </p:cNvSpPr>
+          <p:nvPr>
+            <p:ph type="title"/>
+          </p:nvPr>
+        </p:nvSpPr>
+        <p:spPr/>
+        <p:txBody>
+          <a:bodyPr/>
+          <a:lstStyle/>
+          <a:p>
+            <a:r>
+              <a:rPr lang="en-US" cap="none" dirty="0">
+                <a:latin typeface="Arial" panose="020B0604020202020204" pitchFamily="34" charset="0"/>
+                <a:cs typeface="Arial" panose="020B0604020202020204" pitchFamily="34" charset="0"/>
+              </a:rPr>
+              <a:t>Production by Country</a:t>
+            </a:r>
+          </a:p>
+        </p:txBody>
+      </p:sp>
+      <p:pic>
+        <p:nvPicPr>
+          <p:cNvPr id="5" name="Content Placeholder 4" descr="Map">
+            <a:extLst>
+              <a:ext uri="{FF2B5EF4-FFF2-40B4-BE49-F238E27FC236}">
+                <a16:creationId xmlns:a16="http://schemas.microsoft.com/office/drawing/2014/main" id="{A0BFB088-7D83-CCDF-1AC7-325E0B55A4E7}"/>
+              </a:ext>
+            </a:extLst>
+          </p:cNvPr>
+          <p:cNvPicPr>
+            <a:picLocks noGrp="1" noChangeAspect="1"/>
+          </p:cNvPicPr>
+          <p:nvPr>
+            <p:ph sz="quarter" idx="13"/>
+          </p:nvPr>
+        </p:nvPicPr>
+        <p:blipFill>
+          <a:blip r:embed="rId2">
+            <a:extLst>
+              <a:ext uri="{28A0092B-C50C-407E-A947-70E740481C1C}">
+                <a14:useLocalDpi xmlns:a14="http://schemas.microsoft.com/office/drawing/2010/main" val="0"/>
+              </a:ext>
+            </a:extLst>
+          </a:blip>
+          <a:stretch>
+            <a:fillRect/>
+          </a:stretch>
+        </p:blipFill>
+        <p:spPr>
+          <a:xfrm>
+            <a:off x="1388965" y="1677972"/>
+            <a:ext cx="9414069" cy="3908784"/>
+          </a:xfrm>
+        </p:spPr>
+      </p:pic>
+    </p:spTree>
+    <p:extLst>
+      <p:ext uri="{BB962C8B-B14F-4D97-AF65-F5344CB8AC3E}">
+        <p14:creationId xmlns:p14="http://schemas.microsoft.com/office/powerpoint/2010/main" val="3722475698"/>
       </p:ext>
     </p:extLst>
   </p:cSld>
@@ -7074,6 +7797,390 @@
 </file>
 
 <file path=ppt/slides/slide2.xml><?xml version="1.0" encoding="utf-8"?>
+<p:sld xmlns:a="http://schemas.openxmlformats.org/drawingml/2006/main" xmlns:r="http://schemas.openxmlformats.org/officeDocument/2006/relationships" xmlns:p="http://schemas.openxmlformats.org/presentationml/2006/main">
+  <p:cSld>
+    <p:bg>
+      <p:bgPr>
+        <a:blipFill>
+          <a:blip r:embed="rId2">
+            <a:duotone>
+              <a:schemeClr val="bg1">
+                <a:shade val="48000"/>
+                <a:satMod val="110000"/>
+                <a:lumMod val="40000"/>
+              </a:schemeClr>
+              <a:schemeClr val="bg1">
+                <a:tint val="90000"/>
+                <a:lumMod val="106000"/>
+              </a:schemeClr>
+            </a:duotone>
+          </a:blip>
+          <a:stretch/>
+        </a:blipFill>
+        <a:effectLst/>
+      </p:bgPr>
+    </p:bg>
+    <p:spTree>
+      <p:nvGrpSpPr>
+        <p:cNvPr id="1" name=""/>
+        <p:cNvGrpSpPr/>
+        <p:nvPr/>
+      </p:nvGrpSpPr>
+      <p:grpSpPr>
+        <a:xfrm>
+          <a:off x="0" y="0"/>
+          <a:ext cx="0" cy="0"/>
+          <a:chOff x="0" y="0"/>
+          <a:chExt cx="0" cy="0"/>
+        </a:xfrm>
+      </p:grpSpPr>
+      <p:pic>
+        <p:nvPicPr>
+          <p:cNvPr id="8" name="Picture 7">
+            <a:extLst>
+              <a:ext uri="{FF2B5EF4-FFF2-40B4-BE49-F238E27FC236}">
+                <a16:creationId xmlns:a16="http://schemas.microsoft.com/office/drawing/2014/main" id="{90A9C49B-76D8-4E9B-B430-D1ADF40F1CF8}"/>
+              </a:ext>
+              <a:ext uri="{C183D7F6-B498-43B3-948B-1728B52AA6E4}">
+                <adec:decorative xmlns:adec="http://schemas.microsoft.com/office/drawing/2017/decorative" val="1"/>
+              </a:ext>
+            </a:extLst>
+          </p:cNvPr>
+          <p:cNvPicPr>
+            <a:picLocks noGrp="1" noRot="1" noChangeAspect="1" noMove="1" noResize="1" noEditPoints="1" noAdjustHandles="1" noChangeArrowheads="1" noChangeShapeType="1" noCrop="1"/>
+          </p:cNvPicPr>
+          <p:nvPr>
+            <p:extLst>
+              <p:ext uri="{386F3935-93C4-4BCD-93E2-E3B085C9AB24}">
+                <p16:designElem xmlns:p16="http://schemas.microsoft.com/office/powerpoint/2015/main" val="1"/>
+              </p:ext>
+            </p:extLst>
+          </p:nvPr>
+        </p:nvPicPr>
+        <p:blipFill>
+          <a:blip r:embed="rId3">
+            <a:extLst>
+              <a:ext uri="{28A0092B-C50C-407E-A947-70E740481C1C}">
+                <a14:useLocalDpi xmlns:a14="http://schemas.microsoft.com/office/drawing/2010/main" val="0"/>
+              </a:ext>
+            </a:extLst>
+          </a:blip>
+          <a:stretch>
+            <a:fillRect/>
+          </a:stretch>
+        </p:blipFill>
+        <p:spPr>
+          <a:xfrm>
+            <a:off x="0" y="0"/>
+            <a:ext cx="12192000" cy="6858000"/>
+          </a:xfrm>
+          <a:prstGeom prst="rect">
+            <a:avLst/>
+          </a:prstGeom>
+        </p:spPr>
+      </p:pic>
+      <p:sp useBgFill="1">
+        <p:nvSpPr>
+          <p:cNvPr id="10" name="Rectangle 9">
+            <a:extLst>
+              <a:ext uri="{FF2B5EF4-FFF2-40B4-BE49-F238E27FC236}">
+                <a16:creationId xmlns:a16="http://schemas.microsoft.com/office/drawing/2014/main" id="{F88A5712-2FE0-4DD4-BDC6-099EA378A050}"/>
+              </a:ext>
+              <a:ext uri="{C183D7F6-B498-43B3-948B-1728B52AA6E4}">
+                <adec:decorative xmlns:adec="http://schemas.microsoft.com/office/drawing/2017/decorative" val="1"/>
+              </a:ext>
+            </a:extLst>
+          </p:cNvPr>
+          <p:cNvSpPr>
+            <a:spLocks noGrp="1" noRot="1" noChangeAspect="1" noMove="1" noResize="1" noEditPoints="1" noAdjustHandles="1" noChangeArrowheads="1" noChangeShapeType="1" noTextEdit="1"/>
+          </p:cNvSpPr>
+          <p:nvPr>
+            <p:extLst>
+              <p:ext uri="{386F3935-93C4-4BCD-93E2-E3B085C9AB24}">
+                <p16:designElem xmlns:p16="http://schemas.microsoft.com/office/powerpoint/2015/main" val="1"/>
+              </p:ext>
+            </p:extLst>
+          </p:nvPr>
+        </p:nvSpPr>
+        <p:spPr>
+          <a:xfrm>
+            <a:off x="1" y="0"/>
+            <a:ext cx="11979952" cy="6644081"/>
+          </a:xfrm>
+          <a:prstGeom prst="rect">
+            <a:avLst/>
+          </a:prstGeom>
+          <a:ln>
+            <a:noFill/>
+          </a:ln>
+          <a:effectLst>
+            <a:outerShdw blurRad="98425" dist="76200" dir="4380000" algn="tl" rotWithShape="0">
+              <a:srgbClr val="000000">
+                <a:alpha val="68000"/>
+              </a:srgbClr>
+            </a:outerShdw>
+          </a:effectLst>
+        </p:spPr>
+        <p:style>
+          <a:lnRef idx="1">
+            <a:schemeClr val="accent1"/>
+          </a:lnRef>
+          <a:fillRef idx="3">
+            <a:schemeClr val="accent1"/>
+          </a:fillRef>
+          <a:effectRef idx="2">
+            <a:schemeClr val="accent1"/>
+          </a:effectRef>
+          <a:fontRef idx="minor">
+            <a:schemeClr val="lt1"/>
+          </a:fontRef>
+        </p:style>
+      </p:sp>
+      <p:sp>
+        <p:nvSpPr>
+          <p:cNvPr id="12" name="Freeform 9">
+            <a:extLst>
+              <a:ext uri="{FF2B5EF4-FFF2-40B4-BE49-F238E27FC236}">
+                <a16:creationId xmlns:a16="http://schemas.microsoft.com/office/drawing/2014/main" id="{448E5503-E0F8-4B94-81A3-B1FA57623E0F}"/>
+              </a:ext>
+              <a:ext uri="{C183D7F6-B498-43B3-948B-1728B52AA6E4}">
+                <adec:decorative xmlns:adec="http://schemas.microsoft.com/office/drawing/2017/decorative" val="1"/>
+              </a:ext>
+            </a:extLst>
+          </p:cNvPr>
+          <p:cNvSpPr>
+            <a:spLocks noGrp="1" noRot="1" noChangeAspect="1" noMove="1" noResize="1" noEditPoints="1" noAdjustHandles="1" noChangeArrowheads="1" noChangeShapeType="1" noTextEdit="1"/>
+          </p:cNvSpPr>
+          <p:nvPr>
+            <p:extLst>
+              <p:ext uri="{386F3935-93C4-4BCD-93E2-E3B085C9AB24}">
+                <p16:designElem xmlns:p16="http://schemas.microsoft.com/office/powerpoint/2015/main" val="1"/>
+              </p:ext>
+            </p:extLst>
+          </p:nvPr>
+        </p:nvSpPr>
+        <p:spPr>
+          <a:xfrm>
+            <a:off x="-25397" y="0"/>
+            <a:ext cx="11773291" cy="6419514"/>
+          </a:xfrm>
+          <a:custGeom>
+            <a:avLst/>
+            <a:gdLst/>
+            <a:ahLst/>
+            <a:cxnLst/>
+            <a:rect l="l" t="t" r="r" b="b"/>
+            <a:pathLst>
+              <a:path w="11773291" h="6419514">
+                <a:moveTo>
+                  <a:pt x="11750059" y="0"/>
+                </a:moveTo>
+                <a:lnTo>
+                  <a:pt x="11773291" y="6419514"/>
+                </a:lnTo>
+                <a:lnTo>
+                  <a:pt x="0" y="6411047"/>
+                </a:lnTo>
+              </a:path>
+            </a:pathLst>
+          </a:custGeom>
+          <a:ln w="82550">
+            <a:solidFill>
+              <a:schemeClr val="tx1">
+                <a:lumMod val="50000"/>
+                <a:lumOff val="50000"/>
+              </a:schemeClr>
+            </a:solidFill>
+            <a:miter lim="800000"/>
+          </a:ln>
+        </p:spPr>
+        <p:style>
+          <a:lnRef idx="2">
+            <a:schemeClr val="accent1"/>
+          </a:lnRef>
+          <a:fillRef idx="0">
+            <a:schemeClr val="accent1"/>
+          </a:fillRef>
+          <a:effectRef idx="1">
+            <a:schemeClr val="accent1"/>
+          </a:effectRef>
+          <a:fontRef idx="minor">
+            <a:schemeClr val="tx1"/>
+          </a:fontRef>
+        </p:style>
+      </p:sp>
+      <p:sp>
+        <p:nvSpPr>
+          <p:cNvPr id="14" name="Rectangle 13">
+            <a:extLst>
+              <a:ext uri="{FF2B5EF4-FFF2-40B4-BE49-F238E27FC236}">
+                <a16:creationId xmlns:a16="http://schemas.microsoft.com/office/drawing/2014/main" id="{CE54F896-85E7-4403-9E37-1B004731F8C9}"/>
+              </a:ext>
+              <a:ext uri="{C183D7F6-B498-43B3-948B-1728B52AA6E4}">
+                <adec:decorative xmlns:adec="http://schemas.microsoft.com/office/drawing/2017/decorative" val="1"/>
+              </a:ext>
+            </a:extLst>
+          </p:cNvPr>
+          <p:cNvSpPr>
+            <a:spLocks noGrp="1" noRot="1" noChangeAspect="1" noMove="1" noResize="1" noEditPoints="1" noAdjustHandles="1" noChangeArrowheads="1" noChangeShapeType="1" noTextEdit="1"/>
+          </p:cNvSpPr>
+          <p:nvPr>
+            <p:extLst>
+              <p:ext uri="{386F3935-93C4-4BCD-93E2-E3B085C9AB24}">
+                <p16:designElem xmlns:p16="http://schemas.microsoft.com/office/powerpoint/2015/main" val="1"/>
+              </p:ext>
+            </p:extLst>
+          </p:nvPr>
+        </p:nvSpPr>
+        <p:spPr bwMode="white">
+          <a:xfrm>
+            <a:off x="0" y="0"/>
+            <a:ext cx="4654296" cy="6380796"/>
+          </a:xfrm>
+          <a:prstGeom prst="rect">
+            <a:avLst/>
+          </a:prstGeom>
+          <a:gradFill flip="none" rotWithShape="1">
+            <a:gsLst>
+              <a:gs pos="34000">
+                <a:schemeClr val="accent1"/>
+              </a:gs>
+              <a:gs pos="100000">
+                <a:schemeClr val="accent1">
+                  <a:lumMod val="60000"/>
+                </a:schemeClr>
+              </a:gs>
+            </a:gsLst>
+            <a:lin ang="8100000" scaled="1"/>
+            <a:tileRect/>
+          </a:gradFill>
+          <a:ln>
+            <a:noFill/>
+          </a:ln>
+        </p:spPr>
+        <p:style>
+          <a:lnRef idx="1">
+            <a:schemeClr val="accent1"/>
+          </a:lnRef>
+          <a:fillRef idx="3">
+            <a:schemeClr val="accent1"/>
+          </a:fillRef>
+          <a:effectRef idx="2">
+            <a:schemeClr val="accent1"/>
+          </a:effectRef>
+          <a:fontRef idx="minor">
+            <a:schemeClr val="lt1"/>
+          </a:fontRef>
+        </p:style>
+      </p:sp>
+      <p:sp>
+        <p:nvSpPr>
+          <p:cNvPr id="2" name="Title 1">
+            <a:extLst>
+              <a:ext uri="{FF2B5EF4-FFF2-40B4-BE49-F238E27FC236}">
+                <a16:creationId xmlns:a16="http://schemas.microsoft.com/office/drawing/2014/main" id="{DBC921C5-5531-A9B1-78FA-437151214A0C}"/>
+              </a:ext>
+            </a:extLst>
+          </p:cNvPr>
+          <p:cNvSpPr>
+            <a:spLocks noGrp="1"/>
+          </p:cNvSpPr>
+          <p:nvPr>
+            <p:ph type="title"/>
+          </p:nvPr>
+        </p:nvSpPr>
+        <p:spPr>
+          <a:xfrm>
+            <a:off x="685802" y="685800"/>
+            <a:ext cx="3381946" cy="4846967"/>
+          </a:xfrm>
+        </p:spPr>
+        <p:txBody>
+          <a:bodyPr>
+            <a:normAutofit/>
+          </a:bodyPr>
+          <a:lstStyle/>
+          <a:p>
+            <a:r>
+              <a:rPr lang="en-US" sz="4800" cap="none">
+                <a:solidFill>
+                  <a:srgbClr val="FFFFFF"/>
+                </a:solidFill>
+                <a:latin typeface="Arial" panose="020B0604020202020204" pitchFamily="34" charset="0"/>
+                <a:cs typeface="Arial" panose="020B0604020202020204" pitchFamily="34" charset="0"/>
+              </a:rPr>
+              <a:t>Research Approach</a:t>
+            </a:r>
+          </a:p>
+        </p:txBody>
+      </p:sp>
+      <p:sp>
+        <p:nvSpPr>
+          <p:cNvPr id="3" name="Content Placeholder 2">
+            <a:extLst>
+              <a:ext uri="{FF2B5EF4-FFF2-40B4-BE49-F238E27FC236}">
+                <a16:creationId xmlns:a16="http://schemas.microsoft.com/office/drawing/2014/main" id="{DF9F1016-C11D-260F-4732-35277A2CA158}"/>
+              </a:ext>
+            </a:extLst>
+          </p:cNvPr>
+          <p:cNvSpPr>
+            <a:spLocks noGrp="1"/>
+          </p:cNvSpPr>
+          <p:nvPr>
+            <p:ph sz="quarter" idx="13"/>
+          </p:nvPr>
+        </p:nvSpPr>
+        <p:spPr>
+          <a:xfrm>
+            <a:off x="5111886" y="685800"/>
+            <a:ext cx="5968621" cy="4688785"/>
+          </a:xfrm>
+        </p:spPr>
+        <p:txBody>
+          <a:bodyPr>
+            <a:normAutofit/>
+          </a:bodyPr>
+          <a:lstStyle/>
+          <a:p>
+            <a:r>
+              <a:rPr lang="en-US" cap="none" dirty="0">
+                <a:latin typeface="Arial" panose="020B0604020202020204" pitchFamily="34" charset="0"/>
+                <a:cs typeface="Arial" panose="020B0604020202020204" pitchFamily="34" charset="0"/>
+              </a:rPr>
+              <a:t>When searching for a good dataset, we wanted to capture a set within the post-COVID era timeframe</a:t>
+            </a:r>
+          </a:p>
+          <a:p>
+            <a:r>
+              <a:rPr lang="en-US" cap="none" dirty="0">
+                <a:latin typeface="Arial" panose="020B0604020202020204" pitchFamily="34" charset="0"/>
+                <a:cs typeface="Arial" panose="020B0604020202020204" pitchFamily="34" charset="0"/>
+              </a:rPr>
+              <a:t>The rise in Netflix during COVID period intrigued us and led us to want to dive in further to see what the world was watching post-COVID</a:t>
+            </a:r>
+          </a:p>
+          <a:p>
+            <a:endParaRPr lang="en-US" cap="none" dirty="0">
+              <a:latin typeface="Arial" panose="020B0604020202020204" pitchFamily="34" charset="0"/>
+              <a:cs typeface="Arial" panose="020B0604020202020204" pitchFamily="34" charset="0"/>
+            </a:endParaRPr>
+          </a:p>
+        </p:txBody>
+      </p:sp>
+    </p:spTree>
+    <p:extLst>
+      <p:ext uri="{BB962C8B-B14F-4D97-AF65-F5344CB8AC3E}">
+        <p14:creationId xmlns:p14="http://schemas.microsoft.com/office/powerpoint/2010/main" val="2115835396"/>
+      </p:ext>
+    </p:extLst>
+  </p:cSld>
+  <p:clrMapOvr>
+    <a:masterClrMapping/>
+  </p:clrMapOvr>
+</p:sld>
+</file>
+
+<file path=ppt/slides/slide3.xml><?xml version="1.0" encoding="utf-8"?>
 <p:sld xmlns:a="http://schemas.openxmlformats.org/drawingml/2006/main" xmlns:r="http://schemas.openxmlformats.org/officeDocument/2006/relationships" xmlns:p="http://schemas.openxmlformats.org/presentationml/2006/main">
   <p:cSld>
     <p:bg>
@@ -7439,7 +8546,7 @@
           <a:lstStyle/>
           <a:p>
             <a:r>
-              <a:rPr lang="en-US" sz="1800">
+              <a:rPr lang="en-US" sz="1800" dirty="0">
                 <a:solidFill>
                   <a:schemeClr val="tx1">
                     <a:lumMod val="85000"/>
@@ -7452,7 +8559,7 @@
               <a:t>“</a:t>
             </a:r>
             <a:r>
-              <a:rPr lang="en-US" sz="1800" cap="none">
+              <a:rPr lang="en-US" sz="1800" cap="none" dirty="0">
                 <a:solidFill>
                   <a:schemeClr val="tx1">
                     <a:lumMod val="85000"/>
@@ -7467,7 +8574,7 @@
           </a:p>
           <a:p>
             <a:r>
-              <a:rPr lang="en-US" sz="1800" cap="none">
+              <a:rPr lang="en-US" sz="1800" cap="none" dirty="0">
                 <a:solidFill>
                   <a:schemeClr val="tx1">
                     <a:lumMod val="85000"/>
@@ -7482,7 +8589,7 @@
           </a:p>
           <a:p>
             <a:r>
-              <a:rPr lang="en-US" sz="1800" cap="none">
+              <a:rPr lang="en-US" sz="1800" cap="none" dirty="0">
                 <a:solidFill>
                   <a:schemeClr val="tx1">
                     <a:lumMod val="85000"/>
@@ -7492,7 +8599,48 @@
                 <a:latin typeface="Arial" panose="020B0604020202020204" pitchFamily="34" charset="0"/>
                 <a:cs typeface="Arial" panose="020B0604020202020204" pitchFamily="34" charset="0"/>
               </a:rPr>
-              <a:t>API call from OMDB to fill in all “NAN” values that were not in the “Netflix Titles” merge</a:t>
+              <a:t>API call from OMDB to fill in all “</a:t>
+            </a:r>
+            <a:r>
+              <a:rPr lang="en-US" sz="1800" cap="none" dirty="0" err="1">
+                <a:solidFill>
+                  <a:schemeClr val="tx1">
+                    <a:lumMod val="85000"/>
+                    <a:lumOff val="15000"/>
+                  </a:schemeClr>
+                </a:solidFill>
+                <a:latin typeface="Arial" panose="020B0604020202020204" pitchFamily="34" charset="0"/>
+                <a:cs typeface="Arial" panose="020B0604020202020204" pitchFamily="34" charset="0"/>
+              </a:rPr>
+              <a:t>NaN</a:t>
+            </a:r>
+            <a:r>
+              <a:rPr lang="en-US" sz="1800" cap="none" dirty="0">
+                <a:solidFill>
+                  <a:schemeClr val="tx1">
+                    <a:lumMod val="85000"/>
+                    <a:lumOff val="15000"/>
+                  </a:schemeClr>
+                </a:solidFill>
+                <a:latin typeface="Arial" panose="020B0604020202020204" pitchFamily="34" charset="0"/>
+                <a:cs typeface="Arial" panose="020B0604020202020204" pitchFamily="34" charset="0"/>
+              </a:rPr>
+              <a:t>” values that were not in the “Netflix Titles” merge</a:t>
+            </a:r>
+          </a:p>
+          <a:p>
+            <a:r>
+              <a:rPr lang="en-US" sz="1800" cap="none" dirty="0">
+                <a:solidFill>
+                  <a:schemeClr val="tx1">
+                    <a:lumMod val="85000"/>
+                    <a:lumOff val="15000"/>
+                  </a:schemeClr>
+                </a:solidFill>
+                <a:latin typeface="Arial" panose="020B0604020202020204" pitchFamily="34" charset="0"/>
+                <a:cs typeface="Arial" panose="020B0604020202020204" pitchFamily="34" charset="0"/>
+              </a:rPr>
+              <a:t>The data provided captures from the week of 6/15/21 to 11/1/22</a:t>
             </a:r>
           </a:p>
         </p:txBody>
@@ -7501,369 +8649,6 @@
     <p:extLst>
       <p:ext uri="{BB962C8B-B14F-4D97-AF65-F5344CB8AC3E}">
         <p14:creationId xmlns:p14="http://schemas.microsoft.com/office/powerpoint/2010/main" val="1003908615"/>
-      </p:ext>
-    </p:extLst>
-  </p:cSld>
-  <p:clrMapOvr>
-    <a:masterClrMapping/>
-  </p:clrMapOvr>
-</p:sld>
-</file>
-
-<file path=ppt/slides/slide3.xml><?xml version="1.0" encoding="utf-8"?>
-<p:sld xmlns:a="http://schemas.openxmlformats.org/drawingml/2006/main" xmlns:r="http://schemas.openxmlformats.org/officeDocument/2006/relationships" xmlns:p="http://schemas.openxmlformats.org/presentationml/2006/main">
-  <p:cSld>
-    <p:bg>
-      <p:bgPr>
-        <a:blipFill>
-          <a:blip r:embed="rId2">
-            <a:duotone>
-              <a:schemeClr val="bg1">
-                <a:shade val="48000"/>
-                <a:satMod val="110000"/>
-                <a:lumMod val="40000"/>
-              </a:schemeClr>
-              <a:schemeClr val="bg1">
-                <a:tint val="90000"/>
-                <a:lumMod val="106000"/>
-              </a:schemeClr>
-            </a:duotone>
-          </a:blip>
-          <a:stretch/>
-        </a:blipFill>
-        <a:effectLst/>
-      </p:bgPr>
-    </p:bg>
-    <p:spTree>
-      <p:nvGrpSpPr>
-        <p:cNvPr id="1" name=""/>
-        <p:cNvGrpSpPr/>
-        <p:nvPr/>
-      </p:nvGrpSpPr>
-      <p:grpSpPr>
-        <a:xfrm>
-          <a:off x="0" y="0"/>
-          <a:ext cx="0" cy="0"/>
-          <a:chOff x="0" y="0"/>
-          <a:chExt cx="0" cy="0"/>
-        </a:xfrm>
-      </p:grpSpPr>
-      <p:pic>
-        <p:nvPicPr>
-          <p:cNvPr id="8" name="Picture 7">
-            <a:extLst>
-              <a:ext uri="{FF2B5EF4-FFF2-40B4-BE49-F238E27FC236}">
-                <a16:creationId xmlns:a16="http://schemas.microsoft.com/office/drawing/2014/main" id="{90A9C49B-76D8-4E9B-B430-D1ADF40F1CF8}"/>
-              </a:ext>
-              <a:ext uri="{C183D7F6-B498-43B3-948B-1728B52AA6E4}">
-                <adec:decorative xmlns:adec="http://schemas.microsoft.com/office/drawing/2017/decorative" val="1"/>
-              </a:ext>
-            </a:extLst>
-          </p:cNvPr>
-          <p:cNvPicPr>
-            <a:picLocks noGrp="1" noRot="1" noChangeAspect="1" noMove="1" noResize="1" noEditPoints="1" noAdjustHandles="1" noChangeArrowheads="1" noChangeShapeType="1" noCrop="1"/>
-          </p:cNvPicPr>
-          <p:nvPr>
-            <p:extLst>
-              <p:ext uri="{386F3935-93C4-4BCD-93E2-E3B085C9AB24}">
-                <p16:designElem xmlns:p16="http://schemas.microsoft.com/office/powerpoint/2015/main" val="1"/>
-              </p:ext>
-            </p:extLst>
-          </p:nvPr>
-        </p:nvPicPr>
-        <p:blipFill>
-          <a:blip r:embed="rId3">
-            <a:extLst>
-              <a:ext uri="{28A0092B-C50C-407E-A947-70E740481C1C}">
-                <a14:useLocalDpi xmlns:a14="http://schemas.microsoft.com/office/drawing/2010/main" val="0"/>
-              </a:ext>
-            </a:extLst>
-          </a:blip>
-          <a:stretch>
-            <a:fillRect/>
-          </a:stretch>
-        </p:blipFill>
-        <p:spPr>
-          <a:xfrm>
-            <a:off x="0" y="0"/>
-            <a:ext cx="12192000" cy="6858000"/>
-          </a:xfrm>
-          <a:prstGeom prst="rect">
-            <a:avLst/>
-          </a:prstGeom>
-        </p:spPr>
-      </p:pic>
-      <p:sp useBgFill="1">
-        <p:nvSpPr>
-          <p:cNvPr id="10" name="Rectangle 9">
-            <a:extLst>
-              <a:ext uri="{FF2B5EF4-FFF2-40B4-BE49-F238E27FC236}">
-                <a16:creationId xmlns:a16="http://schemas.microsoft.com/office/drawing/2014/main" id="{F88A5712-2FE0-4DD4-BDC6-099EA378A050}"/>
-              </a:ext>
-              <a:ext uri="{C183D7F6-B498-43B3-948B-1728B52AA6E4}">
-                <adec:decorative xmlns:adec="http://schemas.microsoft.com/office/drawing/2017/decorative" val="1"/>
-              </a:ext>
-            </a:extLst>
-          </p:cNvPr>
-          <p:cNvSpPr>
-            <a:spLocks noGrp="1" noRot="1" noChangeAspect="1" noMove="1" noResize="1" noEditPoints="1" noAdjustHandles="1" noChangeArrowheads="1" noChangeShapeType="1" noTextEdit="1"/>
-          </p:cNvSpPr>
-          <p:nvPr>
-            <p:extLst>
-              <p:ext uri="{386F3935-93C4-4BCD-93E2-E3B085C9AB24}">
-                <p16:designElem xmlns:p16="http://schemas.microsoft.com/office/powerpoint/2015/main" val="1"/>
-              </p:ext>
-            </p:extLst>
-          </p:nvPr>
-        </p:nvSpPr>
-        <p:spPr>
-          <a:xfrm>
-            <a:off x="1" y="0"/>
-            <a:ext cx="11979952" cy="6644081"/>
-          </a:xfrm>
-          <a:prstGeom prst="rect">
-            <a:avLst/>
-          </a:prstGeom>
-          <a:ln>
-            <a:noFill/>
-          </a:ln>
-          <a:effectLst>
-            <a:outerShdw blurRad="98425" dist="76200" dir="4380000" algn="tl" rotWithShape="0">
-              <a:srgbClr val="000000">
-                <a:alpha val="68000"/>
-              </a:srgbClr>
-            </a:outerShdw>
-          </a:effectLst>
-        </p:spPr>
-        <p:style>
-          <a:lnRef idx="1">
-            <a:schemeClr val="accent1"/>
-          </a:lnRef>
-          <a:fillRef idx="3">
-            <a:schemeClr val="accent1"/>
-          </a:fillRef>
-          <a:effectRef idx="2">
-            <a:schemeClr val="accent1"/>
-          </a:effectRef>
-          <a:fontRef idx="minor">
-            <a:schemeClr val="lt1"/>
-          </a:fontRef>
-        </p:style>
-      </p:sp>
-      <p:sp>
-        <p:nvSpPr>
-          <p:cNvPr id="12" name="Freeform 9">
-            <a:extLst>
-              <a:ext uri="{FF2B5EF4-FFF2-40B4-BE49-F238E27FC236}">
-                <a16:creationId xmlns:a16="http://schemas.microsoft.com/office/drawing/2014/main" id="{448E5503-E0F8-4B94-81A3-B1FA57623E0F}"/>
-              </a:ext>
-              <a:ext uri="{C183D7F6-B498-43B3-948B-1728B52AA6E4}">
-                <adec:decorative xmlns:adec="http://schemas.microsoft.com/office/drawing/2017/decorative" val="1"/>
-              </a:ext>
-            </a:extLst>
-          </p:cNvPr>
-          <p:cNvSpPr>
-            <a:spLocks noGrp="1" noRot="1" noChangeAspect="1" noMove="1" noResize="1" noEditPoints="1" noAdjustHandles="1" noChangeArrowheads="1" noChangeShapeType="1" noTextEdit="1"/>
-          </p:cNvSpPr>
-          <p:nvPr>
-            <p:extLst>
-              <p:ext uri="{386F3935-93C4-4BCD-93E2-E3B085C9AB24}">
-                <p16:designElem xmlns:p16="http://schemas.microsoft.com/office/powerpoint/2015/main" val="1"/>
-              </p:ext>
-            </p:extLst>
-          </p:nvPr>
-        </p:nvSpPr>
-        <p:spPr>
-          <a:xfrm>
-            <a:off x="-25397" y="0"/>
-            <a:ext cx="11773291" cy="6419514"/>
-          </a:xfrm>
-          <a:custGeom>
-            <a:avLst/>
-            <a:gdLst/>
-            <a:ahLst/>
-            <a:cxnLst/>
-            <a:rect l="l" t="t" r="r" b="b"/>
-            <a:pathLst>
-              <a:path w="11773291" h="6419514">
-                <a:moveTo>
-                  <a:pt x="11750059" y="0"/>
-                </a:moveTo>
-                <a:lnTo>
-                  <a:pt x="11773291" y="6419514"/>
-                </a:lnTo>
-                <a:lnTo>
-                  <a:pt x="0" y="6411047"/>
-                </a:lnTo>
-              </a:path>
-            </a:pathLst>
-          </a:custGeom>
-          <a:ln w="82550">
-            <a:solidFill>
-              <a:schemeClr val="tx1">
-                <a:lumMod val="50000"/>
-                <a:lumOff val="50000"/>
-              </a:schemeClr>
-            </a:solidFill>
-            <a:miter lim="800000"/>
-          </a:ln>
-        </p:spPr>
-        <p:style>
-          <a:lnRef idx="2">
-            <a:schemeClr val="accent1"/>
-          </a:lnRef>
-          <a:fillRef idx="0">
-            <a:schemeClr val="accent1"/>
-          </a:fillRef>
-          <a:effectRef idx="1">
-            <a:schemeClr val="accent1"/>
-          </a:effectRef>
-          <a:fontRef idx="minor">
-            <a:schemeClr val="tx1"/>
-          </a:fontRef>
-        </p:style>
-      </p:sp>
-      <p:sp>
-        <p:nvSpPr>
-          <p:cNvPr id="14" name="Rectangle 13">
-            <a:extLst>
-              <a:ext uri="{FF2B5EF4-FFF2-40B4-BE49-F238E27FC236}">
-                <a16:creationId xmlns:a16="http://schemas.microsoft.com/office/drawing/2014/main" id="{CE54F896-85E7-4403-9E37-1B004731F8C9}"/>
-              </a:ext>
-              <a:ext uri="{C183D7F6-B498-43B3-948B-1728B52AA6E4}">
-                <adec:decorative xmlns:adec="http://schemas.microsoft.com/office/drawing/2017/decorative" val="1"/>
-              </a:ext>
-            </a:extLst>
-          </p:cNvPr>
-          <p:cNvSpPr>
-            <a:spLocks noGrp="1" noRot="1" noChangeAspect="1" noMove="1" noResize="1" noEditPoints="1" noAdjustHandles="1" noChangeArrowheads="1" noChangeShapeType="1" noTextEdit="1"/>
-          </p:cNvSpPr>
-          <p:nvPr>
-            <p:extLst>
-              <p:ext uri="{386F3935-93C4-4BCD-93E2-E3B085C9AB24}">
-                <p16:designElem xmlns:p16="http://schemas.microsoft.com/office/powerpoint/2015/main" val="1"/>
-              </p:ext>
-            </p:extLst>
-          </p:nvPr>
-        </p:nvSpPr>
-        <p:spPr bwMode="white">
-          <a:xfrm>
-            <a:off x="0" y="0"/>
-            <a:ext cx="4654296" cy="6380796"/>
-          </a:xfrm>
-          <a:prstGeom prst="rect">
-            <a:avLst/>
-          </a:prstGeom>
-          <a:gradFill flip="none" rotWithShape="1">
-            <a:gsLst>
-              <a:gs pos="34000">
-                <a:schemeClr val="accent1"/>
-              </a:gs>
-              <a:gs pos="100000">
-                <a:schemeClr val="accent1">
-                  <a:lumMod val="60000"/>
-                </a:schemeClr>
-              </a:gs>
-            </a:gsLst>
-            <a:lin ang="8100000" scaled="1"/>
-            <a:tileRect/>
-          </a:gradFill>
-          <a:ln>
-            <a:noFill/>
-          </a:ln>
-        </p:spPr>
-        <p:style>
-          <a:lnRef idx="1">
-            <a:schemeClr val="accent1"/>
-          </a:lnRef>
-          <a:fillRef idx="3">
-            <a:schemeClr val="accent1"/>
-          </a:fillRef>
-          <a:effectRef idx="2">
-            <a:schemeClr val="accent1"/>
-          </a:effectRef>
-          <a:fontRef idx="minor">
-            <a:schemeClr val="lt1"/>
-          </a:fontRef>
-        </p:style>
-      </p:sp>
-      <p:sp>
-        <p:nvSpPr>
-          <p:cNvPr id="2" name="Title 1">
-            <a:extLst>
-              <a:ext uri="{FF2B5EF4-FFF2-40B4-BE49-F238E27FC236}">
-                <a16:creationId xmlns:a16="http://schemas.microsoft.com/office/drawing/2014/main" id="{DBC921C5-5531-A9B1-78FA-437151214A0C}"/>
-              </a:ext>
-            </a:extLst>
-          </p:cNvPr>
-          <p:cNvSpPr>
-            <a:spLocks noGrp="1"/>
-          </p:cNvSpPr>
-          <p:nvPr>
-            <p:ph type="title"/>
-          </p:nvPr>
-        </p:nvSpPr>
-        <p:spPr>
-          <a:xfrm>
-            <a:off x="685802" y="685800"/>
-            <a:ext cx="3381946" cy="4846967"/>
-          </a:xfrm>
-        </p:spPr>
-        <p:txBody>
-          <a:bodyPr>
-            <a:normAutofit/>
-          </a:bodyPr>
-          <a:lstStyle/>
-          <a:p>
-            <a:r>
-              <a:rPr lang="en-US" sz="4800" cap="none">
-                <a:solidFill>
-                  <a:srgbClr val="FFFFFF"/>
-                </a:solidFill>
-                <a:latin typeface="Arial" panose="020B0604020202020204" pitchFamily="34" charset="0"/>
-                <a:cs typeface="Arial" panose="020B0604020202020204" pitchFamily="34" charset="0"/>
-              </a:rPr>
-              <a:t>Research Approach</a:t>
-            </a:r>
-          </a:p>
-        </p:txBody>
-      </p:sp>
-      <p:sp>
-        <p:nvSpPr>
-          <p:cNvPr id="3" name="Content Placeholder 2">
-            <a:extLst>
-              <a:ext uri="{FF2B5EF4-FFF2-40B4-BE49-F238E27FC236}">
-                <a16:creationId xmlns:a16="http://schemas.microsoft.com/office/drawing/2014/main" id="{DF9F1016-C11D-260F-4732-35277A2CA158}"/>
-              </a:ext>
-            </a:extLst>
-          </p:cNvPr>
-          <p:cNvSpPr>
-            <a:spLocks noGrp="1"/>
-          </p:cNvSpPr>
-          <p:nvPr>
-            <p:ph sz="quarter" idx="13"/>
-          </p:nvPr>
-        </p:nvSpPr>
-        <p:spPr>
-          <a:xfrm>
-            <a:off x="5111886" y="685800"/>
-            <a:ext cx="5968621" cy="4688785"/>
-          </a:xfrm>
-        </p:spPr>
-        <p:txBody>
-          <a:bodyPr>
-            <a:normAutofit/>
-          </a:bodyPr>
-          <a:lstStyle/>
-          <a:p>
-            <a:endParaRPr lang="en-US" dirty="0"/>
-          </a:p>
-        </p:txBody>
-      </p:sp>
-    </p:spTree>
-    <p:extLst>
-      <p:ext uri="{BB962C8B-B14F-4D97-AF65-F5344CB8AC3E}">
-        <p14:creationId xmlns:p14="http://schemas.microsoft.com/office/powerpoint/2010/main" val="2115835396"/>
       </p:ext>
     </p:extLst>
   </p:cSld>
@@ -7937,7 +8722,12 @@
             <p:ph sz="quarter" idx="13"/>
           </p:nvPr>
         </p:nvSpPr>
-        <p:spPr/>
+        <p:spPr>
+          <a:xfrm>
+            <a:off x="685801" y="2141601"/>
+            <a:ext cx="10394707" cy="3311189"/>
+          </a:xfrm>
+        </p:spPr>
         <p:txBody>
           <a:bodyPr>
             <a:normAutofit/>
@@ -8121,8 +8911,19 @@
                 <a:latin typeface="Arial" panose="020B0604020202020204" pitchFamily="34" charset="0"/>
                 <a:cs typeface="Arial" panose="020B0604020202020204" pitchFamily="34" charset="0"/>
               </a:rPr>
-              <a:t>2069 total rows</a:t>
-            </a:r>
+              <a:t>2069 total rows after deletion of </a:t>
+            </a:r>
+            <a:r>
+              <a:rPr lang="en-US" cap="none" dirty="0" err="1">
+                <a:latin typeface="Arial" panose="020B0604020202020204" pitchFamily="34" charset="0"/>
+                <a:cs typeface="Arial" panose="020B0604020202020204" pitchFamily="34" charset="0"/>
+              </a:rPr>
+              <a:t>NaN</a:t>
+            </a:r>
+            <a:endParaRPr lang="en-US" cap="none" dirty="0">
+              <a:latin typeface="Arial" panose="020B0604020202020204" pitchFamily="34" charset="0"/>
+              <a:cs typeface="Arial" panose="020B0604020202020204" pitchFamily="34" charset="0"/>
+            </a:endParaRPr>
           </a:p>
           <a:p>
             <a:pPr lvl="2"/>
@@ -8327,7 +9128,7 @@
                 <a:latin typeface="Arial" panose="020B0604020202020204" pitchFamily="34" charset="0"/>
                 <a:cs typeface="Arial" panose="020B0604020202020204" pitchFamily="34" charset="0"/>
               </a:rPr>
-              <a:t>Only 4 titles have remained in the top 10 for more than 20 weeks</a:t>
+              <a:t>Only 4 titles have remained in the Top 10 for more than 20 weeks</a:t>
             </a:r>
           </a:p>
           <a:p>
@@ -8350,10 +9151,10 @@
       </p:sp>
       <p:pic>
         <p:nvPicPr>
-          <p:cNvPr id="10" name="Content Placeholder 9">
+          <p:cNvPr id="7" name="Content Placeholder 6" descr="Chart, bar chart&#10;&#10;Description automatically generated">
             <a:extLst>
               <a:ext uri="{FF2B5EF4-FFF2-40B4-BE49-F238E27FC236}">
-                <a16:creationId xmlns:a16="http://schemas.microsoft.com/office/drawing/2014/main" id="{6B44E30E-E8F0-C9A5-0B4E-9C8F497E4885}"/>
+                <a16:creationId xmlns:a16="http://schemas.microsoft.com/office/drawing/2014/main" id="{E7B48605-FE25-9238-8367-E4D0BD5D5880}"/>
               </a:ext>
             </a:extLst>
           </p:cNvPr>
@@ -8378,8 +9179,8 @@
         </p:blipFill>
         <p:spPr>
           <a:xfrm>
-            <a:off x="6283191" y="1988368"/>
-            <a:ext cx="4611404" cy="3386907"/>
+            <a:off x="6194462" y="2063750"/>
+            <a:ext cx="4686225" cy="3311525"/>
           </a:xfrm>
         </p:spPr>
       </p:pic>
@@ -8444,34 +9245,6 @@
           </a:p>
         </p:txBody>
       </p:sp>
-      <p:sp>
-        <p:nvSpPr>
-          <p:cNvPr id="4" name="Content Placeholder 3">
-            <a:extLst>
-              <a:ext uri="{FF2B5EF4-FFF2-40B4-BE49-F238E27FC236}">
-                <a16:creationId xmlns:a16="http://schemas.microsoft.com/office/drawing/2014/main" id="{56CBBD9E-23DC-B411-E9FF-78564DFA42F9}"/>
-              </a:ext>
-            </a:extLst>
-          </p:cNvPr>
-          <p:cNvSpPr>
-            <a:spLocks noGrp="1"/>
-          </p:cNvSpPr>
-          <p:nvPr>
-            <p:ph sz="quarter" idx="13"/>
-          </p:nvPr>
-        </p:nvSpPr>
-        <p:spPr/>
-        <p:txBody>
-          <a:bodyPr/>
-          <a:lstStyle/>
-          <a:p>
-            <a:endParaRPr lang="en-US" cap="none" dirty="0">
-              <a:latin typeface="Arial" panose="020B0604020202020204" pitchFamily="34" charset="0"/>
-              <a:cs typeface="Arial" panose="020B0604020202020204" pitchFamily="34" charset="0"/>
-            </a:endParaRPr>
-          </a:p>
-        </p:txBody>
-      </p:sp>
       <p:pic>
         <p:nvPicPr>
           <p:cNvPr id="23" name="Content Placeholder 22">
@@ -8498,6 +9271,35 @@
           <a:xfrm>
             <a:off x="6738436" y="2063750"/>
             <a:ext cx="3598277" cy="3311525"/>
+          </a:xfrm>
+        </p:spPr>
+      </p:pic>
+      <p:pic>
+        <p:nvPicPr>
+          <p:cNvPr id="3" name="Content Placeholder 7">
+            <a:extLst>
+              <a:ext uri="{FF2B5EF4-FFF2-40B4-BE49-F238E27FC236}">
+                <a16:creationId xmlns:a16="http://schemas.microsoft.com/office/drawing/2014/main" id="{C50D777F-A519-D6A0-C642-E4BBA06E5BEF}"/>
+              </a:ext>
+            </a:extLst>
+          </p:cNvPr>
+          <p:cNvPicPr>
+            <a:picLocks noGrp="1" noChangeAspect="1"/>
+          </p:cNvPicPr>
+          <p:nvPr>
+            <p:ph sz="quarter" idx="13"/>
+          </p:nvPr>
+        </p:nvPicPr>
+        <p:blipFill>
+          <a:blip r:embed="rId3"/>
+          <a:stretch>
+            <a:fillRect/>
+          </a:stretch>
+        </p:blipFill>
+        <p:spPr>
+          <a:xfrm>
+            <a:off x="1080052" y="1917943"/>
+            <a:ext cx="4373513" cy="3125544"/>
           </a:xfrm>
         </p:spPr>
       </p:pic>
@@ -8564,6 +9366,34 @@
       </p:sp>
       <p:sp>
         <p:nvSpPr>
+          <p:cNvPr id="6" name="Text Placeholder 5">
+            <a:extLst>
+              <a:ext uri="{FF2B5EF4-FFF2-40B4-BE49-F238E27FC236}">
+                <a16:creationId xmlns:a16="http://schemas.microsoft.com/office/drawing/2014/main" id="{F8E7B510-8083-4AB2-60E6-9D0A13660FDD}"/>
+              </a:ext>
+            </a:extLst>
+          </p:cNvPr>
+          <p:cNvSpPr>
+            <a:spLocks noGrp="1"/>
+          </p:cNvSpPr>
+          <p:nvPr>
+            <p:ph type="body" idx="1"/>
+          </p:nvPr>
+        </p:nvSpPr>
+        <p:spPr/>
+        <p:txBody>
+          <a:bodyPr/>
+          <a:lstStyle/>
+          <a:p>
+            <a:r>
+              <a:rPr lang="en-US" cap="none" dirty="0"/>
+              <a:t>Movie Count Chi-Square</a:t>
+            </a:r>
+          </a:p>
+        </p:txBody>
+      </p:sp>
+      <p:sp>
+        <p:nvSpPr>
           <p:cNvPr id="4" name="Content Placeholder 3">
             <a:extLst>
               <a:ext uri="{FF2B5EF4-FFF2-40B4-BE49-F238E27FC236}">
@@ -8580,45 +9410,171 @@
         </p:nvSpPr>
         <p:spPr/>
         <p:txBody>
-          <a:bodyPr/>
+          <a:bodyPr>
+            <a:normAutofit lnSpcReduction="10000"/>
+          </a:bodyPr>
           <a:lstStyle/>
           <a:p>
+            <a:r>
+              <a:rPr lang="en-US" cap="none" dirty="0">
+                <a:latin typeface="Arial" panose="020B0604020202020204" pitchFamily="34" charset="0"/>
+                <a:cs typeface="Arial" panose="020B0604020202020204" pitchFamily="34" charset="0"/>
+              </a:rPr>
+              <a:t>Non-English films vs. English films</a:t>
+            </a:r>
+          </a:p>
+          <a:p>
+            <a:r>
+              <a:rPr lang="en-US" cap="none" dirty="0">
+                <a:latin typeface="Arial" panose="020B0604020202020204" pitchFamily="34" charset="0"/>
+                <a:cs typeface="Arial" panose="020B0604020202020204" pitchFamily="34" charset="0"/>
+              </a:rPr>
+              <a:t>Critical Value = 11.07</a:t>
+            </a:r>
+          </a:p>
+          <a:p>
+            <a:r>
+              <a:rPr lang="en-US" cap="none" dirty="0">
+                <a:latin typeface="Arial" panose="020B0604020202020204" pitchFamily="34" charset="0"/>
+                <a:cs typeface="Arial" panose="020B0604020202020204" pitchFamily="34" charset="0"/>
+              </a:rPr>
+              <a:t>P Value = 2.</a:t>
+            </a:r>
+            <a:r>
+              <a:rPr lang="en-US" b="0" i="0" dirty="0">
+                <a:effectLst/>
+                <a:latin typeface="Arial" panose="020B0604020202020204" pitchFamily="34" charset="0"/>
+                <a:cs typeface="Arial" panose="020B0604020202020204" pitchFamily="34" charset="0"/>
+              </a:rPr>
+              <a:t>8832517822160287e-08</a:t>
+            </a:r>
             <a:endParaRPr lang="en-US" cap="none" dirty="0">
               <a:latin typeface="Arial" panose="020B0604020202020204" pitchFamily="34" charset="0"/>
               <a:cs typeface="Arial" panose="020B0604020202020204" pitchFamily="34" charset="0"/>
             </a:endParaRPr>
           </a:p>
-        </p:txBody>
-      </p:sp>
-      <p:pic>
-        <p:nvPicPr>
-          <p:cNvPr id="8" name="Content Placeholder 7">
+          <a:p>
+            <a:r>
+              <a:rPr lang="en-US" cap="none" dirty="0">
+                <a:latin typeface="Arial" panose="020B0604020202020204" pitchFamily="34" charset="0"/>
+                <a:cs typeface="Arial" panose="020B0604020202020204" pitchFamily="34" charset="0"/>
+              </a:rPr>
+              <a:t>Chi-Squared test output value of 43.53 dictating that these categories are very different</a:t>
+            </a:r>
+          </a:p>
+        </p:txBody>
+      </p:sp>
+      <p:sp>
+        <p:nvSpPr>
+          <p:cNvPr id="7" name="Text Placeholder 6">
             <a:extLst>
               <a:ext uri="{FF2B5EF4-FFF2-40B4-BE49-F238E27FC236}">
-                <a16:creationId xmlns:a16="http://schemas.microsoft.com/office/drawing/2014/main" id="{F5BF99C0-07D4-3376-C063-964763C526BB}"/>
+                <a16:creationId xmlns:a16="http://schemas.microsoft.com/office/drawing/2014/main" id="{991912E5-C30A-DA05-9C44-E04739F7D67E}"/>
               </a:ext>
             </a:extLst>
           </p:cNvPr>
-          <p:cNvPicPr>
-            <a:picLocks noGrp="1" noChangeAspect="1"/>
-          </p:cNvPicPr>
-          <p:nvPr>
-            <p:ph sz="quarter" idx="14"/>
-          </p:nvPr>
-        </p:nvPicPr>
-        <p:blipFill>
-          <a:blip r:embed="rId2"/>
-          <a:stretch>
-            <a:fillRect/>
-          </a:stretch>
-        </p:blipFill>
+          <p:cNvSpPr>
+            <a:spLocks noGrp="1"/>
+          </p:cNvSpPr>
+          <p:nvPr>
+            <p:ph type="body" sz="quarter" idx="3"/>
+          </p:nvPr>
+        </p:nvSpPr>
         <p:spPr>
           <a:xfrm>
-            <a:off x="6684962" y="2395537"/>
-            <a:ext cx="3705225" cy="2647950"/>
+            <a:off x="5993969" y="2063396"/>
+            <a:ext cx="5088713" cy="679994"/>
           </a:xfrm>
         </p:spPr>
-      </p:pic>
+        <p:txBody>
+          <a:bodyPr/>
+          <a:lstStyle/>
+          <a:p>
+            <a:r>
+              <a:rPr lang="en-US" cap="none" dirty="0"/>
+              <a:t>TV Show Count Chi-Square</a:t>
+            </a:r>
+          </a:p>
+        </p:txBody>
+      </p:sp>
+      <p:sp>
+        <p:nvSpPr>
+          <p:cNvPr id="9" name="Content Placeholder 8">
+            <a:extLst>
+              <a:ext uri="{FF2B5EF4-FFF2-40B4-BE49-F238E27FC236}">
+                <a16:creationId xmlns:a16="http://schemas.microsoft.com/office/drawing/2014/main" id="{B548B4D5-6885-D00E-DB70-0EFA7A34422E}"/>
+              </a:ext>
+            </a:extLst>
+          </p:cNvPr>
+          <p:cNvSpPr>
+            <a:spLocks noGrp="1"/>
+          </p:cNvSpPr>
+          <p:nvPr>
+            <p:ph sz="quarter" idx="14"/>
+          </p:nvPr>
+        </p:nvSpPr>
+        <p:spPr/>
+        <p:txBody>
+          <a:bodyPr>
+            <a:normAutofit lnSpcReduction="10000"/>
+          </a:bodyPr>
+          <a:lstStyle/>
+          <a:p>
+            <a:r>
+              <a:rPr lang="en-US" cap="none" dirty="0">
+                <a:latin typeface="Arial" panose="020B0604020202020204" pitchFamily="34" charset="0"/>
+                <a:cs typeface="Arial" panose="020B0604020202020204" pitchFamily="34" charset="0"/>
+              </a:rPr>
+              <a:t>Non-English shows vs. English shows</a:t>
+            </a:r>
+          </a:p>
+          <a:p>
+            <a:r>
+              <a:rPr lang="en-US" cap="none" dirty="0">
+                <a:latin typeface="Arial" panose="020B0604020202020204" pitchFamily="34" charset="0"/>
+                <a:cs typeface="Arial" panose="020B0604020202020204" pitchFamily="34" charset="0"/>
+              </a:rPr>
+              <a:t>Critical Value = 11.07</a:t>
+            </a:r>
+          </a:p>
+          <a:p>
+            <a:r>
+              <a:rPr lang="en-US" cap="none" dirty="0">
+                <a:latin typeface="Arial" panose="020B0604020202020204" pitchFamily="34" charset="0"/>
+                <a:cs typeface="Arial" panose="020B0604020202020204" pitchFamily="34" charset="0"/>
+              </a:rPr>
+              <a:t>P Value = </a:t>
+            </a:r>
+            <a:r>
+              <a:rPr lang="en-US" b="0" i="0" dirty="0">
+                <a:effectLst/>
+                <a:latin typeface="Arial" panose="020B0604020202020204" pitchFamily="34" charset="0"/>
+                <a:cs typeface="Arial" panose="020B0604020202020204" pitchFamily="34" charset="0"/>
+              </a:rPr>
+              <a:t>0.045170554402416296</a:t>
+            </a:r>
+            <a:endParaRPr lang="en-US" cap="none" dirty="0">
+              <a:latin typeface="Arial" panose="020B0604020202020204" pitchFamily="34" charset="0"/>
+              <a:cs typeface="Arial" panose="020B0604020202020204" pitchFamily="34" charset="0"/>
+            </a:endParaRPr>
+          </a:p>
+          <a:p>
+            <a:r>
+              <a:rPr lang="en-US" cap="none" dirty="0">
+                <a:latin typeface="Arial" panose="020B0604020202020204" pitchFamily="34" charset="0"/>
+                <a:cs typeface="Arial" panose="020B0604020202020204" pitchFamily="34" charset="0"/>
+              </a:rPr>
+              <a:t>Chi-Squared test output value of 11.33 dictating that these categories are different, but not to the severity of films</a:t>
+            </a:r>
+          </a:p>
+          <a:p>
+            <a:endParaRPr lang="en-US" cap="none" dirty="0">
+              <a:latin typeface="Arial" panose="020B0604020202020204" pitchFamily="34" charset="0"/>
+              <a:cs typeface="Arial" panose="020B0604020202020204" pitchFamily="34" charset="0"/>
+            </a:endParaRPr>
+          </a:p>
+        </p:txBody>
+      </p:sp>
     </p:spTree>
     <p:extLst>
       <p:ext uri="{BB962C8B-B14F-4D97-AF65-F5344CB8AC3E}">
@@ -8651,10 +9607,10 @@
       </p:grpSpPr>
       <p:sp>
         <p:nvSpPr>
-          <p:cNvPr id="2" name="Title 1">
+          <p:cNvPr id="15" name="Title 14">
             <a:extLst>
               <a:ext uri="{FF2B5EF4-FFF2-40B4-BE49-F238E27FC236}">
-                <a16:creationId xmlns:a16="http://schemas.microsoft.com/office/drawing/2014/main" id="{DBC921C5-5531-A9B1-78FA-437151214A0C}"/>
+                <a16:creationId xmlns:a16="http://schemas.microsoft.com/office/drawing/2014/main" id="{A1C5E8FA-3707-32D5-48A8-435989B66C3D}"/>
               </a:ext>
             </a:extLst>
           </p:cNvPr>
@@ -8665,7 +9621,50 @@
             <p:ph type="title"/>
           </p:nvPr>
         </p:nvSpPr>
-        <p:spPr/>
+        <p:spPr>
+          <a:xfrm>
+            <a:off x="318837" y="685800"/>
+            <a:ext cx="11309684" cy="1158140"/>
+          </a:xfrm>
+        </p:spPr>
+        <p:txBody>
+          <a:bodyPr>
+            <a:noAutofit/>
+          </a:bodyPr>
+          <a:lstStyle/>
+          <a:p>
+            <a:r>
+              <a:rPr lang="en-US" sz="4800" cap="none" dirty="0">
+                <a:latin typeface="Arial" panose="020B0604020202020204" pitchFamily="34" charset="0"/>
+                <a:cs typeface="Arial" panose="020B0604020202020204" pitchFamily="34" charset="0"/>
+              </a:rPr>
+              <a:t>Who created the most impactful content?</a:t>
+            </a:r>
+          </a:p>
+        </p:txBody>
+      </p:sp>
+      <p:sp>
+        <p:nvSpPr>
+          <p:cNvPr id="16" name="Content Placeholder 15">
+            <a:extLst>
+              <a:ext uri="{FF2B5EF4-FFF2-40B4-BE49-F238E27FC236}">
+                <a16:creationId xmlns:a16="http://schemas.microsoft.com/office/drawing/2014/main" id="{084E2316-F6F6-4A5C-A283-C725950CB950}"/>
+              </a:ext>
+            </a:extLst>
+          </p:cNvPr>
+          <p:cNvSpPr>
+            <a:spLocks noGrp="1"/>
+          </p:cNvSpPr>
+          <p:nvPr>
+            <p:ph sz="quarter" idx="14"/>
+          </p:nvPr>
+        </p:nvSpPr>
+        <p:spPr>
+          <a:xfrm>
+            <a:off x="621871" y="2063396"/>
+            <a:ext cx="5086538" cy="3311189"/>
+          </a:xfrm>
+        </p:spPr>
         <p:txBody>
           <a:bodyPr/>
           <a:lstStyle/>
@@ -8675,68 +9674,68 @@
                 <a:latin typeface="Arial" panose="020B0604020202020204" pitchFamily="34" charset="0"/>
                 <a:cs typeface="Arial" panose="020B0604020202020204" pitchFamily="34" charset="0"/>
               </a:rPr>
-              <a:t>Genre Breakdown</a:t>
-            </a:r>
-          </a:p>
-        </p:txBody>
-      </p:sp>
-      <p:sp>
-        <p:nvSpPr>
-          <p:cNvPr id="4" name="Content Placeholder 3">
+              <a:t>From the data provided, the best content is regularly created in the form of TV shows</a:t>
+            </a:r>
+          </a:p>
+          <a:p>
+            <a:r>
+              <a:rPr lang="en-US" cap="none" dirty="0">
+                <a:latin typeface="Arial" panose="020B0604020202020204" pitchFamily="34" charset="0"/>
+                <a:cs typeface="Arial" panose="020B0604020202020204" pitchFamily="34" charset="0"/>
+              </a:rPr>
+              <a:t>With only 2 movies making the list, we can assume that movies only create a short impact</a:t>
+            </a:r>
+          </a:p>
+          <a:p>
+            <a:r>
+              <a:rPr lang="en-US" cap="none" dirty="0">
+                <a:latin typeface="Arial" panose="020B0604020202020204" pitchFamily="34" charset="0"/>
+                <a:cs typeface="Arial" panose="020B0604020202020204" pitchFamily="34" charset="0"/>
+              </a:rPr>
+              <a:t>TV shows have lasting impacts on viewership and retains viewers</a:t>
+            </a:r>
+          </a:p>
+        </p:txBody>
+      </p:sp>
+      <p:pic>
+        <p:nvPicPr>
+          <p:cNvPr id="5" name="Content Placeholder 4" descr="Chart, bar chart&#10;&#10;Description automatically generated">
             <a:extLst>
               <a:ext uri="{FF2B5EF4-FFF2-40B4-BE49-F238E27FC236}">
-                <a16:creationId xmlns:a16="http://schemas.microsoft.com/office/drawing/2014/main" id="{56CBBD9E-23DC-B411-E9FF-78564DFA42F9}"/>
+                <a16:creationId xmlns:a16="http://schemas.microsoft.com/office/drawing/2014/main" id="{1C50B1B4-3194-82F7-A024-0B214EE46258}"/>
               </a:ext>
             </a:extLst>
           </p:cNvPr>
-          <p:cNvSpPr>
-            <a:spLocks noGrp="1"/>
-          </p:cNvSpPr>
+          <p:cNvPicPr>
+            <a:picLocks noGrp="1" noChangeAspect="1"/>
+          </p:cNvPicPr>
           <p:nvPr>
             <p:ph sz="quarter" idx="13"/>
           </p:nvPr>
-        </p:nvSpPr>
-        <p:spPr/>
-        <p:txBody>
-          <a:bodyPr/>
-          <a:lstStyle/>
-          <a:p>
-            <a:endParaRPr lang="en-US" cap="none" dirty="0">
-              <a:latin typeface="Arial" panose="020B0604020202020204" pitchFamily="34" charset="0"/>
-              <a:cs typeface="Arial" panose="020B0604020202020204" pitchFamily="34" charset="0"/>
-            </a:endParaRPr>
-          </a:p>
-        </p:txBody>
-      </p:sp>
-      <p:sp>
-        <p:nvSpPr>
-          <p:cNvPr id="5" name="Content Placeholder 4">
+        </p:nvPicPr>
+        <p:blipFill>
+          <a:blip r:embed="rId2">
             <a:extLst>
-              <a:ext uri="{FF2B5EF4-FFF2-40B4-BE49-F238E27FC236}">
-                <a16:creationId xmlns:a16="http://schemas.microsoft.com/office/drawing/2014/main" id="{C9850036-33B2-8DF6-E9AC-2A08B6E58084}"/>
+              <a:ext uri="{28A0092B-C50C-407E-A947-70E740481C1C}">
+                <a14:useLocalDpi xmlns:a14="http://schemas.microsoft.com/office/drawing/2010/main" val="0"/>
               </a:ext>
             </a:extLst>
-          </p:cNvPr>
-          <p:cNvSpPr>
-            <a:spLocks noGrp="1"/>
-          </p:cNvSpPr>
-          <p:nvPr>
-            <p:ph sz="quarter" idx="14"/>
-          </p:nvPr>
-        </p:nvSpPr>
-        <p:spPr/>
-        <p:txBody>
-          <a:bodyPr/>
-          <a:lstStyle/>
-          <a:p>
-            <a:endParaRPr lang="en-US"/>
-          </a:p>
-        </p:txBody>
-      </p:sp>
+          </a:blip>
+          <a:stretch>
+            <a:fillRect/>
+          </a:stretch>
+        </p:blipFill>
+        <p:spPr>
+          <a:xfrm>
+            <a:off x="6346552" y="2063396"/>
+            <a:ext cx="4686225" cy="3311525"/>
+          </a:xfrm>
+        </p:spPr>
+      </p:pic>
     </p:spTree>
     <p:extLst>
       <p:ext uri="{BB962C8B-B14F-4D97-AF65-F5344CB8AC3E}">
-        <p14:creationId xmlns:p14="http://schemas.microsoft.com/office/powerpoint/2010/main" val="4159317097"/>
+        <p14:creationId xmlns:p14="http://schemas.microsoft.com/office/powerpoint/2010/main" val="3117418314"/>
       </p:ext>
     </p:extLst>
   </p:cSld>
